--- a/DATOS COVID Chile 2022 04 16.pptx
+++ b/DATOS COVID Chile 2022 04 16.pptx
@@ -5,7 +5,7 @@
     <p:sldMasterId id="2147483648" r:id="rId1"/>
   </p:sldMasterIdLst>
   <p:notesMasterIdLst>
-    <p:notesMasterId r:id="rId26"/>
+    <p:notesMasterId r:id="rId29"/>
   </p:notesMasterIdLst>
   <p:sldIdLst>
     <p:sldId id="266" r:id="rId2"/>
@@ -26,12 +26,15 @@
     <p:sldId id="431" r:id="rId17"/>
     <p:sldId id="438" r:id="rId18"/>
     <p:sldId id="474" r:id="rId19"/>
-    <p:sldId id="407" r:id="rId20"/>
-    <p:sldId id="288" r:id="rId21"/>
-    <p:sldId id="300" r:id="rId22"/>
-    <p:sldId id="451" r:id="rId23"/>
-    <p:sldId id="470" r:id="rId24"/>
-    <p:sldId id="424" r:id="rId25"/>
+    <p:sldId id="477" r:id="rId20"/>
+    <p:sldId id="476" r:id="rId21"/>
+    <p:sldId id="475" r:id="rId22"/>
+    <p:sldId id="407" r:id="rId23"/>
+    <p:sldId id="288" r:id="rId24"/>
+    <p:sldId id="300" r:id="rId25"/>
+    <p:sldId id="451" r:id="rId26"/>
+    <p:sldId id="470" r:id="rId27"/>
+    <p:sldId id="424" r:id="rId28"/>
   </p:sldIdLst>
   <p:sldSz cx="12192000" cy="6858000"/>
   <p:notesSz cx="6858000" cy="9144000"/>
@@ -5207,10 +5210,10 @@
       </p:sp>
       <p:pic>
         <p:nvPicPr>
-          <p:cNvPr id="2" name="Picture 1">
+          <p:cNvPr id="3" name="Picture 2">
             <a:extLst>
               <a:ext uri="{FF2B5EF4-FFF2-40B4-BE49-F238E27FC236}">
-                <a16:creationId xmlns:a16="http://schemas.microsoft.com/office/drawing/2014/main" id="{A79D22C7-6238-6E46-ACAF-5334DBA52066}"/>
+                <a16:creationId xmlns:a16="http://schemas.microsoft.com/office/drawing/2014/main" id="{E413B6E5-7BE6-E5D7-9057-C3C371833045}"/>
               </a:ext>
             </a:extLst>
           </p:cNvPr>
@@ -5227,8 +5230,8 @@
         </p:blipFill>
         <p:spPr>
           <a:xfrm>
-            <a:off x="2188029" y="712975"/>
-            <a:ext cx="7772400" cy="5688288"/>
+            <a:off x="2193150" y="712975"/>
+            <a:ext cx="7805700" cy="5748533"/>
           </a:xfrm>
           <a:prstGeom prst="rect">
             <a:avLst/>
@@ -6392,6 +6395,14 @@
 <file path=ppt/slides/slide19.xml><?xml version="1.0" encoding="utf-8"?>
 <p:sld xmlns:a="http://schemas.openxmlformats.org/drawingml/2006/main" xmlns:r="http://schemas.openxmlformats.org/officeDocument/2006/relationships" xmlns:p="http://schemas.openxmlformats.org/presentationml/2006/main">
   <p:cSld>
+    <p:bg>
+      <p:bgPr>
+        <a:solidFill>
+          <a:schemeClr val="bg1"/>
+        </a:solidFill>
+        <a:effectLst/>
+      </p:bgPr>
+    </p:bg>
     <p:spTree>
       <p:nvGrpSpPr>
         <p:cNvPr id="1" name=""/>
@@ -6408,10 +6419,10 @@
       </p:grpSpPr>
       <p:sp>
         <p:nvSpPr>
-          <p:cNvPr id="5" name="TextBox 4">
+          <p:cNvPr id="3" name="TextBox 2">
             <a:extLst>
               <a:ext uri="{FF2B5EF4-FFF2-40B4-BE49-F238E27FC236}">
-                <a16:creationId xmlns:a16="http://schemas.microsoft.com/office/drawing/2014/main" id="{5812A473-A74C-FC4F-8976-C670E80DF397}"/>
+                <a16:creationId xmlns:a16="http://schemas.microsoft.com/office/drawing/2014/main" id="{1466E799-48AD-5187-9F81-19227DF76912}"/>
               </a:ext>
             </a:extLst>
           </p:cNvPr>
@@ -6420,184 +6431,2304 @@
         </p:nvSpPr>
         <p:spPr>
           <a:xfrm>
-            <a:off x="0" y="6448620"/>
-            <a:ext cx="8132354" cy="369332"/>
-          </a:xfrm>
-          <a:prstGeom prst="rect">
-            <a:avLst/>
-          </a:prstGeom>
-          <a:noFill/>
-        </p:spPr>
-        <p:txBody>
-          <a:bodyPr wrap="none" rtlCol="0">
-            <a:spAutoFit/>
-          </a:bodyPr>
-          <a:lstStyle/>
-          <a:p>
-            <a:r>
-              <a:rPr lang="en-US" dirty="0"/>
-              <a:t>Fuente: Centro de </a:t>
-            </a:r>
-            <a:r>
-              <a:rPr lang="en-US" dirty="0" err="1"/>
-              <a:t>Modelamiento</a:t>
-            </a:r>
-            <a:r>
-              <a:rPr lang="en-US" dirty="0"/>
-              <a:t> </a:t>
-            </a:r>
-            <a:r>
-              <a:rPr lang="en-US" dirty="0" err="1"/>
-              <a:t>Matemático</a:t>
-            </a:r>
-            <a:r>
-              <a:rPr lang="en-US" dirty="0"/>
-              <a:t>, http://covid-19vis.cmm.uchile.cl/race</a:t>
-            </a:r>
-          </a:p>
-        </p:txBody>
-      </p:sp>
-      <p:sp>
-        <p:nvSpPr>
-          <p:cNvPr id="6" name="TextBox 5">
-            <a:extLst>
-              <a:ext uri="{FF2B5EF4-FFF2-40B4-BE49-F238E27FC236}">
-                <a16:creationId xmlns:a16="http://schemas.microsoft.com/office/drawing/2014/main" id="{74423459-FDA9-4647-8DC3-91E9FEA07904}"/>
-              </a:ext>
-            </a:extLst>
-          </p:cNvPr>
-          <p:cNvSpPr txBox="1"/>
-          <p:nvPr/>
-        </p:nvSpPr>
-        <p:spPr>
-          <a:xfrm>
-            <a:off x="1966600" y="-18567"/>
-            <a:ext cx="8258799" cy="738664"/>
-          </a:xfrm>
-          <a:prstGeom prst="rect">
-            <a:avLst/>
-          </a:prstGeom>
-          <a:noFill/>
-        </p:spPr>
-        <p:txBody>
-          <a:bodyPr wrap="none" rtlCol="0">
-            <a:spAutoFit/>
-          </a:bodyPr>
-          <a:lstStyle/>
-          <a:p>
-            <a:pPr algn="ctr"/>
-            <a:r>
-              <a:rPr lang="en-US" sz="2400" dirty="0" err="1"/>
-              <a:t>Número</a:t>
-            </a:r>
-            <a:r>
-              <a:rPr lang="en-US" sz="2400" dirty="0"/>
-              <a:t> </a:t>
-            </a:r>
-            <a:r>
-              <a:rPr lang="en-US" sz="2400" dirty="0" err="1"/>
-              <a:t>reproductivo</a:t>
-            </a:r>
-            <a:r>
-              <a:rPr lang="en-US" sz="2400" dirty="0"/>
-              <a:t> </a:t>
-            </a:r>
-            <a:r>
-              <a:rPr lang="en-US" sz="2400" dirty="0" err="1"/>
-              <a:t>efectivo</a:t>
-            </a:r>
-            <a:r>
-              <a:rPr lang="en-US" sz="2400" dirty="0"/>
-              <a:t> (o R </a:t>
-            </a:r>
-            <a:r>
-              <a:rPr lang="en-US" sz="2400" dirty="0" err="1"/>
-              <a:t>efectivo</a:t>
-            </a:r>
-            <a:r>
-              <a:rPr lang="en-US" sz="2400" dirty="0"/>
-              <a:t>) </a:t>
-            </a:r>
-          </a:p>
-          <a:p>
-            <a:pPr algn="ctr"/>
-            <a:r>
-              <a:rPr lang="en-US" dirty="0" err="1"/>
-              <a:t>Corresponde</a:t>
-            </a:r>
-            <a:r>
-              <a:rPr lang="en-US" dirty="0"/>
-              <a:t> al </a:t>
-            </a:r>
-            <a:r>
-              <a:rPr lang="en-US" dirty="0" err="1"/>
-              <a:t>número</a:t>
-            </a:r>
-            <a:r>
-              <a:rPr lang="en-US" dirty="0"/>
-              <a:t> </a:t>
-            </a:r>
-            <a:r>
-              <a:rPr lang="en-US" dirty="0" err="1"/>
-              <a:t>promedio</a:t>
-            </a:r>
-            <a:r>
-              <a:rPr lang="en-US" dirty="0"/>
-              <a:t> de personas </a:t>
-            </a:r>
-            <a:r>
-              <a:rPr lang="en-US" dirty="0" err="1"/>
-              <a:t>infectadas</a:t>
-            </a:r>
-            <a:r>
-              <a:rPr lang="en-US" dirty="0"/>
-              <a:t> por una persona </a:t>
-            </a:r>
-            <a:r>
-              <a:rPr lang="en-US" dirty="0" err="1"/>
-              <a:t>infecciosa</a:t>
-            </a:r>
-            <a:r>
-              <a:rPr lang="en-US" dirty="0"/>
-              <a:t>. </a:t>
-            </a:r>
-          </a:p>
-        </p:txBody>
-      </p:sp>
-      <p:pic>
-        <p:nvPicPr>
-          <p:cNvPr id="3" name="Picture 2">
-            <a:extLst>
-              <a:ext uri="{FF2B5EF4-FFF2-40B4-BE49-F238E27FC236}">
-                <a16:creationId xmlns:a16="http://schemas.microsoft.com/office/drawing/2014/main" id="{B509E9D4-0E67-F3BA-775F-2096385125EF}"/>
-              </a:ext>
-            </a:extLst>
-          </p:cNvPr>
-          <p:cNvPicPr>
-            <a:picLocks noChangeAspect="1"/>
-          </p:cNvPicPr>
-          <p:nvPr/>
-        </p:nvPicPr>
-        <p:blipFill>
-          <a:blip r:embed="rId2"/>
-          <a:stretch>
-            <a:fillRect/>
-          </a:stretch>
-        </p:blipFill>
-        <p:spPr>
-          <a:xfrm>
-            <a:off x="439386" y="881845"/>
-            <a:ext cx="11313226" cy="5405027"/>
+            <a:off x="838199" y="291090"/>
+            <a:ext cx="10515599" cy="932688"/>
           </a:xfrm>
           <a:prstGeom prst="rect">
             <a:avLst/>
           </a:prstGeom>
         </p:spPr>
-      </p:pic>
+        <p:txBody>
+          <a:bodyPr vert="horz" lIns="91440" tIns="45720" rIns="91440" bIns="45720" rtlCol="0" anchor="b">
+            <a:normAutofit/>
+          </a:bodyPr>
+          <a:lstStyle/>
+          <a:p>
+            <a:pPr>
+              <a:lnSpc>
+                <a:spcPct val="90000"/>
+              </a:lnSpc>
+              <a:spcBef>
+                <a:spcPct val="0"/>
+              </a:spcBef>
+              <a:spcAft>
+                <a:spcPts val="600"/>
+              </a:spcAft>
+            </a:pPr>
+            <a:r>
+              <a:rPr lang="en-US" sz="5400" kern="1200" dirty="0" err="1">
+                <a:solidFill>
+                  <a:schemeClr val="tx1"/>
+                </a:solidFill>
+                <a:latin typeface="+mj-lt"/>
+                <a:ea typeface="+mj-ea"/>
+                <a:cs typeface="+mj-cs"/>
+              </a:rPr>
+              <a:t>Descuadre</a:t>
+            </a:r>
+            <a:r>
+              <a:rPr lang="en-US" sz="5400" kern="1200" dirty="0">
+                <a:solidFill>
+                  <a:schemeClr val="tx1"/>
+                </a:solidFill>
+                <a:latin typeface="+mj-lt"/>
+                <a:ea typeface="+mj-ea"/>
+                <a:cs typeface="+mj-cs"/>
+              </a:rPr>
+              <a:t> de </a:t>
+            </a:r>
+            <a:r>
+              <a:rPr lang="en-US" sz="5400" kern="1200" dirty="0" err="1">
+                <a:solidFill>
+                  <a:schemeClr val="tx1"/>
+                </a:solidFill>
+                <a:latin typeface="+mj-lt"/>
+                <a:ea typeface="+mj-ea"/>
+                <a:cs typeface="+mj-cs"/>
+              </a:rPr>
+              <a:t>reportes</a:t>
+            </a:r>
+            <a:r>
+              <a:rPr lang="en-US" sz="5400" kern="1200" dirty="0">
+                <a:solidFill>
+                  <a:schemeClr val="tx1"/>
+                </a:solidFill>
+                <a:latin typeface="+mj-lt"/>
+                <a:ea typeface="+mj-ea"/>
+                <a:cs typeface="+mj-cs"/>
+              </a:rPr>
+              <a:t> </a:t>
+            </a:r>
+            <a:r>
+              <a:rPr lang="en-US" sz="5400" kern="1200" dirty="0" err="1">
+                <a:solidFill>
+                  <a:schemeClr val="tx1"/>
+                </a:solidFill>
+                <a:latin typeface="+mj-lt"/>
+                <a:ea typeface="+mj-ea"/>
+                <a:cs typeface="+mj-cs"/>
+              </a:rPr>
+              <a:t>semanales</a:t>
+            </a:r>
+            <a:endParaRPr lang="en-US" sz="5400" kern="1200" dirty="0">
+              <a:solidFill>
+                <a:schemeClr val="tx1"/>
+              </a:solidFill>
+              <a:latin typeface="+mj-lt"/>
+              <a:ea typeface="+mj-ea"/>
+              <a:cs typeface="+mj-cs"/>
+            </a:endParaRPr>
+          </a:p>
+        </p:txBody>
+      </p:sp>
+      <p:graphicFrame>
+        <p:nvGraphicFramePr>
+          <p:cNvPr id="4" name="Table 3">
+            <a:extLst>
+              <a:ext uri="{FF2B5EF4-FFF2-40B4-BE49-F238E27FC236}">
+                <a16:creationId xmlns:a16="http://schemas.microsoft.com/office/drawing/2014/main" id="{33E8B951-5C71-FD1B-39A4-FC0B889D6271}"/>
+              </a:ext>
+            </a:extLst>
+          </p:cNvPr>
+          <p:cNvGraphicFramePr>
+            <a:graphicFrameLocks noGrp="1"/>
+          </p:cNvGraphicFramePr>
+          <p:nvPr>
+            <p:extLst>
+              <p:ext uri="{D42A27DB-BD31-4B8C-83A1-F6EECF244321}">
+                <p14:modId xmlns:p14="http://schemas.microsoft.com/office/powerpoint/2010/main" val="2168329713"/>
+              </p:ext>
+            </p:extLst>
+          </p:nvPr>
+        </p:nvGraphicFramePr>
+        <p:xfrm>
+          <a:off x="1170709" y="1224398"/>
+          <a:ext cx="8638309" cy="4937300"/>
+        </p:xfrm>
+        <a:graphic>
+          <a:graphicData uri="http://schemas.openxmlformats.org/drawingml/2006/table">
+            <a:tbl>
+              <a:tblPr firstRow="1" bandRow="1"/>
+              <a:tblGrid>
+                <a:gridCol w="2121657">
+                  <a:extLst>
+                    <a:ext uri="{9D8B030D-6E8A-4147-A177-3AD203B41FA5}">
+                      <a16:colId xmlns:a16="http://schemas.microsoft.com/office/drawing/2014/main" val="3647038532"/>
+                    </a:ext>
+                  </a:extLst>
+                </a:gridCol>
+                <a:gridCol w="1742772">
+                  <a:extLst>
+                    <a:ext uri="{9D8B030D-6E8A-4147-A177-3AD203B41FA5}">
+                      <a16:colId xmlns:a16="http://schemas.microsoft.com/office/drawing/2014/main" val="1114492646"/>
+                    </a:ext>
+                  </a:extLst>
+                </a:gridCol>
+                <a:gridCol w="2327563">
+                  <a:extLst>
+                    <a:ext uri="{9D8B030D-6E8A-4147-A177-3AD203B41FA5}">
+                      <a16:colId xmlns:a16="http://schemas.microsoft.com/office/drawing/2014/main" val="2001071888"/>
+                    </a:ext>
+                  </a:extLst>
+                </a:gridCol>
+                <a:gridCol w="2446317">
+                  <a:extLst>
+                    <a:ext uri="{9D8B030D-6E8A-4147-A177-3AD203B41FA5}">
+                      <a16:colId xmlns:a16="http://schemas.microsoft.com/office/drawing/2014/main" val="3855064317"/>
+                    </a:ext>
+                  </a:extLst>
+                </a:gridCol>
+              </a:tblGrid>
+              <a:tr h="684023">
+                <a:tc>
+                  <a:txBody>
+                    <a:bodyPr/>
+                    <a:lstStyle/>
+                    <a:p>
+                      <a:pPr algn="l" fontAlgn="t"/>
+                      <a:r>
+                        <a:rPr lang="en-US" sz="2400">
+                          <a:solidFill>
+                            <a:srgbClr val="111111"/>
+                          </a:solidFill>
+                          <a:effectLst/>
+                        </a:rPr>
+                        <a:t>Región</a:t>
+                      </a:r>
+                    </a:p>
+                  </a:txBody>
+                  <a:tcPr marL="91395" marR="91395" marT="45697" marB="45697">
+                    <a:lnL>
+                      <a:noFill/>
+                    </a:lnL>
+                    <a:lnR>
+                      <a:noFill/>
+                    </a:lnR>
+                    <a:lnT w="9525" cap="flat" cmpd="sng" algn="ctr">
+                      <a:solidFill>
+                        <a:srgbClr val="DEE2E6"/>
+                      </a:solidFill>
+                      <a:prstDash val="solid"/>
+                      <a:round/>
+                      <a:headEnd type="none" w="med" len="med"/>
+                      <a:tailEnd type="none" w="med" len="med"/>
+                    </a:lnT>
+                    <a:lnB w="9525" cap="flat" cmpd="sng" algn="ctr">
+                      <a:solidFill>
+                        <a:srgbClr val="DEE2E6"/>
+                      </a:solidFill>
+                      <a:prstDash val="solid"/>
+                      <a:round/>
+                      <a:headEnd type="none" w="med" len="med"/>
+                      <a:tailEnd type="none" w="med" len="med"/>
+                    </a:lnB>
+                    <a:solidFill>
+                      <a:srgbClr val="FFFFFF"/>
+                    </a:solidFill>
+                  </a:tcPr>
+                </a:tc>
+                <a:tc>
+                  <a:txBody>
+                    <a:bodyPr/>
+                    <a:lstStyle/>
+                    <a:p>
+                      <a:pPr algn="l" fontAlgn="t"/>
+                      <a:r>
+                        <a:rPr lang="en-US" sz="2400">
+                          <a:solidFill>
+                            <a:srgbClr val="111111"/>
+                          </a:solidFill>
+                          <a:effectLst/>
+                        </a:rPr>
+                        <a:t>Fecha</a:t>
+                      </a:r>
+                    </a:p>
+                  </a:txBody>
+                  <a:tcPr marL="91395" marR="91395" marT="45697" marB="45697">
+                    <a:lnL>
+                      <a:noFill/>
+                    </a:lnL>
+                    <a:lnR>
+                      <a:noFill/>
+                    </a:lnR>
+                    <a:lnT w="9525" cap="flat" cmpd="sng" algn="ctr">
+                      <a:solidFill>
+                        <a:srgbClr val="DEE2E6"/>
+                      </a:solidFill>
+                      <a:prstDash val="solid"/>
+                      <a:round/>
+                      <a:headEnd type="none" w="med" len="med"/>
+                      <a:tailEnd type="none" w="med" len="med"/>
+                    </a:lnT>
+                    <a:lnB w="9525" cap="flat" cmpd="sng" algn="ctr">
+                      <a:solidFill>
+                        <a:srgbClr val="DEE2E6"/>
+                      </a:solidFill>
+                      <a:prstDash val="solid"/>
+                      <a:round/>
+                      <a:headEnd type="none" w="med" len="med"/>
+                      <a:tailEnd type="none" w="med" len="med"/>
+                    </a:lnB>
+                    <a:solidFill>
+                      <a:srgbClr val="FFFFFF"/>
+                    </a:solidFill>
+                  </a:tcPr>
+                </a:tc>
+                <a:tc>
+                  <a:txBody>
+                    <a:bodyPr/>
+                    <a:lstStyle/>
+                    <a:p>
+                      <a:pPr algn="ctr" fontAlgn="t"/>
+                      <a:r>
+                        <a:rPr lang="en-US" sz="2400" dirty="0">
+                          <a:solidFill>
+                            <a:srgbClr val="111111"/>
+                          </a:solidFill>
+                          <a:effectLst/>
+                        </a:rPr>
+                        <a:t>Total </a:t>
+                      </a:r>
+                      <a:r>
+                        <a:rPr lang="en-US" sz="2400" dirty="0" err="1">
+                          <a:solidFill>
+                            <a:srgbClr val="111111"/>
+                          </a:solidFill>
+                          <a:effectLst/>
+                        </a:rPr>
+                        <a:t>casos</a:t>
+                      </a:r>
+                      <a:r>
+                        <a:rPr lang="en-US" sz="2400" dirty="0">
+                          <a:solidFill>
+                            <a:srgbClr val="111111"/>
+                          </a:solidFill>
+                          <a:effectLst/>
+                        </a:rPr>
+                        <a:t> </a:t>
+                      </a:r>
+                      <a:r>
+                        <a:rPr lang="en-US" sz="2400" dirty="0" err="1">
+                          <a:solidFill>
+                            <a:srgbClr val="111111"/>
+                          </a:solidFill>
+                          <a:effectLst/>
+                        </a:rPr>
+                        <a:t>acumulados</a:t>
+                      </a:r>
+                      <a:endParaRPr lang="en-US" sz="2400" dirty="0">
+                        <a:solidFill>
+                          <a:srgbClr val="111111"/>
+                        </a:solidFill>
+                        <a:effectLst/>
+                      </a:endParaRPr>
+                    </a:p>
+                  </a:txBody>
+                  <a:tcPr marL="91395" marR="91395" marT="45697" marB="45697">
+                    <a:lnL>
+                      <a:noFill/>
+                    </a:lnL>
+                    <a:lnR>
+                      <a:noFill/>
+                    </a:lnR>
+                    <a:lnT w="9525" cap="flat" cmpd="sng" algn="ctr">
+                      <a:solidFill>
+                        <a:srgbClr val="DEE2E6"/>
+                      </a:solidFill>
+                      <a:prstDash val="solid"/>
+                      <a:round/>
+                      <a:headEnd type="none" w="med" len="med"/>
+                      <a:tailEnd type="none" w="med" len="med"/>
+                    </a:lnT>
+                    <a:lnB w="9525" cap="flat" cmpd="sng" algn="ctr">
+                      <a:solidFill>
+                        <a:srgbClr val="DEE2E6"/>
+                      </a:solidFill>
+                      <a:prstDash val="solid"/>
+                      <a:round/>
+                      <a:headEnd type="none" w="med" len="med"/>
+                      <a:tailEnd type="none" w="med" len="med"/>
+                    </a:lnB>
+                    <a:solidFill>
+                      <a:srgbClr val="FFFFFF"/>
+                    </a:solidFill>
+                  </a:tcPr>
+                </a:tc>
+                <a:tc>
+                  <a:txBody>
+                    <a:bodyPr/>
+                    <a:lstStyle/>
+                    <a:p>
+                      <a:pPr algn="ctr" fontAlgn="t"/>
+                      <a:r>
+                        <a:rPr lang="en-US" sz="2400" dirty="0">
+                          <a:solidFill>
+                            <a:srgbClr val="111111"/>
+                          </a:solidFill>
+                          <a:effectLst/>
+                        </a:rPr>
+                        <a:t>Casos </a:t>
+                      </a:r>
+                      <a:r>
+                        <a:rPr lang="en-US" sz="2400" dirty="0" err="1">
+                          <a:solidFill>
+                            <a:srgbClr val="111111"/>
+                          </a:solidFill>
+                          <a:effectLst/>
+                        </a:rPr>
+                        <a:t>reportados</a:t>
+                      </a:r>
+                      <a:r>
+                        <a:rPr lang="en-US" sz="2400" dirty="0">
+                          <a:solidFill>
+                            <a:srgbClr val="111111"/>
+                          </a:solidFill>
+                          <a:effectLst/>
+                        </a:rPr>
+                        <a:t> </a:t>
+                      </a:r>
+                      <a:r>
+                        <a:rPr lang="en-US" sz="2400" dirty="0" err="1">
+                          <a:solidFill>
+                            <a:srgbClr val="111111"/>
+                          </a:solidFill>
+                          <a:effectLst/>
+                        </a:rPr>
+                        <a:t>en</a:t>
+                      </a:r>
+                      <a:r>
+                        <a:rPr lang="en-US" sz="2400" dirty="0">
+                          <a:solidFill>
+                            <a:srgbClr val="111111"/>
+                          </a:solidFill>
+                          <a:effectLst/>
+                        </a:rPr>
+                        <a:t> </a:t>
+                      </a:r>
+                      <a:r>
+                        <a:rPr lang="en-US" sz="2400" dirty="0" err="1">
+                          <a:solidFill>
+                            <a:srgbClr val="111111"/>
+                          </a:solidFill>
+                          <a:effectLst/>
+                        </a:rPr>
+                        <a:t>el</a:t>
+                      </a:r>
+                      <a:r>
+                        <a:rPr lang="en-US" sz="2400" dirty="0">
+                          <a:solidFill>
+                            <a:srgbClr val="111111"/>
+                          </a:solidFill>
+                          <a:effectLst/>
+                        </a:rPr>
+                        <a:t> día</a:t>
+                      </a:r>
+                    </a:p>
+                  </a:txBody>
+                  <a:tcPr marL="91395" marR="91395" marT="45697" marB="45697">
+                    <a:lnL>
+                      <a:noFill/>
+                    </a:lnL>
+                    <a:lnR>
+                      <a:noFill/>
+                    </a:lnR>
+                    <a:lnT w="9525" cap="flat" cmpd="sng" algn="ctr">
+                      <a:solidFill>
+                        <a:srgbClr val="DEE2E6"/>
+                      </a:solidFill>
+                      <a:prstDash val="solid"/>
+                      <a:round/>
+                      <a:headEnd type="none" w="med" len="med"/>
+                      <a:tailEnd type="none" w="med" len="med"/>
+                    </a:lnT>
+                    <a:lnB w="9525" cap="flat" cmpd="sng" algn="ctr">
+                      <a:solidFill>
+                        <a:srgbClr val="DEE2E6"/>
+                      </a:solidFill>
+                      <a:prstDash val="solid"/>
+                      <a:round/>
+                      <a:headEnd type="none" w="med" len="med"/>
+                      <a:tailEnd type="none" w="med" len="med"/>
+                    </a:lnB>
+                    <a:solidFill>
+                      <a:srgbClr val="FFFFFF"/>
+                    </a:solidFill>
+                  </a:tcPr>
+                </a:tc>
+                <a:extLst>
+                  <a:ext uri="{0D108BD9-81ED-4DB2-BD59-A6C34878D82A}">
+                    <a16:rowId xmlns:a16="http://schemas.microsoft.com/office/drawing/2014/main" val="2054149110"/>
+                  </a:ext>
+                </a:extLst>
+              </a:tr>
+              <a:tr h="407246">
+                <a:tc>
+                  <a:txBody>
+                    <a:bodyPr/>
+                    <a:lstStyle/>
+                    <a:p>
+                      <a:pPr fontAlgn="t"/>
+                      <a:r>
+                        <a:rPr lang="en-US" sz="2400" dirty="0" err="1">
+                          <a:solidFill>
+                            <a:srgbClr val="444444"/>
+                          </a:solidFill>
+                          <a:effectLst/>
+                        </a:rPr>
+                        <a:t>Ñuble</a:t>
+                      </a:r>
+                      <a:endParaRPr lang="en-US" sz="2400" dirty="0">
+                        <a:solidFill>
+                          <a:srgbClr val="444444"/>
+                        </a:solidFill>
+                        <a:effectLst/>
+                      </a:endParaRPr>
+                    </a:p>
+                  </a:txBody>
+                  <a:tcPr marL="85551" marR="85551" marT="42775" marB="42775">
+                    <a:lnL>
+                      <a:noFill/>
+                    </a:lnL>
+                    <a:lnR>
+                      <a:noFill/>
+                    </a:lnR>
+                    <a:lnT w="9525" cap="flat" cmpd="sng" algn="ctr">
+                      <a:solidFill>
+                        <a:srgbClr val="DEE2E6"/>
+                      </a:solidFill>
+                      <a:prstDash val="solid"/>
+                      <a:round/>
+                      <a:headEnd type="none" w="med" len="med"/>
+                      <a:tailEnd type="none" w="med" len="med"/>
+                    </a:lnT>
+                    <a:lnB w="9525" cap="flat" cmpd="sng" algn="ctr">
+                      <a:solidFill>
+                        <a:srgbClr val="DEE2E6"/>
+                      </a:solidFill>
+                      <a:prstDash val="solid"/>
+                      <a:round/>
+                      <a:headEnd type="none" w="med" len="med"/>
+                      <a:tailEnd type="none" w="med" len="med"/>
+                    </a:lnB>
+                    <a:solidFill>
+                      <a:srgbClr val="FFFFFF"/>
+                    </a:solidFill>
+                  </a:tcPr>
+                </a:tc>
+                <a:tc>
+                  <a:txBody>
+                    <a:bodyPr/>
+                    <a:lstStyle/>
+                    <a:p>
+                      <a:pPr fontAlgn="t"/>
+                      <a:r>
+                        <a:rPr lang="en-US" sz="2400" dirty="0">
+                          <a:solidFill>
+                            <a:srgbClr val="FF0000"/>
+                          </a:solidFill>
+                          <a:effectLst/>
+                        </a:rPr>
+                        <a:t>Sab 9 </a:t>
+                      </a:r>
+                      <a:r>
+                        <a:rPr lang="en-US" sz="2400" dirty="0" err="1">
+                          <a:solidFill>
+                            <a:srgbClr val="FF0000"/>
+                          </a:solidFill>
+                          <a:effectLst/>
+                        </a:rPr>
+                        <a:t>Abr</a:t>
+                      </a:r>
+                      <a:endParaRPr lang="en-US" sz="2400" dirty="0">
+                        <a:solidFill>
+                          <a:srgbClr val="FF0000"/>
+                        </a:solidFill>
+                        <a:effectLst/>
+                      </a:endParaRPr>
+                    </a:p>
+                  </a:txBody>
+                  <a:tcPr marL="91395" marR="91395" marT="45697" marB="45697">
+                    <a:lnL>
+                      <a:noFill/>
+                    </a:lnL>
+                    <a:lnR>
+                      <a:noFill/>
+                    </a:lnR>
+                    <a:lnT w="9525" cap="flat" cmpd="sng" algn="ctr">
+                      <a:solidFill>
+                        <a:srgbClr val="DEE2E6"/>
+                      </a:solidFill>
+                      <a:prstDash val="solid"/>
+                      <a:round/>
+                      <a:headEnd type="none" w="med" len="med"/>
+                      <a:tailEnd type="none" w="med" len="med"/>
+                    </a:lnT>
+                    <a:lnB w="9525" cap="flat" cmpd="sng" algn="ctr">
+                      <a:solidFill>
+                        <a:srgbClr val="DEE2E6"/>
+                      </a:solidFill>
+                      <a:prstDash val="solid"/>
+                      <a:round/>
+                      <a:headEnd type="none" w="med" len="med"/>
+                      <a:tailEnd type="none" w="med" len="med"/>
+                    </a:lnB>
+                    <a:solidFill>
+                      <a:srgbClr val="FFFFFF"/>
+                    </a:solidFill>
+                  </a:tcPr>
+                </a:tc>
+                <a:tc>
+                  <a:txBody>
+                    <a:bodyPr/>
+                    <a:lstStyle/>
+                    <a:p>
+                      <a:pPr algn="r" fontAlgn="t"/>
+                      <a:r>
+                        <a:rPr lang="en-CL" sz="2400" b="1" dirty="0">
+                          <a:solidFill>
+                            <a:srgbClr val="FF0000"/>
+                          </a:solidFill>
+                          <a:effectLst/>
+                        </a:rPr>
+                        <a:t>98.985</a:t>
+                      </a:r>
+                      <a:endParaRPr lang="en-CL" sz="2400" dirty="0">
+                        <a:solidFill>
+                          <a:srgbClr val="FF0000"/>
+                        </a:solidFill>
+                        <a:effectLst/>
+                      </a:endParaRPr>
+                    </a:p>
+                  </a:txBody>
+                  <a:tcPr marL="85551" marR="85551" marT="42775" marB="42775">
+                    <a:lnL>
+                      <a:noFill/>
+                    </a:lnL>
+                    <a:lnR>
+                      <a:noFill/>
+                    </a:lnR>
+                    <a:lnT w="9525" cap="flat" cmpd="sng" algn="ctr">
+                      <a:solidFill>
+                        <a:srgbClr val="DEE2E6"/>
+                      </a:solidFill>
+                      <a:prstDash val="solid"/>
+                      <a:round/>
+                      <a:headEnd type="none" w="med" len="med"/>
+                      <a:tailEnd type="none" w="med" len="med"/>
+                    </a:lnT>
+                    <a:lnB w="9525" cap="flat" cmpd="sng" algn="ctr">
+                      <a:solidFill>
+                        <a:srgbClr val="DEE2E6"/>
+                      </a:solidFill>
+                      <a:prstDash val="solid"/>
+                      <a:round/>
+                      <a:headEnd type="none" w="med" len="med"/>
+                      <a:tailEnd type="none" w="med" len="med"/>
+                    </a:lnB>
+                    <a:solidFill>
+                      <a:srgbClr val="FFFFFF"/>
+                    </a:solidFill>
+                  </a:tcPr>
+                </a:tc>
+                <a:tc>
+                  <a:txBody>
+                    <a:bodyPr/>
+                    <a:lstStyle/>
+                    <a:p>
+                      <a:pPr algn="r" fontAlgn="t"/>
+                      <a:endParaRPr lang="en-CL" sz="2400">
+                        <a:solidFill>
+                          <a:srgbClr val="444444"/>
+                        </a:solidFill>
+                        <a:effectLst/>
+                      </a:endParaRPr>
+                    </a:p>
+                  </a:txBody>
+                  <a:tcPr marL="91395" marR="91395" marT="45697" marB="45697">
+                    <a:lnL>
+                      <a:noFill/>
+                    </a:lnL>
+                    <a:lnR>
+                      <a:noFill/>
+                    </a:lnR>
+                    <a:lnT w="9525" cap="flat" cmpd="sng" algn="ctr">
+                      <a:solidFill>
+                        <a:srgbClr val="DEE2E6"/>
+                      </a:solidFill>
+                      <a:prstDash val="solid"/>
+                      <a:round/>
+                      <a:headEnd type="none" w="med" len="med"/>
+                      <a:tailEnd type="none" w="med" len="med"/>
+                    </a:lnT>
+                    <a:lnB w="9525" cap="flat" cmpd="sng" algn="ctr">
+                      <a:solidFill>
+                        <a:srgbClr val="DEE2E6"/>
+                      </a:solidFill>
+                      <a:prstDash val="solid"/>
+                      <a:round/>
+                      <a:headEnd type="none" w="med" len="med"/>
+                      <a:tailEnd type="none" w="med" len="med"/>
+                    </a:lnB>
+                    <a:solidFill>
+                      <a:srgbClr val="FFFFFF"/>
+                    </a:solidFill>
+                  </a:tcPr>
+                </a:tc>
+                <a:extLst>
+                  <a:ext uri="{0D108BD9-81ED-4DB2-BD59-A6C34878D82A}">
+                    <a16:rowId xmlns:a16="http://schemas.microsoft.com/office/drawing/2014/main" val="3038509748"/>
+                  </a:ext>
+                </a:extLst>
+              </a:tr>
+              <a:tr h="407246">
+                <a:tc>
+                  <a:txBody>
+                    <a:bodyPr/>
+                    <a:lstStyle/>
+                    <a:p>
+                      <a:pPr fontAlgn="t"/>
+                      <a:r>
+                        <a:rPr lang="en-US" sz="2400" dirty="0" err="1">
+                          <a:solidFill>
+                            <a:srgbClr val="444444"/>
+                          </a:solidFill>
+                          <a:effectLst/>
+                        </a:rPr>
+                        <a:t>Ñuble</a:t>
+                      </a:r>
+                      <a:endParaRPr lang="en-US" sz="2400" dirty="0">
+                        <a:solidFill>
+                          <a:srgbClr val="444444"/>
+                        </a:solidFill>
+                        <a:effectLst/>
+                      </a:endParaRPr>
+                    </a:p>
+                  </a:txBody>
+                  <a:tcPr marL="85551" marR="85551" marT="42775" marB="42775">
+                    <a:lnL>
+                      <a:noFill/>
+                    </a:lnL>
+                    <a:lnR>
+                      <a:noFill/>
+                    </a:lnR>
+                    <a:lnT w="9525" cap="flat" cmpd="sng" algn="ctr">
+                      <a:solidFill>
+                        <a:srgbClr val="DEE2E6"/>
+                      </a:solidFill>
+                      <a:prstDash val="solid"/>
+                      <a:round/>
+                      <a:headEnd type="none" w="med" len="med"/>
+                      <a:tailEnd type="none" w="med" len="med"/>
+                    </a:lnT>
+                    <a:lnB w="9525" cap="flat" cmpd="sng" algn="ctr">
+                      <a:solidFill>
+                        <a:srgbClr val="DEE2E6"/>
+                      </a:solidFill>
+                      <a:prstDash val="solid"/>
+                      <a:round/>
+                      <a:headEnd type="none" w="med" len="med"/>
+                      <a:tailEnd type="none" w="med" len="med"/>
+                    </a:lnB>
+                    <a:solidFill>
+                      <a:srgbClr val="FFFFFF"/>
+                    </a:solidFill>
+                  </a:tcPr>
+                </a:tc>
+                <a:tc>
+                  <a:txBody>
+                    <a:bodyPr/>
+                    <a:lstStyle/>
+                    <a:p>
+                      <a:pPr fontAlgn="t"/>
+                      <a:r>
+                        <a:rPr lang="en-US" sz="2400">
+                          <a:solidFill>
+                            <a:srgbClr val="444444"/>
+                          </a:solidFill>
+                          <a:effectLst/>
+                        </a:rPr>
+                        <a:t>Dom 10 </a:t>
+                      </a:r>
+                      <a:r>
+                        <a:rPr lang="en-US" sz="2400" err="1">
+                          <a:solidFill>
+                            <a:srgbClr val="444444"/>
+                          </a:solidFill>
+                          <a:effectLst/>
+                        </a:rPr>
+                        <a:t>Abr</a:t>
+                      </a:r>
+                      <a:endParaRPr lang="en-US" sz="2400">
+                        <a:solidFill>
+                          <a:srgbClr val="444444"/>
+                        </a:solidFill>
+                        <a:effectLst/>
+                      </a:endParaRPr>
+                    </a:p>
+                  </a:txBody>
+                  <a:tcPr marL="91395" marR="91395" marT="45697" marB="45697">
+                    <a:lnL>
+                      <a:noFill/>
+                    </a:lnL>
+                    <a:lnR>
+                      <a:noFill/>
+                    </a:lnR>
+                    <a:lnT w="9525" cap="flat" cmpd="sng" algn="ctr">
+                      <a:solidFill>
+                        <a:srgbClr val="DEE2E6"/>
+                      </a:solidFill>
+                      <a:prstDash val="solid"/>
+                      <a:round/>
+                      <a:headEnd type="none" w="med" len="med"/>
+                      <a:tailEnd type="none" w="med" len="med"/>
+                    </a:lnT>
+                    <a:lnB w="9525" cap="flat" cmpd="sng" algn="ctr">
+                      <a:solidFill>
+                        <a:srgbClr val="DEE2E6"/>
+                      </a:solidFill>
+                      <a:prstDash val="solid"/>
+                      <a:round/>
+                      <a:headEnd type="none" w="med" len="med"/>
+                      <a:tailEnd type="none" w="med" len="med"/>
+                    </a:lnB>
+                    <a:solidFill>
+                      <a:srgbClr val="FFFFFF"/>
+                    </a:solidFill>
+                  </a:tcPr>
+                </a:tc>
+                <a:tc>
+                  <a:txBody>
+                    <a:bodyPr/>
+                    <a:lstStyle/>
+                    <a:p>
+                      <a:pPr algn="r" fontAlgn="t"/>
+                      <a:r>
+                        <a:rPr lang="en-CL" sz="2400" dirty="0">
+                          <a:solidFill>
+                            <a:srgbClr val="444444"/>
+                          </a:solidFill>
+                          <a:effectLst/>
+                        </a:rPr>
+                        <a:t>99.063</a:t>
+                      </a:r>
+                    </a:p>
+                  </a:txBody>
+                  <a:tcPr marL="85551" marR="85551" marT="42775" marB="42775">
+                    <a:lnL>
+                      <a:noFill/>
+                    </a:lnL>
+                    <a:lnR>
+                      <a:noFill/>
+                    </a:lnR>
+                    <a:lnT w="9525" cap="flat" cmpd="sng" algn="ctr">
+                      <a:solidFill>
+                        <a:srgbClr val="DEE2E6"/>
+                      </a:solidFill>
+                      <a:prstDash val="solid"/>
+                      <a:round/>
+                      <a:headEnd type="none" w="med" len="med"/>
+                      <a:tailEnd type="none" w="med" len="med"/>
+                    </a:lnT>
+                    <a:lnB w="9525" cap="flat" cmpd="sng" algn="ctr">
+                      <a:solidFill>
+                        <a:srgbClr val="DEE2E6"/>
+                      </a:solidFill>
+                      <a:prstDash val="solid"/>
+                      <a:round/>
+                      <a:headEnd type="none" w="med" len="med"/>
+                      <a:tailEnd type="none" w="med" len="med"/>
+                    </a:lnB>
+                    <a:solidFill>
+                      <a:srgbClr val="FFFFFF"/>
+                    </a:solidFill>
+                  </a:tcPr>
+                </a:tc>
+                <a:tc>
+                  <a:txBody>
+                    <a:bodyPr/>
+                    <a:lstStyle/>
+                    <a:p>
+                      <a:pPr algn="r" fontAlgn="t"/>
+                      <a:r>
+                        <a:rPr lang="en-CL" sz="2400" dirty="0">
+                          <a:solidFill>
+                            <a:srgbClr val="444444"/>
+                          </a:solidFill>
+                          <a:effectLst/>
+                        </a:rPr>
+                        <a:t>78</a:t>
+                      </a:r>
+                    </a:p>
+                  </a:txBody>
+                  <a:tcPr marL="85551" marR="85551" marT="42775" marB="42775">
+                    <a:lnL>
+                      <a:noFill/>
+                    </a:lnL>
+                    <a:lnR>
+                      <a:noFill/>
+                    </a:lnR>
+                    <a:lnT w="9525" cap="flat" cmpd="sng" algn="ctr">
+                      <a:solidFill>
+                        <a:srgbClr val="DEE2E6"/>
+                      </a:solidFill>
+                      <a:prstDash val="solid"/>
+                      <a:round/>
+                      <a:headEnd type="none" w="med" len="med"/>
+                      <a:tailEnd type="none" w="med" len="med"/>
+                    </a:lnT>
+                    <a:lnB w="9525" cap="flat" cmpd="sng" algn="ctr">
+                      <a:solidFill>
+                        <a:srgbClr val="DEE2E6"/>
+                      </a:solidFill>
+                      <a:prstDash val="solid"/>
+                      <a:round/>
+                      <a:headEnd type="none" w="med" len="med"/>
+                      <a:tailEnd type="none" w="med" len="med"/>
+                    </a:lnB>
+                    <a:solidFill>
+                      <a:srgbClr val="FFFFFF"/>
+                    </a:solidFill>
+                  </a:tcPr>
+                </a:tc>
+                <a:extLst>
+                  <a:ext uri="{0D108BD9-81ED-4DB2-BD59-A6C34878D82A}">
+                    <a16:rowId xmlns:a16="http://schemas.microsoft.com/office/drawing/2014/main" val="613320686"/>
+                  </a:ext>
+                </a:extLst>
+              </a:tr>
+              <a:tr h="407246">
+                <a:tc>
+                  <a:txBody>
+                    <a:bodyPr/>
+                    <a:lstStyle/>
+                    <a:p>
+                      <a:pPr fontAlgn="t"/>
+                      <a:r>
+                        <a:rPr lang="en-US" sz="2400" dirty="0" err="1">
+                          <a:solidFill>
+                            <a:srgbClr val="444444"/>
+                          </a:solidFill>
+                          <a:effectLst/>
+                        </a:rPr>
+                        <a:t>Ñuble</a:t>
+                      </a:r>
+                      <a:endParaRPr lang="en-US" sz="2400" dirty="0">
+                        <a:solidFill>
+                          <a:srgbClr val="444444"/>
+                        </a:solidFill>
+                        <a:effectLst/>
+                      </a:endParaRPr>
+                    </a:p>
+                  </a:txBody>
+                  <a:tcPr marL="85551" marR="85551" marT="42775" marB="42775">
+                    <a:lnL>
+                      <a:noFill/>
+                    </a:lnL>
+                    <a:lnR>
+                      <a:noFill/>
+                    </a:lnR>
+                    <a:lnT w="9525" cap="flat" cmpd="sng" algn="ctr">
+                      <a:solidFill>
+                        <a:srgbClr val="DEE2E6"/>
+                      </a:solidFill>
+                      <a:prstDash val="solid"/>
+                      <a:round/>
+                      <a:headEnd type="none" w="med" len="med"/>
+                      <a:tailEnd type="none" w="med" len="med"/>
+                    </a:lnT>
+                    <a:lnB w="9525" cap="flat" cmpd="sng" algn="ctr">
+                      <a:solidFill>
+                        <a:srgbClr val="DEE2E6"/>
+                      </a:solidFill>
+                      <a:prstDash val="solid"/>
+                      <a:round/>
+                      <a:headEnd type="none" w="med" len="med"/>
+                      <a:tailEnd type="none" w="med" len="med"/>
+                    </a:lnB>
+                    <a:solidFill>
+                      <a:srgbClr val="FFFFFF"/>
+                    </a:solidFill>
+                  </a:tcPr>
+                </a:tc>
+                <a:tc>
+                  <a:txBody>
+                    <a:bodyPr/>
+                    <a:lstStyle/>
+                    <a:p>
+                      <a:pPr fontAlgn="t"/>
+                      <a:r>
+                        <a:rPr lang="en-US" sz="2400">
+                          <a:solidFill>
+                            <a:srgbClr val="444444"/>
+                          </a:solidFill>
+                          <a:effectLst/>
+                        </a:rPr>
+                        <a:t>Lun 11 Abr</a:t>
+                      </a:r>
+                    </a:p>
+                  </a:txBody>
+                  <a:tcPr marL="91395" marR="91395" marT="45697" marB="45697">
+                    <a:lnL>
+                      <a:noFill/>
+                    </a:lnL>
+                    <a:lnR>
+                      <a:noFill/>
+                    </a:lnR>
+                    <a:lnT w="9525" cap="flat" cmpd="sng" algn="ctr">
+                      <a:solidFill>
+                        <a:srgbClr val="DEE2E6"/>
+                      </a:solidFill>
+                      <a:prstDash val="solid"/>
+                      <a:round/>
+                      <a:headEnd type="none" w="med" len="med"/>
+                      <a:tailEnd type="none" w="med" len="med"/>
+                    </a:lnT>
+                    <a:lnB w="9525" cap="flat" cmpd="sng" algn="ctr">
+                      <a:solidFill>
+                        <a:srgbClr val="DEE2E6"/>
+                      </a:solidFill>
+                      <a:prstDash val="solid"/>
+                      <a:round/>
+                      <a:headEnd type="none" w="med" len="med"/>
+                      <a:tailEnd type="none" w="med" len="med"/>
+                    </a:lnB>
+                    <a:solidFill>
+                      <a:srgbClr val="FFFFFF"/>
+                    </a:solidFill>
+                  </a:tcPr>
+                </a:tc>
+                <a:tc>
+                  <a:txBody>
+                    <a:bodyPr/>
+                    <a:lstStyle/>
+                    <a:p>
+                      <a:pPr algn="r" fontAlgn="t"/>
+                      <a:r>
+                        <a:rPr lang="en-CL" sz="2400">
+                          <a:solidFill>
+                            <a:srgbClr val="444444"/>
+                          </a:solidFill>
+                          <a:effectLst/>
+                        </a:rPr>
+                        <a:t>99.133</a:t>
+                      </a:r>
+                    </a:p>
+                  </a:txBody>
+                  <a:tcPr marL="85551" marR="85551" marT="42775" marB="42775">
+                    <a:lnL>
+                      <a:noFill/>
+                    </a:lnL>
+                    <a:lnR>
+                      <a:noFill/>
+                    </a:lnR>
+                    <a:lnT w="9525" cap="flat" cmpd="sng" algn="ctr">
+                      <a:solidFill>
+                        <a:srgbClr val="DEE2E6"/>
+                      </a:solidFill>
+                      <a:prstDash val="solid"/>
+                      <a:round/>
+                      <a:headEnd type="none" w="med" len="med"/>
+                      <a:tailEnd type="none" w="med" len="med"/>
+                    </a:lnT>
+                    <a:lnB w="9525" cap="flat" cmpd="sng" algn="ctr">
+                      <a:solidFill>
+                        <a:srgbClr val="DEE2E6"/>
+                      </a:solidFill>
+                      <a:prstDash val="solid"/>
+                      <a:round/>
+                      <a:headEnd type="none" w="med" len="med"/>
+                      <a:tailEnd type="none" w="med" len="med"/>
+                    </a:lnB>
+                    <a:solidFill>
+                      <a:srgbClr val="FFFFFF"/>
+                    </a:solidFill>
+                  </a:tcPr>
+                </a:tc>
+                <a:tc>
+                  <a:txBody>
+                    <a:bodyPr/>
+                    <a:lstStyle/>
+                    <a:p>
+                      <a:pPr algn="r" fontAlgn="t"/>
+                      <a:r>
+                        <a:rPr lang="en-CL" sz="2400" dirty="0">
+                          <a:solidFill>
+                            <a:srgbClr val="444444"/>
+                          </a:solidFill>
+                          <a:effectLst/>
+                        </a:rPr>
+                        <a:t>71</a:t>
+                      </a:r>
+                    </a:p>
+                  </a:txBody>
+                  <a:tcPr marL="85551" marR="85551" marT="42775" marB="42775">
+                    <a:lnL>
+                      <a:noFill/>
+                    </a:lnL>
+                    <a:lnR>
+                      <a:noFill/>
+                    </a:lnR>
+                    <a:lnT w="9525" cap="flat" cmpd="sng" algn="ctr">
+                      <a:solidFill>
+                        <a:srgbClr val="DEE2E6"/>
+                      </a:solidFill>
+                      <a:prstDash val="solid"/>
+                      <a:round/>
+                      <a:headEnd type="none" w="med" len="med"/>
+                      <a:tailEnd type="none" w="med" len="med"/>
+                    </a:lnT>
+                    <a:lnB w="9525" cap="flat" cmpd="sng" algn="ctr">
+                      <a:solidFill>
+                        <a:srgbClr val="DEE2E6"/>
+                      </a:solidFill>
+                      <a:prstDash val="solid"/>
+                      <a:round/>
+                      <a:headEnd type="none" w="med" len="med"/>
+                      <a:tailEnd type="none" w="med" len="med"/>
+                    </a:lnB>
+                    <a:solidFill>
+                      <a:srgbClr val="FFFFFF"/>
+                    </a:solidFill>
+                  </a:tcPr>
+                </a:tc>
+                <a:extLst>
+                  <a:ext uri="{0D108BD9-81ED-4DB2-BD59-A6C34878D82A}">
+                    <a16:rowId xmlns:a16="http://schemas.microsoft.com/office/drawing/2014/main" val="2711582798"/>
+                  </a:ext>
+                </a:extLst>
+              </a:tr>
+              <a:tr h="407246">
+                <a:tc>
+                  <a:txBody>
+                    <a:bodyPr/>
+                    <a:lstStyle/>
+                    <a:p>
+                      <a:pPr fontAlgn="t"/>
+                      <a:r>
+                        <a:rPr lang="en-US" sz="2400" dirty="0" err="1">
+                          <a:solidFill>
+                            <a:srgbClr val="444444"/>
+                          </a:solidFill>
+                          <a:effectLst/>
+                        </a:rPr>
+                        <a:t>Ñuble</a:t>
+                      </a:r>
+                      <a:endParaRPr lang="en-US" sz="2400" dirty="0">
+                        <a:solidFill>
+                          <a:srgbClr val="444444"/>
+                        </a:solidFill>
+                        <a:effectLst/>
+                      </a:endParaRPr>
+                    </a:p>
+                  </a:txBody>
+                  <a:tcPr marL="85551" marR="85551" marT="42775" marB="42775">
+                    <a:lnL>
+                      <a:noFill/>
+                    </a:lnL>
+                    <a:lnR>
+                      <a:noFill/>
+                    </a:lnR>
+                    <a:lnT w="9525" cap="flat" cmpd="sng" algn="ctr">
+                      <a:solidFill>
+                        <a:srgbClr val="DEE2E6"/>
+                      </a:solidFill>
+                      <a:prstDash val="solid"/>
+                      <a:round/>
+                      <a:headEnd type="none" w="med" len="med"/>
+                      <a:tailEnd type="none" w="med" len="med"/>
+                    </a:lnT>
+                    <a:lnB w="9525" cap="flat" cmpd="sng" algn="ctr">
+                      <a:solidFill>
+                        <a:srgbClr val="DEE2E6"/>
+                      </a:solidFill>
+                      <a:prstDash val="solid"/>
+                      <a:round/>
+                      <a:headEnd type="none" w="med" len="med"/>
+                      <a:tailEnd type="none" w="med" len="med"/>
+                    </a:lnB>
+                    <a:solidFill>
+                      <a:srgbClr val="FFFFFF"/>
+                    </a:solidFill>
+                  </a:tcPr>
+                </a:tc>
+                <a:tc>
+                  <a:txBody>
+                    <a:bodyPr/>
+                    <a:lstStyle/>
+                    <a:p>
+                      <a:pPr fontAlgn="t"/>
+                      <a:r>
+                        <a:rPr lang="en-US" sz="2400">
+                          <a:solidFill>
+                            <a:srgbClr val="444444"/>
+                          </a:solidFill>
+                          <a:effectLst/>
+                        </a:rPr>
+                        <a:t>Mar 12 Abr</a:t>
+                      </a:r>
+                    </a:p>
+                  </a:txBody>
+                  <a:tcPr marL="91395" marR="91395" marT="45697" marB="45697">
+                    <a:lnL>
+                      <a:noFill/>
+                    </a:lnL>
+                    <a:lnR>
+                      <a:noFill/>
+                    </a:lnR>
+                    <a:lnT w="9525" cap="flat" cmpd="sng" algn="ctr">
+                      <a:solidFill>
+                        <a:srgbClr val="DEE2E6"/>
+                      </a:solidFill>
+                      <a:prstDash val="solid"/>
+                      <a:round/>
+                      <a:headEnd type="none" w="med" len="med"/>
+                      <a:tailEnd type="none" w="med" len="med"/>
+                    </a:lnT>
+                    <a:lnB w="9525" cap="flat" cmpd="sng" algn="ctr">
+                      <a:solidFill>
+                        <a:srgbClr val="DEE2E6"/>
+                      </a:solidFill>
+                      <a:prstDash val="solid"/>
+                      <a:round/>
+                      <a:headEnd type="none" w="med" len="med"/>
+                      <a:tailEnd type="none" w="med" len="med"/>
+                    </a:lnB>
+                    <a:solidFill>
+                      <a:srgbClr val="FFFFFF"/>
+                    </a:solidFill>
+                  </a:tcPr>
+                </a:tc>
+                <a:tc>
+                  <a:txBody>
+                    <a:bodyPr/>
+                    <a:lstStyle/>
+                    <a:p>
+                      <a:pPr algn="r" fontAlgn="t"/>
+                      <a:r>
+                        <a:rPr lang="en-CL" sz="2400">
+                          <a:solidFill>
+                            <a:srgbClr val="444444"/>
+                          </a:solidFill>
+                          <a:effectLst/>
+                        </a:rPr>
+                        <a:t>99.183</a:t>
+                      </a:r>
+                    </a:p>
+                  </a:txBody>
+                  <a:tcPr marL="85551" marR="85551" marT="42775" marB="42775">
+                    <a:lnL>
+                      <a:noFill/>
+                    </a:lnL>
+                    <a:lnR>
+                      <a:noFill/>
+                    </a:lnR>
+                    <a:lnT w="9525" cap="flat" cmpd="sng" algn="ctr">
+                      <a:solidFill>
+                        <a:srgbClr val="DEE2E6"/>
+                      </a:solidFill>
+                      <a:prstDash val="solid"/>
+                      <a:round/>
+                      <a:headEnd type="none" w="med" len="med"/>
+                      <a:tailEnd type="none" w="med" len="med"/>
+                    </a:lnT>
+                    <a:lnB w="9525" cap="flat" cmpd="sng" algn="ctr">
+                      <a:solidFill>
+                        <a:srgbClr val="DEE2E6"/>
+                      </a:solidFill>
+                      <a:prstDash val="solid"/>
+                      <a:round/>
+                      <a:headEnd type="none" w="med" len="med"/>
+                      <a:tailEnd type="none" w="med" len="med"/>
+                    </a:lnB>
+                    <a:solidFill>
+                      <a:srgbClr val="FFFFFF"/>
+                    </a:solidFill>
+                  </a:tcPr>
+                </a:tc>
+                <a:tc>
+                  <a:txBody>
+                    <a:bodyPr/>
+                    <a:lstStyle/>
+                    <a:p>
+                      <a:pPr algn="r" fontAlgn="t"/>
+                      <a:r>
+                        <a:rPr lang="en-CL" sz="2400" dirty="0">
+                          <a:solidFill>
+                            <a:srgbClr val="444444"/>
+                          </a:solidFill>
+                          <a:effectLst/>
+                        </a:rPr>
+                        <a:t>50</a:t>
+                      </a:r>
+                    </a:p>
+                  </a:txBody>
+                  <a:tcPr marL="85551" marR="85551" marT="42775" marB="42775">
+                    <a:lnL>
+                      <a:noFill/>
+                    </a:lnL>
+                    <a:lnR>
+                      <a:noFill/>
+                    </a:lnR>
+                    <a:lnT w="9525" cap="flat" cmpd="sng" algn="ctr">
+                      <a:solidFill>
+                        <a:srgbClr val="DEE2E6"/>
+                      </a:solidFill>
+                      <a:prstDash val="solid"/>
+                      <a:round/>
+                      <a:headEnd type="none" w="med" len="med"/>
+                      <a:tailEnd type="none" w="med" len="med"/>
+                    </a:lnT>
+                    <a:lnB w="9525" cap="flat" cmpd="sng" algn="ctr">
+                      <a:solidFill>
+                        <a:srgbClr val="DEE2E6"/>
+                      </a:solidFill>
+                      <a:prstDash val="solid"/>
+                      <a:round/>
+                      <a:headEnd type="none" w="med" len="med"/>
+                      <a:tailEnd type="none" w="med" len="med"/>
+                    </a:lnB>
+                    <a:solidFill>
+                      <a:srgbClr val="FFFFFF"/>
+                    </a:solidFill>
+                  </a:tcPr>
+                </a:tc>
+                <a:extLst>
+                  <a:ext uri="{0D108BD9-81ED-4DB2-BD59-A6C34878D82A}">
+                    <a16:rowId xmlns:a16="http://schemas.microsoft.com/office/drawing/2014/main" val="3181589145"/>
+                  </a:ext>
+                </a:extLst>
+              </a:tr>
+              <a:tr h="407246">
+                <a:tc>
+                  <a:txBody>
+                    <a:bodyPr/>
+                    <a:lstStyle/>
+                    <a:p>
+                      <a:pPr fontAlgn="t"/>
+                      <a:r>
+                        <a:rPr lang="en-US" sz="2400" dirty="0" err="1">
+                          <a:solidFill>
+                            <a:srgbClr val="444444"/>
+                          </a:solidFill>
+                          <a:effectLst/>
+                        </a:rPr>
+                        <a:t>Ñuble</a:t>
+                      </a:r>
+                      <a:endParaRPr lang="en-US" sz="2400" dirty="0">
+                        <a:solidFill>
+                          <a:srgbClr val="444444"/>
+                        </a:solidFill>
+                        <a:effectLst/>
+                      </a:endParaRPr>
+                    </a:p>
+                  </a:txBody>
+                  <a:tcPr marL="85551" marR="85551" marT="42775" marB="42775">
+                    <a:lnL>
+                      <a:noFill/>
+                    </a:lnL>
+                    <a:lnR>
+                      <a:noFill/>
+                    </a:lnR>
+                    <a:lnT w="9525" cap="flat" cmpd="sng" algn="ctr">
+                      <a:solidFill>
+                        <a:srgbClr val="DEE2E6"/>
+                      </a:solidFill>
+                      <a:prstDash val="solid"/>
+                      <a:round/>
+                      <a:headEnd type="none" w="med" len="med"/>
+                      <a:tailEnd type="none" w="med" len="med"/>
+                    </a:lnT>
+                    <a:lnB w="9525" cap="flat" cmpd="sng" algn="ctr">
+                      <a:solidFill>
+                        <a:srgbClr val="DEE2E6"/>
+                      </a:solidFill>
+                      <a:prstDash val="solid"/>
+                      <a:round/>
+                      <a:headEnd type="none" w="med" len="med"/>
+                      <a:tailEnd type="none" w="med" len="med"/>
+                    </a:lnB>
+                    <a:solidFill>
+                      <a:srgbClr val="FFFFFF"/>
+                    </a:solidFill>
+                  </a:tcPr>
+                </a:tc>
+                <a:tc>
+                  <a:txBody>
+                    <a:bodyPr/>
+                    <a:lstStyle/>
+                    <a:p>
+                      <a:pPr fontAlgn="t"/>
+                      <a:r>
+                        <a:rPr lang="en-US" sz="2400">
+                          <a:solidFill>
+                            <a:srgbClr val="444444"/>
+                          </a:solidFill>
+                          <a:effectLst/>
+                        </a:rPr>
+                        <a:t>Mie 13 Abr</a:t>
+                      </a:r>
+                    </a:p>
+                  </a:txBody>
+                  <a:tcPr marL="91395" marR="91395" marT="45697" marB="45697">
+                    <a:lnL>
+                      <a:noFill/>
+                    </a:lnL>
+                    <a:lnR>
+                      <a:noFill/>
+                    </a:lnR>
+                    <a:lnT w="9525" cap="flat" cmpd="sng" algn="ctr">
+                      <a:solidFill>
+                        <a:srgbClr val="DEE2E6"/>
+                      </a:solidFill>
+                      <a:prstDash val="solid"/>
+                      <a:round/>
+                      <a:headEnd type="none" w="med" len="med"/>
+                      <a:tailEnd type="none" w="med" len="med"/>
+                    </a:lnT>
+                    <a:lnB w="9525" cap="flat" cmpd="sng" algn="ctr">
+                      <a:solidFill>
+                        <a:srgbClr val="DEE2E6"/>
+                      </a:solidFill>
+                      <a:prstDash val="solid"/>
+                      <a:round/>
+                      <a:headEnd type="none" w="med" len="med"/>
+                      <a:tailEnd type="none" w="med" len="med"/>
+                    </a:lnB>
+                    <a:solidFill>
+                      <a:srgbClr val="FFFFFF"/>
+                    </a:solidFill>
+                  </a:tcPr>
+                </a:tc>
+                <a:tc>
+                  <a:txBody>
+                    <a:bodyPr/>
+                    <a:lstStyle/>
+                    <a:p>
+                      <a:pPr algn="r" fontAlgn="t"/>
+                      <a:r>
+                        <a:rPr lang="en-CL" sz="2400" dirty="0">
+                          <a:solidFill>
+                            <a:srgbClr val="444444"/>
+                          </a:solidFill>
+                          <a:effectLst/>
+                        </a:rPr>
+                        <a:t>99.257</a:t>
+                      </a:r>
+                    </a:p>
+                  </a:txBody>
+                  <a:tcPr marL="85551" marR="85551" marT="42775" marB="42775">
+                    <a:lnL>
+                      <a:noFill/>
+                    </a:lnL>
+                    <a:lnR>
+                      <a:noFill/>
+                    </a:lnR>
+                    <a:lnT w="9525" cap="flat" cmpd="sng" algn="ctr">
+                      <a:solidFill>
+                        <a:srgbClr val="DEE2E6"/>
+                      </a:solidFill>
+                      <a:prstDash val="solid"/>
+                      <a:round/>
+                      <a:headEnd type="none" w="med" len="med"/>
+                      <a:tailEnd type="none" w="med" len="med"/>
+                    </a:lnT>
+                    <a:lnB w="9525" cap="flat" cmpd="sng" algn="ctr">
+                      <a:solidFill>
+                        <a:srgbClr val="DEE2E6"/>
+                      </a:solidFill>
+                      <a:prstDash val="solid"/>
+                      <a:round/>
+                      <a:headEnd type="none" w="med" len="med"/>
+                      <a:tailEnd type="none" w="med" len="med"/>
+                    </a:lnB>
+                    <a:solidFill>
+                      <a:srgbClr val="FFFFFF"/>
+                    </a:solidFill>
+                  </a:tcPr>
+                </a:tc>
+                <a:tc>
+                  <a:txBody>
+                    <a:bodyPr/>
+                    <a:lstStyle/>
+                    <a:p>
+                      <a:pPr algn="r" fontAlgn="t"/>
+                      <a:r>
+                        <a:rPr lang="en-CL" sz="2400" dirty="0">
+                          <a:solidFill>
+                            <a:srgbClr val="444444"/>
+                          </a:solidFill>
+                          <a:effectLst/>
+                        </a:rPr>
+                        <a:t>74</a:t>
+                      </a:r>
+                    </a:p>
+                  </a:txBody>
+                  <a:tcPr marL="85551" marR="85551" marT="42775" marB="42775">
+                    <a:lnL>
+                      <a:noFill/>
+                    </a:lnL>
+                    <a:lnR>
+                      <a:noFill/>
+                    </a:lnR>
+                    <a:lnT w="9525" cap="flat" cmpd="sng" algn="ctr">
+                      <a:solidFill>
+                        <a:srgbClr val="DEE2E6"/>
+                      </a:solidFill>
+                      <a:prstDash val="solid"/>
+                      <a:round/>
+                      <a:headEnd type="none" w="med" len="med"/>
+                      <a:tailEnd type="none" w="med" len="med"/>
+                    </a:lnT>
+                    <a:lnB w="9525" cap="flat" cmpd="sng" algn="ctr">
+                      <a:solidFill>
+                        <a:srgbClr val="DEE2E6"/>
+                      </a:solidFill>
+                      <a:prstDash val="solid"/>
+                      <a:round/>
+                      <a:headEnd type="none" w="med" len="med"/>
+                      <a:tailEnd type="none" w="med" len="med"/>
+                    </a:lnB>
+                    <a:solidFill>
+                      <a:srgbClr val="FFFFFF"/>
+                    </a:solidFill>
+                  </a:tcPr>
+                </a:tc>
+                <a:extLst>
+                  <a:ext uri="{0D108BD9-81ED-4DB2-BD59-A6C34878D82A}">
+                    <a16:rowId xmlns:a16="http://schemas.microsoft.com/office/drawing/2014/main" val="2354245169"/>
+                  </a:ext>
+                </a:extLst>
+              </a:tr>
+              <a:tr h="407246">
+                <a:tc>
+                  <a:txBody>
+                    <a:bodyPr/>
+                    <a:lstStyle/>
+                    <a:p>
+                      <a:pPr fontAlgn="t"/>
+                      <a:r>
+                        <a:rPr lang="en-US" sz="2400" dirty="0" err="1">
+                          <a:solidFill>
+                            <a:srgbClr val="444444"/>
+                          </a:solidFill>
+                          <a:effectLst/>
+                        </a:rPr>
+                        <a:t>Ñuble</a:t>
+                      </a:r>
+                      <a:endParaRPr lang="en-US" sz="2400" dirty="0">
+                        <a:solidFill>
+                          <a:srgbClr val="444444"/>
+                        </a:solidFill>
+                        <a:effectLst/>
+                      </a:endParaRPr>
+                    </a:p>
+                  </a:txBody>
+                  <a:tcPr marL="85551" marR="85551" marT="42775" marB="42775">
+                    <a:lnL>
+                      <a:noFill/>
+                    </a:lnL>
+                    <a:lnR>
+                      <a:noFill/>
+                    </a:lnR>
+                    <a:lnT w="9525" cap="flat" cmpd="sng" algn="ctr">
+                      <a:solidFill>
+                        <a:srgbClr val="DEE2E6"/>
+                      </a:solidFill>
+                      <a:prstDash val="solid"/>
+                      <a:round/>
+                      <a:headEnd type="none" w="med" len="med"/>
+                      <a:tailEnd type="none" w="med" len="med"/>
+                    </a:lnT>
+                    <a:lnB w="9525" cap="flat" cmpd="sng" algn="ctr">
+                      <a:solidFill>
+                        <a:srgbClr val="DEE2E6"/>
+                      </a:solidFill>
+                      <a:prstDash val="solid"/>
+                      <a:round/>
+                      <a:headEnd type="none" w="med" len="med"/>
+                      <a:tailEnd type="none" w="med" len="med"/>
+                    </a:lnB>
+                    <a:solidFill>
+                      <a:srgbClr val="FFFFFF"/>
+                    </a:solidFill>
+                  </a:tcPr>
+                </a:tc>
+                <a:tc>
+                  <a:txBody>
+                    <a:bodyPr/>
+                    <a:lstStyle/>
+                    <a:p>
+                      <a:pPr fontAlgn="t"/>
+                      <a:r>
+                        <a:rPr lang="en-US" sz="2400">
+                          <a:solidFill>
+                            <a:srgbClr val="444444"/>
+                          </a:solidFill>
+                          <a:effectLst/>
+                        </a:rPr>
+                        <a:t>Jue 14 Abr</a:t>
+                      </a:r>
+                    </a:p>
+                  </a:txBody>
+                  <a:tcPr marL="91395" marR="91395" marT="45697" marB="45697">
+                    <a:lnL>
+                      <a:noFill/>
+                    </a:lnL>
+                    <a:lnR>
+                      <a:noFill/>
+                    </a:lnR>
+                    <a:lnT w="9525" cap="flat" cmpd="sng" algn="ctr">
+                      <a:solidFill>
+                        <a:srgbClr val="DEE2E6"/>
+                      </a:solidFill>
+                      <a:prstDash val="solid"/>
+                      <a:round/>
+                      <a:headEnd type="none" w="med" len="med"/>
+                      <a:tailEnd type="none" w="med" len="med"/>
+                    </a:lnT>
+                    <a:lnB w="9525" cap="flat" cmpd="sng" algn="ctr">
+                      <a:solidFill>
+                        <a:srgbClr val="DEE2E6"/>
+                      </a:solidFill>
+                      <a:prstDash val="solid"/>
+                      <a:round/>
+                      <a:headEnd type="none" w="med" len="med"/>
+                      <a:tailEnd type="none" w="med" len="med"/>
+                    </a:lnB>
+                    <a:solidFill>
+                      <a:srgbClr val="FFFFFF"/>
+                    </a:solidFill>
+                  </a:tcPr>
+                </a:tc>
+                <a:tc>
+                  <a:txBody>
+                    <a:bodyPr/>
+                    <a:lstStyle/>
+                    <a:p>
+                      <a:pPr algn="r" fontAlgn="t"/>
+                      <a:r>
+                        <a:rPr lang="en-CL" sz="2400" dirty="0">
+                          <a:solidFill>
+                            <a:srgbClr val="444444"/>
+                          </a:solidFill>
+                          <a:effectLst/>
+                        </a:rPr>
+                        <a:t>99.363</a:t>
+                      </a:r>
+                    </a:p>
+                  </a:txBody>
+                  <a:tcPr marL="85551" marR="85551" marT="42775" marB="42775">
+                    <a:lnL>
+                      <a:noFill/>
+                    </a:lnL>
+                    <a:lnR>
+                      <a:noFill/>
+                    </a:lnR>
+                    <a:lnT w="9525" cap="flat" cmpd="sng" algn="ctr">
+                      <a:solidFill>
+                        <a:srgbClr val="DEE2E6"/>
+                      </a:solidFill>
+                      <a:prstDash val="solid"/>
+                      <a:round/>
+                      <a:headEnd type="none" w="med" len="med"/>
+                      <a:tailEnd type="none" w="med" len="med"/>
+                    </a:lnT>
+                    <a:lnB w="9525" cap="flat" cmpd="sng" algn="ctr">
+                      <a:solidFill>
+                        <a:srgbClr val="DEE2E6"/>
+                      </a:solidFill>
+                      <a:prstDash val="solid"/>
+                      <a:round/>
+                      <a:headEnd type="none" w="med" len="med"/>
+                      <a:tailEnd type="none" w="med" len="med"/>
+                    </a:lnB>
+                    <a:solidFill>
+                      <a:srgbClr val="FFFFFF"/>
+                    </a:solidFill>
+                  </a:tcPr>
+                </a:tc>
+                <a:tc>
+                  <a:txBody>
+                    <a:bodyPr/>
+                    <a:lstStyle/>
+                    <a:p>
+                      <a:pPr algn="r" fontAlgn="t"/>
+                      <a:r>
+                        <a:rPr lang="en-CL" sz="2400" dirty="0">
+                          <a:solidFill>
+                            <a:srgbClr val="444444"/>
+                          </a:solidFill>
+                          <a:effectLst/>
+                        </a:rPr>
+                        <a:t>107</a:t>
+                      </a:r>
+                    </a:p>
+                  </a:txBody>
+                  <a:tcPr marL="85551" marR="85551" marT="42775" marB="42775">
+                    <a:lnL>
+                      <a:noFill/>
+                    </a:lnL>
+                    <a:lnR>
+                      <a:noFill/>
+                    </a:lnR>
+                    <a:lnT w="9525" cap="flat" cmpd="sng" algn="ctr">
+                      <a:solidFill>
+                        <a:srgbClr val="DEE2E6"/>
+                      </a:solidFill>
+                      <a:prstDash val="solid"/>
+                      <a:round/>
+                      <a:headEnd type="none" w="med" len="med"/>
+                      <a:tailEnd type="none" w="med" len="med"/>
+                    </a:lnT>
+                    <a:lnB w="9525" cap="flat" cmpd="sng" algn="ctr">
+                      <a:solidFill>
+                        <a:srgbClr val="DEE2E6"/>
+                      </a:solidFill>
+                      <a:prstDash val="solid"/>
+                      <a:round/>
+                      <a:headEnd type="none" w="med" len="med"/>
+                      <a:tailEnd type="none" w="med" len="med"/>
+                    </a:lnB>
+                    <a:solidFill>
+                      <a:srgbClr val="FFFFFF"/>
+                    </a:solidFill>
+                  </a:tcPr>
+                </a:tc>
+                <a:extLst>
+                  <a:ext uri="{0D108BD9-81ED-4DB2-BD59-A6C34878D82A}">
+                    <a16:rowId xmlns:a16="http://schemas.microsoft.com/office/drawing/2014/main" val="443504976"/>
+                  </a:ext>
+                </a:extLst>
+              </a:tr>
+              <a:tr h="407246">
+                <a:tc>
+                  <a:txBody>
+                    <a:bodyPr/>
+                    <a:lstStyle/>
+                    <a:p>
+                      <a:pPr fontAlgn="t"/>
+                      <a:r>
+                        <a:rPr lang="en-US" sz="2400" dirty="0" err="1">
+                          <a:solidFill>
+                            <a:srgbClr val="444444"/>
+                          </a:solidFill>
+                          <a:effectLst/>
+                        </a:rPr>
+                        <a:t>Ñuble</a:t>
+                      </a:r>
+                      <a:endParaRPr lang="en-US" sz="2400" dirty="0">
+                        <a:solidFill>
+                          <a:srgbClr val="444444"/>
+                        </a:solidFill>
+                        <a:effectLst/>
+                      </a:endParaRPr>
+                    </a:p>
+                  </a:txBody>
+                  <a:tcPr marL="85551" marR="85551" marT="42775" marB="42775">
+                    <a:lnL>
+                      <a:noFill/>
+                    </a:lnL>
+                    <a:lnR>
+                      <a:noFill/>
+                    </a:lnR>
+                    <a:lnT w="9525" cap="flat" cmpd="sng" algn="ctr">
+                      <a:solidFill>
+                        <a:srgbClr val="DEE2E6"/>
+                      </a:solidFill>
+                      <a:prstDash val="solid"/>
+                      <a:round/>
+                      <a:headEnd type="none" w="med" len="med"/>
+                      <a:tailEnd type="none" w="med" len="med"/>
+                    </a:lnT>
+                    <a:lnB w="9525" cap="flat" cmpd="sng" algn="ctr">
+                      <a:solidFill>
+                        <a:srgbClr val="DEE2E6"/>
+                      </a:solidFill>
+                      <a:prstDash val="solid"/>
+                      <a:round/>
+                      <a:headEnd type="none" w="med" len="med"/>
+                      <a:tailEnd type="none" w="med" len="med"/>
+                    </a:lnB>
+                    <a:solidFill>
+                      <a:srgbClr val="FFFFFF"/>
+                    </a:solidFill>
+                  </a:tcPr>
+                </a:tc>
+                <a:tc>
+                  <a:txBody>
+                    <a:bodyPr/>
+                    <a:lstStyle/>
+                    <a:p>
+                      <a:pPr fontAlgn="t"/>
+                      <a:r>
+                        <a:rPr lang="en-US" sz="2400" dirty="0">
+                          <a:solidFill>
+                            <a:srgbClr val="444444"/>
+                          </a:solidFill>
+                          <a:effectLst/>
+                        </a:rPr>
+                        <a:t>Vie 15 </a:t>
+                      </a:r>
+                      <a:r>
+                        <a:rPr lang="en-US" sz="2400" dirty="0" err="1">
+                          <a:solidFill>
+                            <a:srgbClr val="444444"/>
+                          </a:solidFill>
+                          <a:effectLst/>
+                        </a:rPr>
+                        <a:t>Abr</a:t>
+                      </a:r>
+                      <a:endParaRPr lang="en-US" sz="2400" dirty="0">
+                        <a:solidFill>
+                          <a:srgbClr val="444444"/>
+                        </a:solidFill>
+                        <a:effectLst/>
+                      </a:endParaRPr>
+                    </a:p>
+                  </a:txBody>
+                  <a:tcPr marL="91395" marR="91395" marT="45697" marB="45697">
+                    <a:lnL>
+                      <a:noFill/>
+                    </a:lnL>
+                    <a:lnR>
+                      <a:noFill/>
+                    </a:lnR>
+                    <a:lnT w="9525" cap="flat" cmpd="sng" algn="ctr">
+                      <a:solidFill>
+                        <a:srgbClr val="DEE2E6"/>
+                      </a:solidFill>
+                      <a:prstDash val="solid"/>
+                      <a:round/>
+                      <a:headEnd type="none" w="med" len="med"/>
+                      <a:tailEnd type="none" w="med" len="med"/>
+                    </a:lnT>
+                    <a:lnB w="9525" cap="flat" cmpd="sng" algn="ctr">
+                      <a:solidFill>
+                        <a:srgbClr val="DEE2E6"/>
+                      </a:solidFill>
+                      <a:prstDash val="solid"/>
+                      <a:round/>
+                      <a:headEnd type="none" w="med" len="med"/>
+                      <a:tailEnd type="none" w="med" len="med"/>
+                    </a:lnB>
+                    <a:solidFill>
+                      <a:srgbClr val="FFFFFF"/>
+                    </a:solidFill>
+                  </a:tcPr>
+                </a:tc>
+                <a:tc>
+                  <a:txBody>
+                    <a:bodyPr/>
+                    <a:lstStyle/>
+                    <a:p>
+                      <a:pPr algn="r" fontAlgn="t"/>
+                      <a:r>
+                        <a:rPr lang="en-CL" sz="2400" dirty="0">
+                          <a:solidFill>
+                            <a:srgbClr val="444444"/>
+                          </a:solidFill>
+                          <a:effectLst/>
+                        </a:rPr>
+                        <a:t>99.452</a:t>
+                      </a:r>
+                    </a:p>
+                  </a:txBody>
+                  <a:tcPr marL="85551" marR="85551" marT="42775" marB="42775">
+                    <a:lnL>
+                      <a:noFill/>
+                    </a:lnL>
+                    <a:lnR>
+                      <a:noFill/>
+                    </a:lnR>
+                    <a:lnT w="9525" cap="flat" cmpd="sng" algn="ctr">
+                      <a:solidFill>
+                        <a:srgbClr val="DEE2E6"/>
+                      </a:solidFill>
+                      <a:prstDash val="solid"/>
+                      <a:round/>
+                      <a:headEnd type="none" w="med" len="med"/>
+                      <a:tailEnd type="none" w="med" len="med"/>
+                    </a:lnT>
+                    <a:lnB w="9525" cap="flat" cmpd="sng" algn="ctr">
+                      <a:solidFill>
+                        <a:srgbClr val="DEE2E6"/>
+                      </a:solidFill>
+                      <a:prstDash val="solid"/>
+                      <a:round/>
+                      <a:headEnd type="none" w="med" len="med"/>
+                      <a:tailEnd type="none" w="med" len="med"/>
+                    </a:lnB>
+                    <a:solidFill>
+                      <a:srgbClr val="FFFFFF"/>
+                    </a:solidFill>
+                  </a:tcPr>
+                </a:tc>
+                <a:tc>
+                  <a:txBody>
+                    <a:bodyPr/>
+                    <a:lstStyle/>
+                    <a:p>
+                      <a:pPr algn="r" fontAlgn="t"/>
+                      <a:r>
+                        <a:rPr lang="en-CL" sz="2400" dirty="0">
+                          <a:solidFill>
+                            <a:srgbClr val="444444"/>
+                          </a:solidFill>
+                          <a:effectLst/>
+                        </a:rPr>
+                        <a:t>88</a:t>
+                      </a:r>
+                    </a:p>
+                  </a:txBody>
+                  <a:tcPr marL="85551" marR="85551" marT="42775" marB="42775">
+                    <a:lnL>
+                      <a:noFill/>
+                    </a:lnL>
+                    <a:lnR>
+                      <a:noFill/>
+                    </a:lnR>
+                    <a:lnT w="9525" cap="flat" cmpd="sng" algn="ctr">
+                      <a:solidFill>
+                        <a:srgbClr val="DEE2E6"/>
+                      </a:solidFill>
+                      <a:prstDash val="solid"/>
+                      <a:round/>
+                      <a:headEnd type="none" w="med" len="med"/>
+                      <a:tailEnd type="none" w="med" len="med"/>
+                    </a:lnT>
+                    <a:lnB w="9525" cap="flat" cmpd="sng" algn="ctr">
+                      <a:solidFill>
+                        <a:srgbClr val="DEE2E6"/>
+                      </a:solidFill>
+                      <a:prstDash val="solid"/>
+                      <a:round/>
+                      <a:headEnd type="none" w="med" len="med"/>
+                      <a:tailEnd type="none" w="med" len="med"/>
+                    </a:lnB>
+                    <a:solidFill>
+                      <a:srgbClr val="FFFFFF"/>
+                    </a:solidFill>
+                  </a:tcPr>
+                </a:tc>
+                <a:extLst>
+                  <a:ext uri="{0D108BD9-81ED-4DB2-BD59-A6C34878D82A}">
+                    <a16:rowId xmlns:a16="http://schemas.microsoft.com/office/drawing/2014/main" val="3425347288"/>
+                  </a:ext>
+                </a:extLst>
+              </a:tr>
+              <a:tr h="407246">
+                <a:tc>
+                  <a:txBody>
+                    <a:bodyPr/>
+                    <a:lstStyle/>
+                    <a:p>
+                      <a:pPr fontAlgn="t"/>
+                      <a:r>
+                        <a:rPr lang="en-US" sz="2400" dirty="0" err="1">
+                          <a:solidFill>
+                            <a:srgbClr val="444444"/>
+                          </a:solidFill>
+                          <a:effectLst/>
+                        </a:rPr>
+                        <a:t>Ñuble</a:t>
+                      </a:r>
+                      <a:endParaRPr lang="en-US" sz="2400" dirty="0">
+                        <a:solidFill>
+                          <a:srgbClr val="444444"/>
+                        </a:solidFill>
+                        <a:effectLst/>
+                      </a:endParaRPr>
+                    </a:p>
+                  </a:txBody>
+                  <a:tcPr marL="85551" marR="85551" marT="42775" marB="42775">
+                    <a:lnL>
+                      <a:noFill/>
+                    </a:lnL>
+                    <a:lnR>
+                      <a:noFill/>
+                    </a:lnR>
+                    <a:lnT w="9525" cap="flat" cmpd="sng" algn="ctr">
+                      <a:solidFill>
+                        <a:srgbClr val="DEE2E6"/>
+                      </a:solidFill>
+                      <a:prstDash val="solid"/>
+                      <a:round/>
+                      <a:headEnd type="none" w="med" len="med"/>
+                      <a:tailEnd type="none" w="med" len="med"/>
+                    </a:lnT>
+                    <a:lnB w="9525" cap="flat" cmpd="sng" algn="ctr">
+                      <a:solidFill>
+                        <a:srgbClr val="DEE2E6"/>
+                      </a:solidFill>
+                      <a:prstDash val="solid"/>
+                      <a:round/>
+                      <a:headEnd type="none" w="med" len="med"/>
+                      <a:tailEnd type="none" w="med" len="med"/>
+                    </a:lnB>
+                    <a:solidFill>
+                      <a:srgbClr val="FFFFFF"/>
+                    </a:solidFill>
+                  </a:tcPr>
+                </a:tc>
+                <a:tc>
+                  <a:txBody>
+                    <a:bodyPr/>
+                    <a:lstStyle/>
+                    <a:p>
+                      <a:pPr fontAlgn="t"/>
+                      <a:r>
+                        <a:rPr lang="en-US" sz="2400" dirty="0">
+                          <a:solidFill>
+                            <a:srgbClr val="FF0000"/>
+                          </a:solidFill>
+                          <a:effectLst/>
+                        </a:rPr>
+                        <a:t>Sab 16 </a:t>
+                      </a:r>
+                      <a:r>
+                        <a:rPr lang="en-US" sz="2400" dirty="0" err="1">
+                          <a:solidFill>
+                            <a:srgbClr val="FF0000"/>
+                          </a:solidFill>
+                          <a:effectLst/>
+                        </a:rPr>
+                        <a:t>Abr</a:t>
+                      </a:r>
+                      <a:endParaRPr lang="en-US" sz="2400" dirty="0">
+                        <a:solidFill>
+                          <a:srgbClr val="FF0000"/>
+                        </a:solidFill>
+                        <a:effectLst/>
+                      </a:endParaRPr>
+                    </a:p>
+                  </a:txBody>
+                  <a:tcPr marL="91395" marR="91395" marT="45697" marB="45697">
+                    <a:lnL>
+                      <a:noFill/>
+                    </a:lnL>
+                    <a:lnR>
+                      <a:noFill/>
+                    </a:lnR>
+                    <a:lnT w="9525" cap="flat" cmpd="sng" algn="ctr">
+                      <a:solidFill>
+                        <a:srgbClr val="DEE2E6"/>
+                      </a:solidFill>
+                      <a:prstDash val="solid"/>
+                      <a:round/>
+                      <a:headEnd type="none" w="med" len="med"/>
+                      <a:tailEnd type="none" w="med" len="med"/>
+                    </a:lnT>
+                    <a:lnB w="9525" cap="flat" cmpd="sng" algn="ctr">
+                      <a:solidFill>
+                        <a:srgbClr val="DEE2E6"/>
+                      </a:solidFill>
+                      <a:prstDash val="solid"/>
+                      <a:round/>
+                      <a:headEnd type="none" w="med" len="med"/>
+                      <a:tailEnd type="none" w="med" len="med"/>
+                    </a:lnB>
+                    <a:solidFill>
+                      <a:srgbClr val="FFFFFF"/>
+                    </a:solidFill>
+                  </a:tcPr>
+                </a:tc>
+                <a:tc>
+                  <a:txBody>
+                    <a:bodyPr/>
+                    <a:lstStyle/>
+                    <a:p>
+                      <a:pPr algn="r" fontAlgn="t"/>
+                      <a:r>
+                        <a:rPr lang="en-CL" sz="2400" b="1" dirty="0">
+                          <a:solidFill>
+                            <a:srgbClr val="FF0000"/>
+                          </a:solidFill>
+                          <a:effectLst/>
+                        </a:rPr>
+                        <a:t>99.526</a:t>
+                      </a:r>
+                      <a:endParaRPr lang="en-CL" sz="2400" dirty="0">
+                        <a:solidFill>
+                          <a:srgbClr val="FF0000"/>
+                        </a:solidFill>
+                        <a:effectLst/>
+                      </a:endParaRPr>
+                    </a:p>
+                  </a:txBody>
+                  <a:tcPr marL="85551" marR="85551" marT="42775" marB="42775">
+                    <a:lnL>
+                      <a:noFill/>
+                    </a:lnL>
+                    <a:lnR>
+                      <a:noFill/>
+                    </a:lnR>
+                    <a:lnT w="9525" cap="flat" cmpd="sng" algn="ctr">
+                      <a:solidFill>
+                        <a:srgbClr val="DEE2E6"/>
+                      </a:solidFill>
+                      <a:prstDash val="solid"/>
+                      <a:round/>
+                      <a:headEnd type="none" w="med" len="med"/>
+                      <a:tailEnd type="none" w="med" len="med"/>
+                    </a:lnT>
+                    <a:lnB w="9525" cap="flat" cmpd="sng" algn="ctr">
+                      <a:solidFill>
+                        <a:srgbClr val="DEE2E6"/>
+                      </a:solidFill>
+                      <a:prstDash val="solid"/>
+                      <a:round/>
+                      <a:headEnd type="none" w="med" len="med"/>
+                      <a:tailEnd type="none" w="med" len="med"/>
+                    </a:lnB>
+                    <a:solidFill>
+                      <a:srgbClr val="FFFFFF"/>
+                    </a:solidFill>
+                  </a:tcPr>
+                </a:tc>
+                <a:tc>
+                  <a:txBody>
+                    <a:bodyPr/>
+                    <a:lstStyle/>
+                    <a:p>
+                      <a:pPr algn="r" fontAlgn="t"/>
+                      <a:r>
+                        <a:rPr lang="en-CL" sz="2400" dirty="0">
+                          <a:solidFill>
+                            <a:srgbClr val="444444"/>
+                          </a:solidFill>
+                          <a:effectLst/>
+                        </a:rPr>
+                        <a:t>72</a:t>
+                      </a:r>
+                    </a:p>
+                  </a:txBody>
+                  <a:tcPr marL="85551" marR="85551" marT="42775" marB="42775">
+                    <a:lnL>
+                      <a:noFill/>
+                    </a:lnL>
+                    <a:lnR>
+                      <a:noFill/>
+                    </a:lnR>
+                    <a:lnT w="9525" cap="flat" cmpd="sng" algn="ctr">
+                      <a:solidFill>
+                        <a:srgbClr val="DEE2E6"/>
+                      </a:solidFill>
+                      <a:prstDash val="solid"/>
+                      <a:round/>
+                      <a:headEnd type="none" w="med" len="med"/>
+                      <a:tailEnd type="none" w="med" len="med"/>
+                    </a:lnT>
+                    <a:lnB w="9525" cap="flat" cmpd="sng" algn="ctr">
+                      <a:solidFill>
+                        <a:srgbClr val="DEE2E6"/>
+                      </a:solidFill>
+                      <a:prstDash val="solid"/>
+                      <a:round/>
+                      <a:headEnd type="none" w="med" len="med"/>
+                      <a:tailEnd type="none" w="med" len="med"/>
+                    </a:lnB>
+                    <a:solidFill>
+                      <a:srgbClr val="FFFFFF"/>
+                    </a:solidFill>
+                  </a:tcPr>
+                </a:tc>
+                <a:extLst>
+                  <a:ext uri="{0D108BD9-81ED-4DB2-BD59-A6C34878D82A}">
+                    <a16:rowId xmlns:a16="http://schemas.microsoft.com/office/drawing/2014/main" val="3882820625"/>
+                  </a:ext>
+                </a:extLst>
+              </a:tr>
+              <a:tr h="407246">
+                <a:tc>
+                  <a:txBody>
+                    <a:bodyPr/>
+                    <a:lstStyle/>
+                    <a:p>
+                      <a:pPr algn="l" fontAlgn="t"/>
+                      <a:r>
+                        <a:rPr lang="en-US" sz="2400" b="1" dirty="0">
+                          <a:solidFill>
+                            <a:srgbClr val="111111"/>
+                          </a:solidFill>
+                          <a:effectLst/>
+                        </a:rPr>
+                        <a:t>Total </a:t>
+                      </a:r>
+                      <a:r>
+                        <a:rPr lang="en-US" sz="2400" b="1" dirty="0" err="1">
+                          <a:solidFill>
+                            <a:srgbClr val="111111"/>
+                          </a:solidFill>
+                          <a:effectLst/>
+                        </a:rPr>
+                        <a:t>semanal</a:t>
+                      </a:r>
+                      <a:endParaRPr lang="en-US" sz="2400" b="1" dirty="0">
+                        <a:solidFill>
+                          <a:srgbClr val="111111"/>
+                        </a:solidFill>
+                        <a:effectLst/>
+                      </a:endParaRPr>
+                    </a:p>
+                  </a:txBody>
+                  <a:tcPr marL="91395" marR="91395" marT="45697" marB="45697">
+                    <a:lnL>
+                      <a:noFill/>
+                    </a:lnL>
+                    <a:lnR>
+                      <a:noFill/>
+                    </a:lnR>
+                    <a:lnT w="9525" cap="flat" cmpd="sng" algn="ctr">
+                      <a:solidFill>
+                        <a:srgbClr val="DEE2E6"/>
+                      </a:solidFill>
+                      <a:prstDash val="solid"/>
+                      <a:round/>
+                      <a:headEnd type="none" w="med" len="med"/>
+                      <a:tailEnd type="none" w="med" len="med"/>
+                    </a:lnT>
+                    <a:lnB>
+                      <a:noFill/>
+                    </a:lnB>
+                    <a:solidFill>
+                      <a:srgbClr val="FFFFFF"/>
+                    </a:solidFill>
+                  </a:tcPr>
+                </a:tc>
+                <a:tc>
+                  <a:txBody>
+                    <a:bodyPr/>
+                    <a:lstStyle/>
+                    <a:p>
+                      <a:pPr algn="l" fontAlgn="t"/>
+                      <a:endParaRPr lang="en-CL" sz="2400">
+                        <a:solidFill>
+                          <a:srgbClr val="111111"/>
+                        </a:solidFill>
+                        <a:effectLst/>
+                      </a:endParaRPr>
+                    </a:p>
+                  </a:txBody>
+                  <a:tcPr marL="91395" marR="91395" marT="45697" marB="45697">
+                    <a:lnL>
+                      <a:noFill/>
+                    </a:lnL>
+                    <a:lnR>
+                      <a:noFill/>
+                    </a:lnR>
+                    <a:lnT w="9525" cap="flat" cmpd="sng" algn="ctr">
+                      <a:solidFill>
+                        <a:srgbClr val="DEE2E6"/>
+                      </a:solidFill>
+                      <a:prstDash val="solid"/>
+                      <a:round/>
+                      <a:headEnd type="none" w="med" len="med"/>
+                      <a:tailEnd type="none" w="med" len="med"/>
+                    </a:lnT>
+                    <a:lnB>
+                      <a:noFill/>
+                    </a:lnB>
+                    <a:solidFill>
+                      <a:srgbClr val="FFFFFF"/>
+                    </a:solidFill>
+                  </a:tcPr>
+                </a:tc>
+                <a:tc>
+                  <a:txBody>
+                    <a:bodyPr/>
+                    <a:lstStyle/>
+                    <a:p>
+                      <a:pPr algn="r" fontAlgn="t"/>
+                      <a:r>
+                        <a:rPr lang="en-CL" sz="2400" b="1" dirty="0">
+                          <a:solidFill>
+                            <a:srgbClr val="111111"/>
+                          </a:solidFill>
+                          <a:effectLst/>
+                        </a:rPr>
+                        <a:t>541</a:t>
+                      </a:r>
+                    </a:p>
+                  </a:txBody>
+                  <a:tcPr marL="91395" marR="91395" marT="45697" marB="45697">
+                    <a:lnL>
+                      <a:noFill/>
+                    </a:lnL>
+                    <a:lnR>
+                      <a:noFill/>
+                    </a:lnR>
+                    <a:lnT w="9525" cap="flat" cmpd="sng" algn="ctr">
+                      <a:solidFill>
+                        <a:srgbClr val="DEE2E6"/>
+                      </a:solidFill>
+                      <a:prstDash val="solid"/>
+                      <a:round/>
+                      <a:headEnd type="none" w="med" len="med"/>
+                      <a:tailEnd type="none" w="med" len="med"/>
+                    </a:lnT>
+                    <a:lnB>
+                      <a:noFill/>
+                    </a:lnB>
+                    <a:solidFill>
+                      <a:srgbClr val="FFFFFF"/>
+                    </a:solidFill>
+                  </a:tcPr>
+                </a:tc>
+                <a:tc>
+                  <a:txBody>
+                    <a:bodyPr/>
+                    <a:lstStyle/>
+                    <a:p>
+                      <a:pPr algn="r" fontAlgn="t"/>
+                      <a:r>
+                        <a:rPr lang="en-CL" sz="2400" b="1" dirty="0">
+                          <a:solidFill>
+                            <a:srgbClr val="111111"/>
+                          </a:solidFill>
+                          <a:effectLst/>
+                        </a:rPr>
+                        <a:t>540</a:t>
+                      </a:r>
+                    </a:p>
+                  </a:txBody>
+                  <a:tcPr marL="91395" marR="91395" marT="45697" marB="45697">
+                    <a:lnL>
+                      <a:noFill/>
+                    </a:lnL>
+                    <a:lnR>
+                      <a:noFill/>
+                    </a:lnR>
+                    <a:lnT w="9525" cap="flat" cmpd="sng" algn="ctr">
+                      <a:solidFill>
+                        <a:srgbClr val="DEE2E6"/>
+                      </a:solidFill>
+                      <a:prstDash val="solid"/>
+                      <a:round/>
+                      <a:headEnd type="none" w="med" len="med"/>
+                      <a:tailEnd type="none" w="med" len="med"/>
+                    </a:lnT>
+                    <a:lnB>
+                      <a:noFill/>
+                    </a:lnB>
+                    <a:solidFill>
+                      <a:srgbClr val="FFFFFF"/>
+                    </a:solidFill>
+                  </a:tcPr>
+                </a:tc>
+                <a:extLst>
+                  <a:ext uri="{0D108BD9-81ED-4DB2-BD59-A6C34878D82A}">
+                    <a16:rowId xmlns:a16="http://schemas.microsoft.com/office/drawing/2014/main" val="2643872402"/>
+                  </a:ext>
+                </a:extLst>
+              </a:tr>
+            </a:tbl>
+          </a:graphicData>
+        </a:graphic>
+      </p:graphicFrame>
     </p:spTree>
     <p:extLst>
       <p:ext uri="{BB962C8B-B14F-4D97-AF65-F5344CB8AC3E}">
-        <p14:creationId xmlns:p14="http://schemas.microsoft.com/office/powerpoint/2010/main" val="1545126083"/>
+        <p14:creationId xmlns:p14="http://schemas.microsoft.com/office/powerpoint/2010/main" val="1587935293"/>
       </p:ext>
     </p:extLst>
   </p:cSld>
@@ -6700,6 +8831,5517 @@
 <file path=ppt/slides/slide20.xml><?xml version="1.0" encoding="utf-8"?>
 <p:sld xmlns:a="http://schemas.openxmlformats.org/drawingml/2006/main" xmlns:r="http://schemas.openxmlformats.org/officeDocument/2006/relationships" xmlns:p="http://schemas.openxmlformats.org/presentationml/2006/main">
   <p:cSld>
+    <p:bg>
+      <p:bgPr>
+        <a:solidFill>
+          <a:schemeClr val="bg1"/>
+        </a:solidFill>
+        <a:effectLst/>
+      </p:bgPr>
+    </p:bg>
+    <p:spTree>
+      <p:nvGrpSpPr>
+        <p:cNvPr id="1" name=""/>
+        <p:cNvGrpSpPr/>
+        <p:nvPr/>
+      </p:nvGrpSpPr>
+      <p:grpSpPr>
+        <a:xfrm>
+          <a:off x="0" y="0"/>
+          <a:ext cx="0" cy="0"/>
+          <a:chOff x="0" y="0"/>
+          <a:chExt cx="0" cy="0"/>
+        </a:xfrm>
+      </p:grpSpPr>
+      <p:sp>
+        <p:nvSpPr>
+          <p:cNvPr id="3" name="TextBox 2">
+            <a:extLst>
+              <a:ext uri="{FF2B5EF4-FFF2-40B4-BE49-F238E27FC236}">
+                <a16:creationId xmlns:a16="http://schemas.microsoft.com/office/drawing/2014/main" id="{1466E799-48AD-5187-9F81-19227DF76912}"/>
+              </a:ext>
+            </a:extLst>
+          </p:cNvPr>
+          <p:cNvSpPr txBox="1"/>
+          <p:nvPr/>
+        </p:nvSpPr>
+        <p:spPr>
+          <a:xfrm>
+            <a:off x="838199" y="291090"/>
+            <a:ext cx="10515599" cy="932688"/>
+          </a:xfrm>
+          <a:prstGeom prst="rect">
+            <a:avLst/>
+          </a:prstGeom>
+        </p:spPr>
+        <p:txBody>
+          <a:bodyPr vert="horz" lIns="91440" tIns="45720" rIns="91440" bIns="45720" rtlCol="0" anchor="b">
+            <a:normAutofit/>
+          </a:bodyPr>
+          <a:lstStyle/>
+          <a:p>
+            <a:pPr>
+              <a:lnSpc>
+                <a:spcPct val="90000"/>
+              </a:lnSpc>
+              <a:spcBef>
+                <a:spcPct val="0"/>
+              </a:spcBef>
+              <a:spcAft>
+                <a:spcPts val="600"/>
+              </a:spcAft>
+            </a:pPr>
+            <a:r>
+              <a:rPr lang="en-US" sz="5400" kern="1200">
+                <a:solidFill>
+                  <a:schemeClr val="tx1"/>
+                </a:solidFill>
+                <a:latin typeface="+mj-lt"/>
+                <a:ea typeface="+mj-ea"/>
+                <a:cs typeface="+mj-cs"/>
+              </a:rPr>
+              <a:t>Descuadre de reportes semanales</a:t>
+            </a:r>
+          </a:p>
+        </p:txBody>
+      </p:sp>
+      <p:graphicFrame>
+        <p:nvGraphicFramePr>
+          <p:cNvPr id="4" name="Table 3">
+            <a:extLst>
+              <a:ext uri="{FF2B5EF4-FFF2-40B4-BE49-F238E27FC236}">
+                <a16:creationId xmlns:a16="http://schemas.microsoft.com/office/drawing/2014/main" id="{33E8B951-5C71-FD1B-39A4-FC0B889D6271}"/>
+              </a:ext>
+            </a:extLst>
+          </p:cNvPr>
+          <p:cNvGraphicFramePr>
+            <a:graphicFrameLocks noGrp="1"/>
+          </p:cNvGraphicFramePr>
+          <p:nvPr>
+            <p:extLst>
+              <p:ext uri="{D42A27DB-BD31-4B8C-83A1-F6EECF244321}">
+                <p14:modId xmlns:p14="http://schemas.microsoft.com/office/powerpoint/2010/main" val="239520739"/>
+              </p:ext>
+            </p:extLst>
+          </p:nvPr>
+        </p:nvGraphicFramePr>
+        <p:xfrm>
+          <a:off x="1170709" y="1224398"/>
+          <a:ext cx="8638309" cy="4937300"/>
+        </p:xfrm>
+        <a:graphic>
+          <a:graphicData uri="http://schemas.openxmlformats.org/drawingml/2006/table">
+            <a:tbl>
+              <a:tblPr firstRow="1" bandRow="1"/>
+              <a:tblGrid>
+                <a:gridCol w="2121657">
+                  <a:extLst>
+                    <a:ext uri="{9D8B030D-6E8A-4147-A177-3AD203B41FA5}">
+                      <a16:colId xmlns:a16="http://schemas.microsoft.com/office/drawing/2014/main" val="3647038532"/>
+                    </a:ext>
+                  </a:extLst>
+                </a:gridCol>
+                <a:gridCol w="1742772">
+                  <a:extLst>
+                    <a:ext uri="{9D8B030D-6E8A-4147-A177-3AD203B41FA5}">
+                      <a16:colId xmlns:a16="http://schemas.microsoft.com/office/drawing/2014/main" val="1114492646"/>
+                    </a:ext>
+                  </a:extLst>
+                </a:gridCol>
+                <a:gridCol w="2327563">
+                  <a:extLst>
+                    <a:ext uri="{9D8B030D-6E8A-4147-A177-3AD203B41FA5}">
+                      <a16:colId xmlns:a16="http://schemas.microsoft.com/office/drawing/2014/main" val="2001071888"/>
+                    </a:ext>
+                  </a:extLst>
+                </a:gridCol>
+                <a:gridCol w="2446317">
+                  <a:extLst>
+                    <a:ext uri="{9D8B030D-6E8A-4147-A177-3AD203B41FA5}">
+                      <a16:colId xmlns:a16="http://schemas.microsoft.com/office/drawing/2014/main" val="3855064317"/>
+                    </a:ext>
+                  </a:extLst>
+                </a:gridCol>
+              </a:tblGrid>
+              <a:tr h="684023">
+                <a:tc>
+                  <a:txBody>
+                    <a:bodyPr/>
+                    <a:lstStyle/>
+                    <a:p>
+                      <a:pPr algn="l" fontAlgn="t"/>
+                      <a:r>
+                        <a:rPr lang="en-US" sz="2400">
+                          <a:solidFill>
+                            <a:srgbClr val="111111"/>
+                          </a:solidFill>
+                          <a:effectLst/>
+                        </a:rPr>
+                        <a:t>Región</a:t>
+                      </a:r>
+                    </a:p>
+                  </a:txBody>
+                  <a:tcPr marL="91395" marR="91395" marT="45697" marB="45697">
+                    <a:lnL>
+                      <a:noFill/>
+                    </a:lnL>
+                    <a:lnR>
+                      <a:noFill/>
+                    </a:lnR>
+                    <a:lnT w="9525" cap="flat" cmpd="sng" algn="ctr">
+                      <a:solidFill>
+                        <a:srgbClr val="DEE2E6"/>
+                      </a:solidFill>
+                      <a:prstDash val="solid"/>
+                      <a:round/>
+                      <a:headEnd type="none" w="med" len="med"/>
+                      <a:tailEnd type="none" w="med" len="med"/>
+                    </a:lnT>
+                    <a:lnB w="9525" cap="flat" cmpd="sng" algn="ctr">
+                      <a:solidFill>
+                        <a:srgbClr val="DEE2E6"/>
+                      </a:solidFill>
+                      <a:prstDash val="solid"/>
+                      <a:round/>
+                      <a:headEnd type="none" w="med" len="med"/>
+                      <a:tailEnd type="none" w="med" len="med"/>
+                    </a:lnB>
+                    <a:solidFill>
+                      <a:srgbClr val="FFFFFF"/>
+                    </a:solidFill>
+                  </a:tcPr>
+                </a:tc>
+                <a:tc>
+                  <a:txBody>
+                    <a:bodyPr/>
+                    <a:lstStyle/>
+                    <a:p>
+                      <a:pPr algn="l" fontAlgn="t"/>
+                      <a:r>
+                        <a:rPr lang="en-US" sz="2400">
+                          <a:solidFill>
+                            <a:srgbClr val="111111"/>
+                          </a:solidFill>
+                          <a:effectLst/>
+                        </a:rPr>
+                        <a:t>Fecha</a:t>
+                      </a:r>
+                    </a:p>
+                  </a:txBody>
+                  <a:tcPr marL="91395" marR="91395" marT="45697" marB="45697">
+                    <a:lnL>
+                      <a:noFill/>
+                    </a:lnL>
+                    <a:lnR>
+                      <a:noFill/>
+                    </a:lnR>
+                    <a:lnT w="9525" cap="flat" cmpd="sng" algn="ctr">
+                      <a:solidFill>
+                        <a:srgbClr val="DEE2E6"/>
+                      </a:solidFill>
+                      <a:prstDash val="solid"/>
+                      <a:round/>
+                      <a:headEnd type="none" w="med" len="med"/>
+                      <a:tailEnd type="none" w="med" len="med"/>
+                    </a:lnT>
+                    <a:lnB w="9525" cap="flat" cmpd="sng" algn="ctr">
+                      <a:solidFill>
+                        <a:srgbClr val="DEE2E6"/>
+                      </a:solidFill>
+                      <a:prstDash val="solid"/>
+                      <a:round/>
+                      <a:headEnd type="none" w="med" len="med"/>
+                      <a:tailEnd type="none" w="med" len="med"/>
+                    </a:lnB>
+                    <a:solidFill>
+                      <a:srgbClr val="FFFFFF"/>
+                    </a:solidFill>
+                  </a:tcPr>
+                </a:tc>
+                <a:tc>
+                  <a:txBody>
+                    <a:bodyPr/>
+                    <a:lstStyle/>
+                    <a:p>
+                      <a:pPr algn="ctr" fontAlgn="t"/>
+                      <a:r>
+                        <a:rPr lang="en-US" sz="2400" dirty="0">
+                          <a:solidFill>
+                            <a:srgbClr val="111111"/>
+                          </a:solidFill>
+                          <a:effectLst/>
+                        </a:rPr>
+                        <a:t>Total </a:t>
+                      </a:r>
+                      <a:r>
+                        <a:rPr lang="en-US" sz="2400" dirty="0" err="1">
+                          <a:solidFill>
+                            <a:srgbClr val="111111"/>
+                          </a:solidFill>
+                          <a:effectLst/>
+                        </a:rPr>
+                        <a:t>casos</a:t>
+                      </a:r>
+                      <a:r>
+                        <a:rPr lang="en-US" sz="2400" dirty="0">
+                          <a:solidFill>
+                            <a:srgbClr val="111111"/>
+                          </a:solidFill>
+                          <a:effectLst/>
+                        </a:rPr>
+                        <a:t> </a:t>
+                      </a:r>
+                      <a:r>
+                        <a:rPr lang="en-US" sz="2400" dirty="0" err="1">
+                          <a:solidFill>
+                            <a:srgbClr val="111111"/>
+                          </a:solidFill>
+                          <a:effectLst/>
+                        </a:rPr>
+                        <a:t>acumulados</a:t>
+                      </a:r>
+                      <a:endParaRPr lang="en-US" sz="2400" dirty="0">
+                        <a:solidFill>
+                          <a:srgbClr val="111111"/>
+                        </a:solidFill>
+                        <a:effectLst/>
+                      </a:endParaRPr>
+                    </a:p>
+                  </a:txBody>
+                  <a:tcPr marL="91395" marR="91395" marT="45697" marB="45697">
+                    <a:lnL>
+                      <a:noFill/>
+                    </a:lnL>
+                    <a:lnR>
+                      <a:noFill/>
+                    </a:lnR>
+                    <a:lnT w="9525" cap="flat" cmpd="sng" algn="ctr">
+                      <a:solidFill>
+                        <a:srgbClr val="DEE2E6"/>
+                      </a:solidFill>
+                      <a:prstDash val="solid"/>
+                      <a:round/>
+                      <a:headEnd type="none" w="med" len="med"/>
+                      <a:tailEnd type="none" w="med" len="med"/>
+                    </a:lnT>
+                    <a:lnB w="9525" cap="flat" cmpd="sng" algn="ctr">
+                      <a:solidFill>
+                        <a:srgbClr val="DEE2E6"/>
+                      </a:solidFill>
+                      <a:prstDash val="solid"/>
+                      <a:round/>
+                      <a:headEnd type="none" w="med" len="med"/>
+                      <a:tailEnd type="none" w="med" len="med"/>
+                    </a:lnB>
+                    <a:solidFill>
+                      <a:srgbClr val="FFFFFF"/>
+                    </a:solidFill>
+                  </a:tcPr>
+                </a:tc>
+                <a:tc>
+                  <a:txBody>
+                    <a:bodyPr/>
+                    <a:lstStyle/>
+                    <a:p>
+                      <a:pPr algn="ctr" fontAlgn="t"/>
+                      <a:r>
+                        <a:rPr lang="en-US" sz="2400" dirty="0">
+                          <a:solidFill>
+                            <a:srgbClr val="111111"/>
+                          </a:solidFill>
+                          <a:effectLst/>
+                        </a:rPr>
+                        <a:t>Casos </a:t>
+                      </a:r>
+                      <a:r>
+                        <a:rPr lang="en-US" sz="2400" dirty="0" err="1">
+                          <a:solidFill>
+                            <a:srgbClr val="111111"/>
+                          </a:solidFill>
+                          <a:effectLst/>
+                        </a:rPr>
+                        <a:t>reportados</a:t>
+                      </a:r>
+                      <a:r>
+                        <a:rPr lang="en-US" sz="2400" dirty="0">
+                          <a:solidFill>
+                            <a:srgbClr val="111111"/>
+                          </a:solidFill>
+                          <a:effectLst/>
+                        </a:rPr>
+                        <a:t> </a:t>
+                      </a:r>
+                      <a:r>
+                        <a:rPr lang="en-US" sz="2400" dirty="0" err="1">
+                          <a:solidFill>
+                            <a:srgbClr val="111111"/>
+                          </a:solidFill>
+                          <a:effectLst/>
+                        </a:rPr>
+                        <a:t>en</a:t>
+                      </a:r>
+                      <a:r>
+                        <a:rPr lang="en-US" sz="2400" dirty="0">
+                          <a:solidFill>
+                            <a:srgbClr val="111111"/>
+                          </a:solidFill>
+                          <a:effectLst/>
+                        </a:rPr>
+                        <a:t> </a:t>
+                      </a:r>
+                      <a:r>
+                        <a:rPr lang="en-US" sz="2400" dirty="0" err="1">
+                          <a:solidFill>
+                            <a:srgbClr val="111111"/>
+                          </a:solidFill>
+                          <a:effectLst/>
+                        </a:rPr>
+                        <a:t>el</a:t>
+                      </a:r>
+                      <a:r>
+                        <a:rPr lang="en-US" sz="2400" dirty="0">
+                          <a:solidFill>
+                            <a:srgbClr val="111111"/>
+                          </a:solidFill>
+                          <a:effectLst/>
+                        </a:rPr>
+                        <a:t> día</a:t>
+                      </a:r>
+                    </a:p>
+                  </a:txBody>
+                  <a:tcPr marL="91395" marR="91395" marT="45697" marB="45697">
+                    <a:lnL>
+                      <a:noFill/>
+                    </a:lnL>
+                    <a:lnR>
+                      <a:noFill/>
+                    </a:lnR>
+                    <a:lnT w="9525" cap="flat" cmpd="sng" algn="ctr">
+                      <a:solidFill>
+                        <a:srgbClr val="DEE2E6"/>
+                      </a:solidFill>
+                      <a:prstDash val="solid"/>
+                      <a:round/>
+                      <a:headEnd type="none" w="med" len="med"/>
+                      <a:tailEnd type="none" w="med" len="med"/>
+                    </a:lnT>
+                    <a:lnB w="9525" cap="flat" cmpd="sng" algn="ctr">
+                      <a:solidFill>
+                        <a:srgbClr val="DEE2E6"/>
+                      </a:solidFill>
+                      <a:prstDash val="solid"/>
+                      <a:round/>
+                      <a:headEnd type="none" w="med" len="med"/>
+                      <a:tailEnd type="none" w="med" len="med"/>
+                    </a:lnB>
+                    <a:solidFill>
+                      <a:srgbClr val="FFFFFF"/>
+                    </a:solidFill>
+                  </a:tcPr>
+                </a:tc>
+                <a:extLst>
+                  <a:ext uri="{0D108BD9-81ED-4DB2-BD59-A6C34878D82A}">
+                    <a16:rowId xmlns:a16="http://schemas.microsoft.com/office/drawing/2014/main" val="2054149110"/>
+                  </a:ext>
+                </a:extLst>
+              </a:tr>
+              <a:tr h="407246">
+                <a:tc>
+                  <a:txBody>
+                    <a:bodyPr/>
+                    <a:lstStyle/>
+                    <a:p>
+                      <a:pPr fontAlgn="t"/>
+                      <a:r>
+                        <a:rPr lang="en-US" sz="2400">
+                          <a:solidFill>
+                            <a:srgbClr val="444444"/>
+                          </a:solidFill>
+                          <a:effectLst/>
+                        </a:rPr>
+                        <a:t>Los Lagos</a:t>
+                      </a:r>
+                    </a:p>
+                  </a:txBody>
+                  <a:tcPr marL="91395" marR="91395" marT="45697" marB="45697">
+                    <a:lnL>
+                      <a:noFill/>
+                    </a:lnL>
+                    <a:lnR>
+                      <a:noFill/>
+                    </a:lnR>
+                    <a:lnT w="9525" cap="flat" cmpd="sng" algn="ctr">
+                      <a:solidFill>
+                        <a:srgbClr val="DEE2E6"/>
+                      </a:solidFill>
+                      <a:prstDash val="solid"/>
+                      <a:round/>
+                      <a:headEnd type="none" w="med" len="med"/>
+                      <a:tailEnd type="none" w="med" len="med"/>
+                    </a:lnT>
+                    <a:lnB w="9525" cap="flat" cmpd="sng" algn="ctr">
+                      <a:solidFill>
+                        <a:srgbClr val="DEE2E6"/>
+                      </a:solidFill>
+                      <a:prstDash val="solid"/>
+                      <a:round/>
+                      <a:headEnd type="none" w="med" len="med"/>
+                      <a:tailEnd type="none" w="med" len="med"/>
+                    </a:lnB>
+                    <a:solidFill>
+                      <a:srgbClr val="FFFFFF"/>
+                    </a:solidFill>
+                  </a:tcPr>
+                </a:tc>
+                <a:tc>
+                  <a:txBody>
+                    <a:bodyPr/>
+                    <a:lstStyle/>
+                    <a:p>
+                      <a:pPr fontAlgn="t"/>
+                      <a:r>
+                        <a:rPr lang="en-US" sz="2400" dirty="0">
+                          <a:solidFill>
+                            <a:srgbClr val="FF0000"/>
+                          </a:solidFill>
+                          <a:effectLst/>
+                        </a:rPr>
+                        <a:t>Sab 9 </a:t>
+                      </a:r>
+                      <a:r>
+                        <a:rPr lang="en-US" sz="2400" dirty="0" err="1">
+                          <a:solidFill>
+                            <a:srgbClr val="FF0000"/>
+                          </a:solidFill>
+                          <a:effectLst/>
+                        </a:rPr>
+                        <a:t>Abr</a:t>
+                      </a:r>
+                      <a:endParaRPr lang="en-US" sz="2400" dirty="0">
+                        <a:solidFill>
+                          <a:srgbClr val="FF0000"/>
+                        </a:solidFill>
+                        <a:effectLst/>
+                      </a:endParaRPr>
+                    </a:p>
+                  </a:txBody>
+                  <a:tcPr marL="91395" marR="91395" marT="45697" marB="45697">
+                    <a:lnL>
+                      <a:noFill/>
+                    </a:lnL>
+                    <a:lnR>
+                      <a:noFill/>
+                    </a:lnR>
+                    <a:lnT w="9525" cap="flat" cmpd="sng" algn="ctr">
+                      <a:solidFill>
+                        <a:srgbClr val="DEE2E6"/>
+                      </a:solidFill>
+                      <a:prstDash val="solid"/>
+                      <a:round/>
+                      <a:headEnd type="none" w="med" len="med"/>
+                      <a:tailEnd type="none" w="med" len="med"/>
+                    </a:lnT>
+                    <a:lnB w="9525" cap="flat" cmpd="sng" algn="ctr">
+                      <a:solidFill>
+                        <a:srgbClr val="DEE2E6"/>
+                      </a:solidFill>
+                      <a:prstDash val="solid"/>
+                      <a:round/>
+                      <a:headEnd type="none" w="med" len="med"/>
+                      <a:tailEnd type="none" w="med" len="med"/>
+                    </a:lnB>
+                    <a:solidFill>
+                      <a:srgbClr val="FFFFFF"/>
+                    </a:solidFill>
+                  </a:tcPr>
+                </a:tc>
+                <a:tc>
+                  <a:txBody>
+                    <a:bodyPr/>
+                    <a:lstStyle/>
+                    <a:p>
+                      <a:pPr algn="r" fontAlgn="t"/>
+                      <a:r>
+                        <a:rPr lang="en-CL" sz="2400" b="1" dirty="0">
+                          <a:solidFill>
+                            <a:srgbClr val="FF0000"/>
+                          </a:solidFill>
+                          <a:effectLst/>
+                        </a:rPr>
+                        <a:t>192.810</a:t>
+                      </a:r>
+                      <a:endParaRPr lang="en-CL" sz="2400" dirty="0">
+                        <a:solidFill>
+                          <a:srgbClr val="FF0000"/>
+                        </a:solidFill>
+                        <a:effectLst/>
+                      </a:endParaRPr>
+                    </a:p>
+                  </a:txBody>
+                  <a:tcPr marL="91395" marR="91395" marT="45697" marB="45697">
+                    <a:lnL>
+                      <a:noFill/>
+                    </a:lnL>
+                    <a:lnR>
+                      <a:noFill/>
+                    </a:lnR>
+                    <a:lnT w="9525" cap="flat" cmpd="sng" algn="ctr">
+                      <a:solidFill>
+                        <a:srgbClr val="DEE2E6"/>
+                      </a:solidFill>
+                      <a:prstDash val="solid"/>
+                      <a:round/>
+                      <a:headEnd type="none" w="med" len="med"/>
+                      <a:tailEnd type="none" w="med" len="med"/>
+                    </a:lnT>
+                    <a:lnB w="9525" cap="flat" cmpd="sng" algn="ctr">
+                      <a:solidFill>
+                        <a:srgbClr val="DEE2E6"/>
+                      </a:solidFill>
+                      <a:prstDash val="solid"/>
+                      <a:round/>
+                      <a:headEnd type="none" w="med" len="med"/>
+                      <a:tailEnd type="none" w="med" len="med"/>
+                    </a:lnB>
+                    <a:solidFill>
+                      <a:srgbClr val="FFFFFF"/>
+                    </a:solidFill>
+                  </a:tcPr>
+                </a:tc>
+                <a:tc>
+                  <a:txBody>
+                    <a:bodyPr/>
+                    <a:lstStyle/>
+                    <a:p>
+                      <a:pPr algn="r" fontAlgn="t"/>
+                      <a:endParaRPr lang="en-CL" sz="2400">
+                        <a:solidFill>
+                          <a:srgbClr val="444444"/>
+                        </a:solidFill>
+                        <a:effectLst/>
+                      </a:endParaRPr>
+                    </a:p>
+                  </a:txBody>
+                  <a:tcPr marL="91395" marR="91395" marT="45697" marB="45697">
+                    <a:lnL>
+                      <a:noFill/>
+                    </a:lnL>
+                    <a:lnR>
+                      <a:noFill/>
+                    </a:lnR>
+                    <a:lnT w="9525" cap="flat" cmpd="sng" algn="ctr">
+                      <a:solidFill>
+                        <a:srgbClr val="DEE2E6"/>
+                      </a:solidFill>
+                      <a:prstDash val="solid"/>
+                      <a:round/>
+                      <a:headEnd type="none" w="med" len="med"/>
+                      <a:tailEnd type="none" w="med" len="med"/>
+                    </a:lnT>
+                    <a:lnB w="9525" cap="flat" cmpd="sng" algn="ctr">
+                      <a:solidFill>
+                        <a:srgbClr val="DEE2E6"/>
+                      </a:solidFill>
+                      <a:prstDash val="solid"/>
+                      <a:round/>
+                      <a:headEnd type="none" w="med" len="med"/>
+                      <a:tailEnd type="none" w="med" len="med"/>
+                    </a:lnB>
+                    <a:solidFill>
+                      <a:srgbClr val="FFFFFF"/>
+                    </a:solidFill>
+                  </a:tcPr>
+                </a:tc>
+                <a:extLst>
+                  <a:ext uri="{0D108BD9-81ED-4DB2-BD59-A6C34878D82A}">
+                    <a16:rowId xmlns:a16="http://schemas.microsoft.com/office/drawing/2014/main" val="3038509748"/>
+                  </a:ext>
+                </a:extLst>
+              </a:tr>
+              <a:tr h="407246">
+                <a:tc>
+                  <a:txBody>
+                    <a:bodyPr/>
+                    <a:lstStyle/>
+                    <a:p>
+                      <a:pPr fontAlgn="t"/>
+                      <a:r>
+                        <a:rPr lang="en-US" sz="2400">
+                          <a:solidFill>
+                            <a:srgbClr val="444444"/>
+                          </a:solidFill>
+                          <a:effectLst/>
+                        </a:rPr>
+                        <a:t>Los Lagos</a:t>
+                      </a:r>
+                    </a:p>
+                  </a:txBody>
+                  <a:tcPr marL="91395" marR="91395" marT="45697" marB="45697">
+                    <a:lnL>
+                      <a:noFill/>
+                    </a:lnL>
+                    <a:lnR>
+                      <a:noFill/>
+                    </a:lnR>
+                    <a:lnT w="9525" cap="flat" cmpd="sng" algn="ctr">
+                      <a:solidFill>
+                        <a:srgbClr val="DEE2E6"/>
+                      </a:solidFill>
+                      <a:prstDash val="solid"/>
+                      <a:round/>
+                      <a:headEnd type="none" w="med" len="med"/>
+                      <a:tailEnd type="none" w="med" len="med"/>
+                    </a:lnT>
+                    <a:lnB w="9525" cap="flat" cmpd="sng" algn="ctr">
+                      <a:solidFill>
+                        <a:srgbClr val="DEE2E6"/>
+                      </a:solidFill>
+                      <a:prstDash val="solid"/>
+                      <a:round/>
+                      <a:headEnd type="none" w="med" len="med"/>
+                      <a:tailEnd type="none" w="med" len="med"/>
+                    </a:lnB>
+                    <a:solidFill>
+                      <a:srgbClr val="FFFFFF"/>
+                    </a:solidFill>
+                  </a:tcPr>
+                </a:tc>
+                <a:tc>
+                  <a:txBody>
+                    <a:bodyPr/>
+                    <a:lstStyle/>
+                    <a:p>
+                      <a:pPr fontAlgn="t"/>
+                      <a:r>
+                        <a:rPr lang="en-US" sz="2400">
+                          <a:solidFill>
+                            <a:srgbClr val="444444"/>
+                          </a:solidFill>
+                          <a:effectLst/>
+                        </a:rPr>
+                        <a:t>Dom 10 </a:t>
+                      </a:r>
+                      <a:r>
+                        <a:rPr lang="en-US" sz="2400" err="1">
+                          <a:solidFill>
+                            <a:srgbClr val="444444"/>
+                          </a:solidFill>
+                          <a:effectLst/>
+                        </a:rPr>
+                        <a:t>Abr</a:t>
+                      </a:r>
+                      <a:endParaRPr lang="en-US" sz="2400">
+                        <a:solidFill>
+                          <a:srgbClr val="444444"/>
+                        </a:solidFill>
+                        <a:effectLst/>
+                      </a:endParaRPr>
+                    </a:p>
+                  </a:txBody>
+                  <a:tcPr marL="91395" marR="91395" marT="45697" marB="45697">
+                    <a:lnL>
+                      <a:noFill/>
+                    </a:lnL>
+                    <a:lnR>
+                      <a:noFill/>
+                    </a:lnR>
+                    <a:lnT w="9525" cap="flat" cmpd="sng" algn="ctr">
+                      <a:solidFill>
+                        <a:srgbClr val="DEE2E6"/>
+                      </a:solidFill>
+                      <a:prstDash val="solid"/>
+                      <a:round/>
+                      <a:headEnd type="none" w="med" len="med"/>
+                      <a:tailEnd type="none" w="med" len="med"/>
+                    </a:lnT>
+                    <a:lnB w="9525" cap="flat" cmpd="sng" algn="ctr">
+                      <a:solidFill>
+                        <a:srgbClr val="DEE2E6"/>
+                      </a:solidFill>
+                      <a:prstDash val="solid"/>
+                      <a:round/>
+                      <a:headEnd type="none" w="med" len="med"/>
+                      <a:tailEnd type="none" w="med" len="med"/>
+                    </a:lnB>
+                    <a:solidFill>
+                      <a:srgbClr val="FFFFFF"/>
+                    </a:solidFill>
+                  </a:tcPr>
+                </a:tc>
+                <a:tc>
+                  <a:txBody>
+                    <a:bodyPr/>
+                    <a:lstStyle/>
+                    <a:p>
+                      <a:pPr algn="r" fontAlgn="t"/>
+                      <a:r>
+                        <a:rPr lang="en-CL" sz="2400">
+                          <a:solidFill>
+                            <a:srgbClr val="444444"/>
+                          </a:solidFill>
+                          <a:effectLst/>
+                        </a:rPr>
+                        <a:t>193.147</a:t>
+                      </a:r>
+                    </a:p>
+                  </a:txBody>
+                  <a:tcPr marL="91395" marR="91395" marT="45697" marB="45697">
+                    <a:lnL>
+                      <a:noFill/>
+                    </a:lnL>
+                    <a:lnR>
+                      <a:noFill/>
+                    </a:lnR>
+                    <a:lnT w="9525" cap="flat" cmpd="sng" algn="ctr">
+                      <a:solidFill>
+                        <a:srgbClr val="DEE2E6"/>
+                      </a:solidFill>
+                      <a:prstDash val="solid"/>
+                      <a:round/>
+                      <a:headEnd type="none" w="med" len="med"/>
+                      <a:tailEnd type="none" w="med" len="med"/>
+                    </a:lnT>
+                    <a:lnB w="9525" cap="flat" cmpd="sng" algn="ctr">
+                      <a:solidFill>
+                        <a:srgbClr val="DEE2E6"/>
+                      </a:solidFill>
+                      <a:prstDash val="solid"/>
+                      <a:round/>
+                      <a:headEnd type="none" w="med" len="med"/>
+                      <a:tailEnd type="none" w="med" len="med"/>
+                    </a:lnB>
+                    <a:solidFill>
+                      <a:srgbClr val="FFFFFF"/>
+                    </a:solidFill>
+                  </a:tcPr>
+                </a:tc>
+                <a:tc>
+                  <a:txBody>
+                    <a:bodyPr/>
+                    <a:lstStyle/>
+                    <a:p>
+                      <a:pPr algn="r" fontAlgn="t"/>
+                      <a:r>
+                        <a:rPr lang="en-CL" sz="2400">
+                          <a:solidFill>
+                            <a:srgbClr val="444444"/>
+                          </a:solidFill>
+                          <a:effectLst/>
+                        </a:rPr>
+                        <a:t>102</a:t>
+                      </a:r>
+                    </a:p>
+                  </a:txBody>
+                  <a:tcPr marL="91395" marR="91395" marT="45697" marB="45697">
+                    <a:lnL>
+                      <a:noFill/>
+                    </a:lnL>
+                    <a:lnR>
+                      <a:noFill/>
+                    </a:lnR>
+                    <a:lnT w="9525" cap="flat" cmpd="sng" algn="ctr">
+                      <a:solidFill>
+                        <a:srgbClr val="DEE2E6"/>
+                      </a:solidFill>
+                      <a:prstDash val="solid"/>
+                      <a:round/>
+                      <a:headEnd type="none" w="med" len="med"/>
+                      <a:tailEnd type="none" w="med" len="med"/>
+                    </a:lnT>
+                    <a:lnB w="9525" cap="flat" cmpd="sng" algn="ctr">
+                      <a:solidFill>
+                        <a:srgbClr val="DEE2E6"/>
+                      </a:solidFill>
+                      <a:prstDash val="solid"/>
+                      <a:round/>
+                      <a:headEnd type="none" w="med" len="med"/>
+                      <a:tailEnd type="none" w="med" len="med"/>
+                    </a:lnB>
+                    <a:solidFill>
+                      <a:srgbClr val="FFFFFF"/>
+                    </a:solidFill>
+                  </a:tcPr>
+                </a:tc>
+                <a:extLst>
+                  <a:ext uri="{0D108BD9-81ED-4DB2-BD59-A6C34878D82A}">
+                    <a16:rowId xmlns:a16="http://schemas.microsoft.com/office/drawing/2014/main" val="613320686"/>
+                  </a:ext>
+                </a:extLst>
+              </a:tr>
+              <a:tr h="407246">
+                <a:tc>
+                  <a:txBody>
+                    <a:bodyPr/>
+                    <a:lstStyle/>
+                    <a:p>
+                      <a:pPr fontAlgn="t"/>
+                      <a:r>
+                        <a:rPr lang="en-US" sz="2400">
+                          <a:solidFill>
+                            <a:srgbClr val="444444"/>
+                          </a:solidFill>
+                          <a:effectLst/>
+                        </a:rPr>
+                        <a:t>Los Lagos</a:t>
+                      </a:r>
+                    </a:p>
+                  </a:txBody>
+                  <a:tcPr marL="91395" marR="91395" marT="45697" marB="45697">
+                    <a:lnL>
+                      <a:noFill/>
+                    </a:lnL>
+                    <a:lnR>
+                      <a:noFill/>
+                    </a:lnR>
+                    <a:lnT w="9525" cap="flat" cmpd="sng" algn="ctr">
+                      <a:solidFill>
+                        <a:srgbClr val="DEE2E6"/>
+                      </a:solidFill>
+                      <a:prstDash val="solid"/>
+                      <a:round/>
+                      <a:headEnd type="none" w="med" len="med"/>
+                      <a:tailEnd type="none" w="med" len="med"/>
+                    </a:lnT>
+                    <a:lnB w="9525" cap="flat" cmpd="sng" algn="ctr">
+                      <a:solidFill>
+                        <a:srgbClr val="DEE2E6"/>
+                      </a:solidFill>
+                      <a:prstDash val="solid"/>
+                      <a:round/>
+                      <a:headEnd type="none" w="med" len="med"/>
+                      <a:tailEnd type="none" w="med" len="med"/>
+                    </a:lnB>
+                    <a:solidFill>
+                      <a:srgbClr val="FFFFFF"/>
+                    </a:solidFill>
+                  </a:tcPr>
+                </a:tc>
+                <a:tc>
+                  <a:txBody>
+                    <a:bodyPr/>
+                    <a:lstStyle/>
+                    <a:p>
+                      <a:pPr fontAlgn="t"/>
+                      <a:r>
+                        <a:rPr lang="en-US" sz="2400">
+                          <a:solidFill>
+                            <a:srgbClr val="444444"/>
+                          </a:solidFill>
+                          <a:effectLst/>
+                        </a:rPr>
+                        <a:t>Lun 11 Abr</a:t>
+                      </a:r>
+                    </a:p>
+                  </a:txBody>
+                  <a:tcPr marL="91395" marR="91395" marT="45697" marB="45697">
+                    <a:lnL>
+                      <a:noFill/>
+                    </a:lnL>
+                    <a:lnR>
+                      <a:noFill/>
+                    </a:lnR>
+                    <a:lnT w="9525" cap="flat" cmpd="sng" algn="ctr">
+                      <a:solidFill>
+                        <a:srgbClr val="DEE2E6"/>
+                      </a:solidFill>
+                      <a:prstDash val="solid"/>
+                      <a:round/>
+                      <a:headEnd type="none" w="med" len="med"/>
+                      <a:tailEnd type="none" w="med" len="med"/>
+                    </a:lnT>
+                    <a:lnB w="9525" cap="flat" cmpd="sng" algn="ctr">
+                      <a:solidFill>
+                        <a:srgbClr val="DEE2E6"/>
+                      </a:solidFill>
+                      <a:prstDash val="solid"/>
+                      <a:round/>
+                      <a:headEnd type="none" w="med" len="med"/>
+                      <a:tailEnd type="none" w="med" len="med"/>
+                    </a:lnB>
+                    <a:solidFill>
+                      <a:srgbClr val="FFFFFF"/>
+                    </a:solidFill>
+                  </a:tcPr>
+                </a:tc>
+                <a:tc>
+                  <a:txBody>
+                    <a:bodyPr/>
+                    <a:lstStyle/>
+                    <a:p>
+                      <a:pPr algn="r" fontAlgn="t"/>
+                      <a:r>
+                        <a:rPr lang="en-CL" sz="2400">
+                          <a:solidFill>
+                            <a:srgbClr val="444444"/>
+                          </a:solidFill>
+                          <a:effectLst/>
+                        </a:rPr>
+                        <a:t>193.207</a:t>
+                      </a:r>
+                    </a:p>
+                  </a:txBody>
+                  <a:tcPr marL="91395" marR="91395" marT="45697" marB="45697">
+                    <a:lnL>
+                      <a:noFill/>
+                    </a:lnL>
+                    <a:lnR>
+                      <a:noFill/>
+                    </a:lnR>
+                    <a:lnT w="9525" cap="flat" cmpd="sng" algn="ctr">
+                      <a:solidFill>
+                        <a:srgbClr val="DEE2E6"/>
+                      </a:solidFill>
+                      <a:prstDash val="solid"/>
+                      <a:round/>
+                      <a:headEnd type="none" w="med" len="med"/>
+                      <a:tailEnd type="none" w="med" len="med"/>
+                    </a:lnT>
+                    <a:lnB w="9525" cap="flat" cmpd="sng" algn="ctr">
+                      <a:solidFill>
+                        <a:srgbClr val="DEE2E6"/>
+                      </a:solidFill>
+                      <a:prstDash val="solid"/>
+                      <a:round/>
+                      <a:headEnd type="none" w="med" len="med"/>
+                      <a:tailEnd type="none" w="med" len="med"/>
+                    </a:lnB>
+                    <a:solidFill>
+                      <a:srgbClr val="FFFFFF"/>
+                    </a:solidFill>
+                  </a:tcPr>
+                </a:tc>
+                <a:tc>
+                  <a:txBody>
+                    <a:bodyPr/>
+                    <a:lstStyle/>
+                    <a:p>
+                      <a:pPr algn="r" fontAlgn="t"/>
+                      <a:r>
+                        <a:rPr lang="en-CL" sz="2400">
+                          <a:solidFill>
+                            <a:srgbClr val="444444"/>
+                          </a:solidFill>
+                          <a:effectLst/>
+                        </a:rPr>
+                        <a:t>59</a:t>
+                      </a:r>
+                    </a:p>
+                  </a:txBody>
+                  <a:tcPr marL="91395" marR="91395" marT="45697" marB="45697">
+                    <a:lnL>
+                      <a:noFill/>
+                    </a:lnL>
+                    <a:lnR>
+                      <a:noFill/>
+                    </a:lnR>
+                    <a:lnT w="9525" cap="flat" cmpd="sng" algn="ctr">
+                      <a:solidFill>
+                        <a:srgbClr val="DEE2E6"/>
+                      </a:solidFill>
+                      <a:prstDash val="solid"/>
+                      <a:round/>
+                      <a:headEnd type="none" w="med" len="med"/>
+                      <a:tailEnd type="none" w="med" len="med"/>
+                    </a:lnT>
+                    <a:lnB w="9525" cap="flat" cmpd="sng" algn="ctr">
+                      <a:solidFill>
+                        <a:srgbClr val="DEE2E6"/>
+                      </a:solidFill>
+                      <a:prstDash val="solid"/>
+                      <a:round/>
+                      <a:headEnd type="none" w="med" len="med"/>
+                      <a:tailEnd type="none" w="med" len="med"/>
+                    </a:lnB>
+                    <a:solidFill>
+                      <a:srgbClr val="FFFFFF"/>
+                    </a:solidFill>
+                  </a:tcPr>
+                </a:tc>
+                <a:extLst>
+                  <a:ext uri="{0D108BD9-81ED-4DB2-BD59-A6C34878D82A}">
+                    <a16:rowId xmlns:a16="http://schemas.microsoft.com/office/drawing/2014/main" val="2711582798"/>
+                  </a:ext>
+                </a:extLst>
+              </a:tr>
+              <a:tr h="407246">
+                <a:tc>
+                  <a:txBody>
+                    <a:bodyPr/>
+                    <a:lstStyle/>
+                    <a:p>
+                      <a:pPr fontAlgn="t"/>
+                      <a:r>
+                        <a:rPr lang="en-US" sz="2400">
+                          <a:solidFill>
+                            <a:srgbClr val="444444"/>
+                          </a:solidFill>
+                          <a:effectLst/>
+                        </a:rPr>
+                        <a:t>Los Lagos</a:t>
+                      </a:r>
+                    </a:p>
+                  </a:txBody>
+                  <a:tcPr marL="91395" marR="91395" marT="45697" marB="45697">
+                    <a:lnL>
+                      <a:noFill/>
+                    </a:lnL>
+                    <a:lnR>
+                      <a:noFill/>
+                    </a:lnR>
+                    <a:lnT w="9525" cap="flat" cmpd="sng" algn="ctr">
+                      <a:solidFill>
+                        <a:srgbClr val="DEE2E6"/>
+                      </a:solidFill>
+                      <a:prstDash val="solid"/>
+                      <a:round/>
+                      <a:headEnd type="none" w="med" len="med"/>
+                      <a:tailEnd type="none" w="med" len="med"/>
+                    </a:lnT>
+                    <a:lnB w="9525" cap="flat" cmpd="sng" algn="ctr">
+                      <a:solidFill>
+                        <a:srgbClr val="DEE2E6"/>
+                      </a:solidFill>
+                      <a:prstDash val="solid"/>
+                      <a:round/>
+                      <a:headEnd type="none" w="med" len="med"/>
+                      <a:tailEnd type="none" w="med" len="med"/>
+                    </a:lnB>
+                    <a:solidFill>
+                      <a:srgbClr val="FFFFFF"/>
+                    </a:solidFill>
+                  </a:tcPr>
+                </a:tc>
+                <a:tc>
+                  <a:txBody>
+                    <a:bodyPr/>
+                    <a:lstStyle/>
+                    <a:p>
+                      <a:pPr fontAlgn="t"/>
+                      <a:r>
+                        <a:rPr lang="en-US" sz="2400">
+                          <a:solidFill>
+                            <a:srgbClr val="444444"/>
+                          </a:solidFill>
+                          <a:effectLst/>
+                        </a:rPr>
+                        <a:t>Mar 12 Abr</a:t>
+                      </a:r>
+                    </a:p>
+                  </a:txBody>
+                  <a:tcPr marL="91395" marR="91395" marT="45697" marB="45697">
+                    <a:lnL>
+                      <a:noFill/>
+                    </a:lnL>
+                    <a:lnR>
+                      <a:noFill/>
+                    </a:lnR>
+                    <a:lnT w="9525" cap="flat" cmpd="sng" algn="ctr">
+                      <a:solidFill>
+                        <a:srgbClr val="DEE2E6"/>
+                      </a:solidFill>
+                      <a:prstDash val="solid"/>
+                      <a:round/>
+                      <a:headEnd type="none" w="med" len="med"/>
+                      <a:tailEnd type="none" w="med" len="med"/>
+                    </a:lnT>
+                    <a:lnB w="9525" cap="flat" cmpd="sng" algn="ctr">
+                      <a:solidFill>
+                        <a:srgbClr val="DEE2E6"/>
+                      </a:solidFill>
+                      <a:prstDash val="solid"/>
+                      <a:round/>
+                      <a:headEnd type="none" w="med" len="med"/>
+                      <a:tailEnd type="none" w="med" len="med"/>
+                    </a:lnB>
+                    <a:solidFill>
+                      <a:srgbClr val="FFFFFF"/>
+                    </a:solidFill>
+                  </a:tcPr>
+                </a:tc>
+                <a:tc>
+                  <a:txBody>
+                    <a:bodyPr/>
+                    <a:lstStyle/>
+                    <a:p>
+                      <a:pPr algn="r" fontAlgn="t"/>
+                      <a:r>
+                        <a:rPr lang="en-CL" sz="2400">
+                          <a:solidFill>
+                            <a:srgbClr val="444444"/>
+                          </a:solidFill>
+                          <a:effectLst/>
+                        </a:rPr>
+                        <a:t>193.240</a:t>
+                      </a:r>
+                    </a:p>
+                  </a:txBody>
+                  <a:tcPr marL="91395" marR="91395" marT="45697" marB="45697">
+                    <a:lnL>
+                      <a:noFill/>
+                    </a:lnL>
+                    <a:lnR>
+                      <a:noFill/>
+                    </a:lnR>
+                    <a:lnT w="9525" cap="flat" cmpd="sng" algn="ctr">
+                      <a:solidFill>
+                        <a:srgbClr val="DEE2E6"/>
+                      </a:solidFill>
+                      <a:prstDash val="solid"/>
+                      <a:round/>
+                      <a:headEnd type="none" w="med" len="med"/>
+                      <a:tailEnd type="none" w="med" len="med"/>
+                    </a:lnT>
+                    <a:lnB w="9525" cap="flat" cmpd="sng" algn="ctr">
+                      <a:solidFill>
+                        <a:srgbClr val="DEE2E6"/>
+                      </a:solidFill>
+                      <a:prstDash val="solid"/>
+                      <a:round/>
+                      <a:headEnd type="none" w="med" len="med"/>
+                      <a:tailEnd type="none" w="med" len="med"/>
+                    </a:lnB>
+                    <a:solidFill>
+                      <a:srgbClr val="FFFFFF"/>
+                    </a:solidFill>
+                  </a:tcPr>
+                </a:tc>
+                <a:tc>
+                  <a:txBody>
+                    <a:bodyPr/>
+                    <a:lstStyle/>
+                    <a:p>
+                      <a:pPr algn="r" fontAlgn="t"/>
+                      <a:r>
+                        <a:rPr lang="en-CL" sz="2400" dirty="0">
+                          <a:solidFill>
+                            <a:srgbClr val="444444"/>
+                          </a:solidFill>
+                          <a:effectLst/>
+                        </a:rPr>
+                        <a:t>32</a:t>
+                      </a:r>
+                    </a:p>
+                  </a:txBody>
+                  <a:tcPr marL="91395" marR="91395" marT="45697" marB="45697">
+                    <a:lnL>
+                      <a:noFill/>
+                    </a:lnL>
+                    <a:lnR>
+                      <a:noFill/>
+                    </a:lnR>
+                    <a:lnT w="9525" cap="flat" cmpd="sng" algn="ctr">
+                      <a:solidFill>
+                        <a:srgbClr val="DEE2E6"/>
+                      </a:solidFill>
+                      <a:prstDash val="solid"/>
+                      <a:round/>
+                      <a:headEnd type="none" w="med" len="med"/>
+                      <a:tailEnd type="none" w="med" len="med"/>
+                    </a:lnT>
+                    <a:lnB w="9525" cap="flat" cmpd="sng" algn="ctr">
+                      <a:solidFill>
+                        <a:srgbClr val="DEE2E6"/>
+                      </a:solidFill>
+                      <a:prstDash val="solid"/>
+                      <a:round/>
+                      <a:headEnd type="none" w="med" len="med"/>
+                      <a:tailEnd type="none" w="med" len="med"/>
+                    </a:lnB>
+                    <a:solidFill>
+                      <a:srgbClr val="FFFFFF"/>
+                    </a:solidFill>
+                  </a:tcPr>
+                </a:tc>
+                <a:extLst>
+                  <a:ext uri="{0D108BD9-81ED-4DB2-BD59-A6C34878D82A}">
+                    <a16:rowId xmlns:a16="http://schemas.microsoft.com/office/drawing/2014/main" val="3181589145"/>
+                  </a:ext>
+                </a:extLst>
+              </a:tr>
+              <a:tr h="407246">
+                <a:tc>
+                  <a:txBody>
+                    <a:bodyPr/>
+                    <a:lstStyle/>
+                    <a:p>
+                      <a:pPr fontAlgn="t"/>
+                      <a:r>
+                        <a:rPr lang="en-US" sz="2400">
+                          <a:solidFill>
+                            <a:srgbClr val="444444"/>
+                          </a:solidFill>
+                          <a:effectLst/>
+                        </a:rPr>
+                        <a:t>Los Lagos</a:t>
+                      </a:r>
+                    </a:p>
+                  </a:txBody>
+                  <a:tcPr marL="91395" marR="91395" marT="45697" marB="45697">
+                    <a:lnL>
+                      <a:noFill/>
+                    </a:lnL>
+                    <a:lnR>
+                      <a:noFill/>
+                    </a:lnR>
+                    <a:lnT w="9525" cap="flat" cmpd="sng" algn="ctr">
+                      <a:solidFill>
+                        <a:srgbClr val="DEE2E6"/>
+                      </a:solidFill>
+                      <a:prstDash val="solid"/>
+                      <a:round/>
+                      <a:headEnd type="none" w="med" len="med"/>
+                      <a:tailEnd type="none" w="med" len="med"/>
+                    </a:lnT>
+                    <a:lnB w="9525" cap="flat" cmpd="sng" algn="ctr">
+                      <a:solidFill>
+                        <a:srgbClr val="DEE2E6"/>
+                      </a:solidFill>
+                      <a:prstDash val="solid"/>
+                      <a:round/>
+                      <a:headEnd type="none" w="med" len="med"/>
+                      <a:tailEnd type="none" w="med" len="med"/>
+                    </a:lnB>
+                    <a:solidFill>
+                      <a:srgbClr val="FFFFFF"/>
+                    </a:solidFill>
+                  </a:tcPr>
+                </a:tc>
+                <a:tc>
+                  <a:txBody>
+                    <a:bodyPr/>
+                    <a:lstStyle/>
+                    <a:p>
+                      <a:pPr fontAlgn="t"/>
+                      <a:r>
+                        <a:rPr lang="en-US" sz="2400">
+                          <a:solidFill>
+                            <a:srgbClr val="444444"/>
+                          </a:solidFill>
+                          <a:effectLst/>
+                        </a:rPr>
+                        <a:t>Mie 13 Abr</a:t>
+                      </a:r>
+                    </a:p>
+                  </a:txBody>
+                  <a:tcPr marL="91395" marR="91395" marT="45697" marB="45697">
+                    <a:lnL>
+                      <a:noFill/>
+                    </a:lnL>
+                    <a:lnR>
+                      <a:noFill/>
+                    </a:lnR>
+                    <a:lnT w="9525" cap="flat" cmpd="sng" algn="ctr">
+                      <a:solidFill>
+                        <a:srgbClr val="DEE2E6"/>
+                      </a:solidFill>
+                      <a:prstDash val="solid"/>
+                      <a:round/>
+                      <a:headEnd type="none" w="med" len="med"/>
+                      <a:tailEnd type="none" w="med" len="med"/>
+                    </a:lnT>
+                    <a:lnB w="9525" cap="flat" cmpd="sng" algn="ctr">
+                      <a:solidFill>
+                        <a:srgbClr val="DEE2E6"/>
+                      </a:solidFill>
+                      <a:prstDash val="solid"/>
+                      <a:round/>
+                      <a:headEnd type="none" w="med" len="med"/>
+                      <a:tailEnd type="none" w="med" len="med"/>
+                    </a:lnB>
+                    <a:solidFill>
+                      <a:srgbClr val="FFFFFF"/>
+                    </a:solidFill>
+                  </a:tcPr>
+                </a:tc>
+                <a:tc>
+                  <a:txBody>
+                    <a:bodyPr/>
+                    <a:lstStyle/>
+                    <a:p>
+                      <a:pPr algn="r" fontAlgn="t"/>
+                      <a:r>
+                        <a:rPr lang="en-CL" sz="2400">
+                          <a:solidFill>
+                            <a:srgbClr val="444444"/>
+                          </a:solidFill>
+                          <a:effectLst/>
+                        </a:rPr>
+                        <a:t>193.457</a:t>
+                      </a:r>
+                    </a:p>
+                  </a:txBody>
+                  <a:tcPr marL="91395" marR="91395" marT="45697" marB="45697">
+                    <a:lnL>
+                      <a:noFill/>
+                    </a:lnL>
+                    <a:lnR>
+                      <a:noFill/>
+                    </a:lnR>
+                    <a:lnT w="9525" cap="flat" cmpd="sng" algn="ctr">
+                      <a:solidFill>
+                        <a:srgbClr val="DEE2E6"/>
+                      </a:solidFill>
+                      <a:prstDash val="solid"/>
+                      <a:round/>
+                      <a:headEnd type="none" w="med" len="med"/>
+                      <a:tailEnd type="none" w="med" len="med"/>
+                    </a:lnT>
+                    <a:lnB w="9525" cap="flat" cmpd="sng" algn="ctr">
+                      <a:solidFill>
+                        <a:srgbClr val="DEE2E6"/>
+                      </a:solidFill>
+                      <a:prstDash val="solid"/>
+                      <a:round/>
+                      <a:headEnd type="none" w="med" len="med"/>
+                      <a:tailEnd type="none" w="med" len="med"/>
+                    </a:lnB>
+                    <a:solidFill>
+                      <a:srgbClr val="FFFFFF"/>
+                    </a:solidFill>
+                  </a:tcPr>
+                </a:tc>
+                <a:tc>
+                  <a:txBody>
+                    <a:bodyPr/>
+                    <a:lstStyle/>
+                    <a:p>
+                      <a:pPr algn="r" fontAlgn="t"/>
+                      <a:r>
+                        <a:rPr lang="en-CL" sz="2400">
+                          <a:solidFill>
+                            <a:srgbClr val="444444"/>
+                          </a:solidFill>
+                          <a:effectLst/>
+                        </a:rPr>
+                        <a:t>71</a:t>
+                      </a:r>
+                    </a:p>
+                  </a:txBody>
+                  <a:tcPr marL="91395" marR="91395" marT="45697" marB="45697">
+                    <a:lnL>
+                      <a:noFill/>
+                    </a:lnL>
+                    <a:lnR>
+                      <a:noFill/>
+                    </a:lnR>
+                    <a:lnT w="9525" cap="flat" cmpd="sng" algn="ctr">
+                      <a:solidFill>
+                        <a:srgbClr val="DEE2E6"/>
+                      </a:solidFill>
+                      <a:prstDash val="solid"/>
+                      <a:round/>
+                      <a:headEnd type="none" w="med" len="med"/>
+                      <a:tailEnd type="none" w="med" len="med"/>
+                    </a:lnT>
+                    <a:lnB w="9525" cap="flat" cmpd="sng" algn="ctr">
+                      <a:solidFill>
+                        <a:srgbClr val="DEE2E6"/>
+                      </a:solidFill>
+                      <a:prstDash val="solid"/>
+                      <a:round/>
+                      <a:headEnd type="none" w="med" len="med"/>
+                      <a:tailEnd type="none" w="med" len="med"/>
+                    </a:lnB>
+                    <a:solidFill>
+                      <a:srgbClr val="FFFFFF"/>
+                    </a:solidFill>
+                  </a:tcPr>
+                </a:tc>
+                <a:extLst>
+                  <a:ext uri="{0D108BD9-81ED-4DB2-BD59-A6C34878D82A}">
+                    <a16:rowId xmlns:a16="http://schemas.microsoft.com/office/drawing/2014/main" val="2354245169"/>
+                  </a:ext>
+                </a:extLst>
+              </a:tr>
+              <a:tr h="407246">
+                <a:tc>
+                  <a:txBody>
+                    <a:bodyPr/>
+                    <a:lstStyle/>
+                    <a:p>
+                      <a:pPr fontAlgn="t"/>
+                      <a:r>
+                        <a:rPr lang="en-US" sz="2400">
+                          <a:solidFill>
+                            <a:srgbClr val="444444"/>
+                          </a:solidFill>
+                          <a:effectLst/>
+                        </a:rPr>
+                        <a:t>Los Lagos</a:t>
+                      </a:r>
+                    </a:p>
+                  </a:txBody>
+                  <a:tcPr marL="91395" marR="91395" marT="45697" marB="45697">
+                    <a:lnL>
+                      <a:noFill/>
+                    </a:lnL>
+                    <a:lnR>
+                      <a:noFill/>
+                    </a:lnR>
+                    <a:lnT w="9525" cap="flat" cmpd="sng" algn="ctr">
+                      <a:solidFill>
+                        <a:srgbClr val="DEE2E6"/>
+                      </a:solidFill>
+                      <a:prstDash val="solid"/>
+                      <a:round/>
+                      <a:headEnd type="none" w="med" len="med"/>
+                      <a:tailEnd type="none" w="med" len="med"/>
+                    </a:lnT>
+                    <a:lnB w="9525" cap="flat" cmpd="sng" algn="ctr">
+                      <a:solidFill>
+                        <a:srgbClr val="DEE2E6"/>
+                      </a:solidFill>
+                      <a:prstDash val="solid"/>
+                      <a:round/>
+                      <a:headEnd type="none" w="med" len="med"/>
+                      <a:tailEnd type="none" w="med" len="med"/>
+                    </a:lnB>
+                    <a:solidFill>
+                      <a:srgbClr val="FFFFFF"/>
+                    </a:solidFill>
+                  </a:tcPr>
+                </a:tc>
+                <a:tc>
+                  <a:txBody>
+                    <a:bodyPr/>
+                    <a:lstStyle/>
+                    <a:p>
+                      <a:pPr fontAlgn="t"/>
+                      <a:r>
+                        <a:rPr lang="en-US" sz="2400">
+                          <a:solidFill>
+                            <a:srgbClr val="444444"/>
+                          </a:solidFill>
+                          <a:effectLst/>
+                        </a:rPr>
+                        <a:t>Jue 14 Abr</a:t>
+                      </a:r>
+                    </a:p>
+                  </a:txBody>
+                  <a:tcPr marL="91395" marR="91395" marT="45697" marB="45697">
+                    <a:lnL>
+                      <a:noFill/>
+                    </a:lnL>
+                    <a:lnR>
+                      <a:noFill/>
+                    </a:lnR>
+                    <a:lnT w="9525" cap="flat" cmpd="sng" algn="ctr">
+                      <a:solidFill>
+                        <a:srgbClr val="DEE2E6"/>
+                      </a:solidFill>
+                      <a:prstDash val="solid"/>
+                      <a:round/>
+                      <a:headEnd type="none" w="med" len="med"/>
+                      <a:tailEnd type="none" w="med" len="med"/>
+                    </a:lnT>
+                    <a:lnB w="9525" cap="flat" cmpd="sng" algn="ctr">
+                      <a:solidFill>
+                        <a:srgbClr val="DEE2E6"/>
+                      </a:solidFill>
+                      <a:prstDash val="solid"/>
+                      <a:round/>
+                      <a:headEnd type="none" w="med" len="med"/>
+                      <a:tailEnd type="none" w="med" len="med"/>
+                    </a:lnB>
+                    <a:solidFill>
+                      <a:srgbClr val="FFFFFF"/>
+                    </a:solidFill>
+                  </a:tcPr>
+                </a:tc>
+                <a:tc>
+                  <a:txBody>
+                    <a:bodyPr/>
+                    <a:lstStyle/>
+                    <a:p>
+                      <a:pPr algn="r" fontAlgn="t"/>
+                      <a:r>
+                        <a:rPr lang="en-CL" sz="2400">
+                          <a:solidFill>
+                            <a:srgbClr val="444444"/>
+                          </a:solidFill>
+                          <a:effectLst/>
+                        </a:rPr>
+                        <a:t>193.912</a:t>
+                      </a:r>
+                    </a:p>
+                  </a:txBody>
+                  <a:tcPr marL="91395" marR="91395" marT="45697" marB="45697">
+                    <a:lnL>
+                      <a:noFill/>
+                    </a:lnL>
+                    <a:lnR>
+                      <a:noFill/>
+                    </a:lnR>
+                    <a:lnT w="9525" cap="flat" cmpd="sng" algn="ctr">
+                      <a:solidFill>
+                        <a:srgbClr val="DEE2E6"/>
+                      </a:solidFill>
+                      <a:prstDash val="solid"/>
+                      <a:round/>
+                      <a:headEnd type="none" w="med" len="med"/>
+                      <a:tailEnd type="none" w="med" len="med"/>
+                    </a:lnT>
+                    <a:lnB w="9525" cap="flat" cmpd="sng" algn="ctr">
+                      <a:solidFill>
+                        <a:srgbClr val="DEE2E6"/>
+                      </a:solidFill>
+                      <a:prstDash val="solid"/>
+                      <a:round/>
+                      <a:headEnd type="none" w="med" len="med"/>
+                      <a:tailEnd type="none" w="med" len="med"/>
+                    </a:lnB>
+                    <a:solidFill>
+                      <a:srgbClr val="FFFFFF"/>
+                    </a:solidFill>
+                  </a:tcPr>
+                </a:tc>
+                <a:tc>
+                  <a:txBody>
+                    <a:bodyPr/>
+                    <a:lstStyle/>
+                    <a:p>
+                      <a:pPr algn="r" fontAlgn="t"/>
+                      <a:r>
+                        <a:rPr lang="en-CL" sz="2400">
+                          <a:solidFill>
+                            <a:srgbClr val="444444"/>
+                          </a:solidFill>
+                          <a:effectLst/>
+                        </a:rPr>
+                        <a:t>79</a:t>
+                      </a:r>
+                    </a:p>
+                  </a:txBody>
+                  <a:tcPr marL="91395" marR="91395" marT="45697" marB="45697">
+                    <a:lnL>
+                      <a:noFill/>
+                    </a:lnL>
+                    <a:lnR>
+                      <a:noFill/>
+                    </a:lnR>
+                    <a:lnT w="9525" cap="flat" cmpd="sng" algn="ctr">
+                      <a:solidFill>
+                        <a:srgbClr val="DEE2E6"/>
+                      </a:solidFill>
+                      <a:prstDash val="solid"/>
+                      <a:round/>
+                      <a:headEnd type="none" w="med" len="med"/>
+                      <a:tailEnd type="none" w="med" len="med"/>
+                    </a:lnT>
+                    <a:lnB w="9525" cap="flat" cmpd="sng" algn="ctr">
+                      <a:solidFill>
+                        <a:srgbClr val="DEE2E6"/>
+                      </a:solidFill>
+                      <a:prstDash val="solid"/>
+                      <a:round/>
+                      <a:headEnd type="none" w="med" len="med"/>
+                      <a:tailEnd type="none" w="med" len="med"/>
+                    </a:lnB>
+                    <a:solidFill>
+                      <a:srgbClr val="FFFFFF"/>
+                    </a:solidFill>
+                  </a:tcPr>
+                </a:tc>
+                <a:extLst>
+                  <a:ext uri="{0D108BD9-81ED-4DB2-BD59-A6C34878D82A}">
+                    <a16:rowId xmlns:a16="http://schemas.microsoft.com/office/drawing/2014/main" val="443504976"/>
+                  </a:ext>
+                </a:extLst>
+              </a:tr>
+              <a:tr h="407246">
+                <a:tc>
+                  <a:txBody>
+                    <a:bodyPr/>
+                    <a:lstStyle/>
+                    <a:p>
+                      <a:pPr fontAlgn="t"/>
+                      <a:r>
+                        <a:rPr lang="en-US" sz="2400">
+                          <a:solidFill>
+                            <a:srgbClr val="444444"/>
+                          </a:solidFill>
+                          <a:effectLst/>
+                        </a:rPr>
+                        <a:t>Los Lagos</a:t>
+                      </a:r>
+                    </a:p>
+                  </a:txBody>
+                  <a:tcPr marL="91395" marR="91395" marT="45697" marB="45697">
+                    <a:lnL>
+                      <a:noFill/>
+                    </a:lnL>
+                    <a:lnR>
+                      <a:noFill/>
+                    </a:lnR>
+                    <a:lnT w="9525" cap="flat" cmpd="sng" algn="ctr">
+                      <a:solidFill>
+                        <a:srgbClr val="DEE2E6"/>
+                      </a:solidFill>
+                      <a:prstDash val="solid"/>
+                      <a:round/>
+                      <a:headEnd type="none" w="med" len="med"/>
+                      <a:tailEnd type="none" w="med" len="med"/>
+                    </a:lnT>
+                    <a:lnB w="9525" cap="flat" cmpd="sng" algn="ctr">
+                      <a:solidFill>
+                        <a:srgbClr val="DEE2E6"/>
+                      </a:solidFill>
+                      <a:prstDash val="solid"/>
+                      <a:round/>
+                      <a:headEnd type="none" w="med" len="med"/>
+                      <a:tailEnd type="none" w="med" len="med"/>
+                    </a:lnB>
+                    <a:solidFill>
+                      <a:srgbClr val="FFFFFF"/>
+                    </a:solidFill>
+                  </a:tcPr>
+                </a:tc>
+                <a:tc>
+                  <a:txBody>
+                    <a:bodyPr/>
+                    <a:lstStyle/>
+                    <a:p>
+                      <a:pPr fontAlgn="t"/>
+                      <a:r>
+                        <a:rPr lang="en-US" sz="2400" dirty="0">
+                          <a:solidFill>
+                            <a:srgbClr val="444444"/>
+                          </a:solidFill>
+                          <a:effectLst/>
+                        </a:rPr>
+                        <a:t>Vie 15 </a:t>
+                      </a:r>
+                      <a:r>
+                        <a:rPr lang="en-US" sz="2400" dirty="0" err="1">
+                          <a:solidFill>
+                            <a:srgbClr val="444444"/>
+                          </a:solidFill>
+                          <a:effectLst/>
+                        </a:rPr>
+                        <a:t>Abr</a:t>
+                      </a:r>
+                      <a:endParaRPr lang="en-US" sz="2400" dirty="0">
+                        <a:solidFill>
+                          <a:srgbClr val="444444"/>
+                        </a:solidFill>
+                        <a:effectLst/>
+                      </a:endParaRPr>
+                    </a:p>
+                  </a:txBody>
+                  <a:tcPr marL="91395" marR="91395" marT="45697" marB="45697">
+                    <a:lnL>
+                      <a:noFill/>
+                    </a:lnL>
+                    <a:lnR>
+                      <a:noFill/>
+                    </a:lnR>
+                    <a:lnT w="9525" cap="flat" cmpd="sng" algn="ctr">
+                      <a:solidFill>
+                        <a:srgbClr val="DEE2E6"/>
+                      </a:solidFill>
+                      <a:prstDash val="solid"/>
+                      <a:round/>
+                      <a:headEnd type="none" w="med" len="med"/>
+                      <a:tailEnd type="none" w="med" len="med"/>
+                    </a:lnT>
+                    <a:lnB w="9525" cap="flat" cmpd="sng" algn="ctr">
+                      <a:solidFill>
+                        <a:srgbClr val="DEE2E6"/>
+                      </a:solidFill>
+                      <a:prstDash val="solid"/>
+                      <a:round/>
+                      <a:headEnd type="none" w="med" len="med"/>
+                      <a:tailEnd type="none" w="med" len="med"/>
+                    </a:lnB>
+                    <a:solidFill>
+                      <a:srgbClr val="FFFFFF"/>
+                    </a:solidFill>
+                  </a:tcPr>
+                </a:tc>
+                <a:tc>
+                  <a:txBody>
+                    <a:bodyPr/>
+                    <a:lstStyle/>
+                    <a:p>
+                      <a:pPr algn="r" fontAlgn="t"/>
+                      <a:r>
+                        <a:rPr lang="en-CL" sz="2400">
+                          <a:solidFill>
+                            <a:srgbClr val="444444"/>
+                          </a:solidFill>
+                          <a:effectLst/>
+                        </a:rPr>
+                        <a:t>194.352</a:t>
+                      </a:r>
+                    </a:p>
+                  </a:txBody>
+                  <a:tcPr marL="91395" marR="91395" marT="45697" marB="45697">
+                    <a:lnL>
+                      <a:noFill/>
+                    </a:lnL>
+                    <a:lnR>
+                      <a:noFill/>
+                    </a:lnR>
+                    <a:lnT w="9525" cap="flat" cmpd="sng" algn="ctr">
+                      <a:solidFill>
+                        <a:srgbClr val="DEE2E6"/>
+                      </a:solidFill>
+                      <a:prstDash val="solid"/>
+                      <a:round/>
+                      <a:headEnd type="none" w="med" len="med"/>
+                      <a:tailEnd type="none" w="med" len="med"/>
+                    </a:lnT>
+                    <a:lnB w="9525" cap="flat" cmpd="sng" algn="ctr">
+                      <a:solidFill>
+                        <a:srgbClr val="DEE2E6"/>
+                      </a:solidFill>
+                      <a:prstDash val="solid"/>
+                      <a:round/>
+                      <a:headEnd type="none" w="med" len="med"/>
+                      <a:tailEnd type="none" w="med" len="med"/>
+                    </a:lnB>
+                    <a:solidFill>
+                      <a:srgbClr val="FFFFFF"/>
+                    </a:solidFill>
+                  </a:tcPr>
+                </a:tc>
+                <a:tc>
+                  <a:txBody>
+                    <a:bodyPr/>
+                    <a:lstStyle/>
+                    <a:p>
+                      <a:pPr algn="r" fontAlgn="t"/>
+                      <a:r>
+                        <a:rPr lang="en-CL" sz="2400">
+                          <a:solidFill>
+                            <a:srgbClr val="444444"/>
+                          </a:solidFill>
+                          <a:effectLst/>
+                        </a:rPr>
+                        <a:t>58</a:t>
+                      </a:r>
+                    </a:p>
+                  </a:txBody>
+                  <a:tcPr marL="91395" marR="91395" marT="45697" marB="45697">
+                    <a:lnL>
+                      <a:noFill/>
+                    </a:lnL>
+                    <a:lnR>
+                      <a:noFill/>
+                    </a:lnR>
+                    <a:lnT w="9525" cap="flat" cmpd="sng" algn="ctr">
+                      <a:solidFill>
+                        <a:srgbClr val="DEE2E6"/>
+                      </a:solidFill>
+                      <a:prstDash val="solid"/>
+                      <a:round/>
+                      <a:headEnd type="none" w="med" len="med"/>
+                      <a:tailEnd type="none" w="med" len="med"/>
+                    </a:lnT>
+                    <a:lnB w="9525" cap="flat" cmpd="sng" algn="ctr">
+                      <a:solidFill>
+                        <a:srgbClr val="DEE2E6"/>
+                      </a:solidFill>
+                      <a:prstDash val="solid"/>
+                      <a:round/>
+                      <a:headEnd type="none" w="med" len="med"/>
+                      <a:tailEnd type="none" w="med" len="med"/>
+                    </a:lnB>
+                    <a:solidFill>
+                      <a:srgbClr val="FFFFFF"/>
+                    </a:solidFill>
+                  </a:tcPr>
+                </a:tc>
+                <a:extLst>
+                  <a:ext uri="{0D108BD9-81ED-4DB2-BD59-A6C34878D82A}">
+                    <a16:rowId xmlns:a16="http://schemas.microsoft.com/office/drawing/2014/main" val="3425347288"/>
+                  </a:ext>
+                </a:extLst>
+              </a:tr>
+              <a:tr h="407246">
+                <a:tc>
+                  <a:txBody>
+                    <a:bodyPr/>
+                    <a:lstStyle/>
+                    <a:p>
+                      <a:pPr fontAlgn="t"/>
+                      <a:r>
+                        <a:rPr lang="en-US" sz="2400">
+                          <a:solidFill>
+                            <a:srgbClr val="444444"/>
+                          </a:solidFill>
+                          <a:effectLst/>
+                        </a:rPr>
+                        <a:t>Los Lagos</a:t>
+                      </a:r>
+                    </a:p>
+                  </a:txBody>
+                  <a:tcPr marL="91395" marR="91395" marT="45697" marB="45697">
+                    <a:lnL>
+                      <a:noFill/>
+                    </a:lnL>
+                    <a:lnR>
+                      <a:noFill/>
+                    </a:lnR>
+                    <a:lnT w="9525" cap="flat" cmpd="sng" algn="ctr">
+                      <a:solidFill>
+                        <a:srgbClr val="DEE2E6"/>
+                      </a:solidFill>
+                      <a:prstDash val="solid"/>
+                      <a:round/>
+                      <a:headEnd type="none" w="med" len="med"/>
+                      <a:tailEnd type="none" w="med" len="med"/>
+                    </a:lnT>
+                    <a:lnB w="9525" cap="flat" cmpd="sng" algn="ctr">
+                      <a:solidFill>
+                        <a:srgbClr val="DEE2E6"/>
+                      </a:solidFill>
+                      <a:prstDash val="solid"/>
+                      <a:round/>
+                      <a:headEnd type="none" w="med" len="med"/>
+                      <a:tailEnd type="none" w="med" len="med"/>
+                    </a:lnB>
+                    <a:solidFill>
+                      <a:srgbClr val="FFFFFF"/>
+                    </a:solidFill>
+                  </a:tcPr>
+                </a:tc>
+                <a:tc>
+                  <a:txBody>
+                    <a:bodyPr/>
+                    <a:lstStyle/>
+                    <a:p>
+                      <a:pPr fontAlgn="t"/>
+                      <a:r>
+                        <a:rPr lang="en-US" sz="2400" dirty="0">
+                          <a:solidFill>
+                            <a:srgbClr val="FF0000"/>
+                          </a:solidFill>
+                          <a:effectLst/>
+                        </a:rPr>
+                        <a:t>Sab 16 </a:t>
+                      </a:r>
+                      <a:r>
+                        <a:rPr lang="en-US" sz="2400" dirty="0" err="1">
+                          <a:solidFill>
+                            <a:srgbClr val="FF0000"/>
+                          </a:solidFill>
+                          <a:effectLst/>
+                        </a:rPr>
+                        <a:t>Abr</a:t>
+                      </a:r>
+                      <a:endParaRPr lang="en-US" sz="2400" dirty="0">
+                        <a:solidFill>
+                          <a:srgbClr val="FF0000"/>
+                        </a:solidFill>
+                        <a:effectLst/>
+                      </a:endParaRPr>
+                    </a:p>
+                  </a:txBody>
+                  <a:tcPr marL="91395" marR="91395" marT="45697" marB="45697">
+                    <a:lnL>
+                      <a:noFill/>
+                    </a:lnL>
+                    <a:lnR>
+                      <a:noFill/>
+                    </a:lnR>
+                    <a:lnT w="9525" cap="flat" cmpd="sng" algn="ctr">
+                      <a:solidFill>
+                        <a:srgbClr val="DEE2E6"/>
+                      </a:solidFill>
+                      <a:prstDash val="solid"/>
+                      <a:round/>
+                      <a:headEnd type="none" w="med" len="med"/>
+                      <a:tailEnd type="none" w="med" len="med"/>
+                    </a:lnT>
+                    <a:lnB w="9525" cap="flat" cmpd="sng" algn="ctr">
+                      <a:solidFill>
+                        <a:srgbClr val="DEE2E6"/>
+                      </a:solidFill>
+                      <a:prstDash val="solid"/>
+                      <a:round/>
+                      <a:headEnd type="none" w="med" len="med"/>
+                      <a:tailEnd type="none" w="med" len="med"/>
+                    </a:lnB>
+                    <a:solidFill>
+                      <a:srgbClr val="FFFFFF"/>
+                    </a:solidFill>
+                  </a:tcPr>
+                </a:tc>
+                <a:tc>
+                  <a:txBody>
+                    <a:bodyPr/>
+                    <a:lstStyle/>
+                    <a:p>
+                      <a:pPr algn="r" fontAlgn="t"/>
+                      <a:r>
+                        <a:rPr lang="en-CL" sz="2400" b="1" dirty="0">
+                          <a:solidFill>
+                            <a:srgbClr val="FF0000"/>
+                          </a:solidFill>
+                          <a:effectLst/>
+                        </a:rPr>
+                        <a:t>194.478</a:t>
+                      </a:r>
+                      <a:endParaRPr lang="en-CL" sz="2400" dirty="0">
+                        <a:solidFill>
+                          <a:srgbClr val="FF0000"/>
+                        </a:solidFill>
+                        <a:effectLst/>
+                      </a:endParaRPr>
+                    </a:p>
+                  </a:txBody>
+                  <a:tcPr marL="91395" marR="91395" marT="45697" marB="45697">
+                    <a:lnL>
+                      <a:noFill/>
+                    </a:lnL>
+                    <a:lnR>
+                      <a:noFill/>
+                    </a:lnR>
+                    <a:lnT w="9525" cap="flat" cmpd="sng" algn="ctr">
+                      <a:solidFill>
+                        <a:srgbClr val="DEE2E6"/>
+                      </a:solidFill>
+                      <a:prstDash val="solid"/>
+                      <a:round/>
+                      <a:headEnd type="none" w="med" len="med"/>
+                      <a:tailEnd type="none" w="med" len="med"/>
+                    </a:lnT>
+                    <a:lnB w="9525" cap="flat" cmpd="sng" algn="ctr">
+                      <a:solidFill>
+                        <a:srgbClr val="DEE2E6"/>
+                      </a:solidFill>
+                      <a:prstDash val="solid"/>
+                      <a:round/>
+                      <a:headEnd type="none" w="med" len="med"/>
+                      <a:tailEnd type="none" w="med" len="med"/>
+                    </a:lnB>
+                    <a:solidFill>
+                      <a:srgbClr val="FFFFFF"/>
+                    </a:solidFill>
+                  </a:tcPr>
+                </a:tc>
+                <a:tc>
+                  <a:txBody>
+                    <a:bodyPr/>
+                    <a:lstStyle/>
+                    <a:p>
+                      <a:pPr algn="r" fontAlgn="t"/>
+                      <a:r>
+                        <a:rPr lang="en-CL" sz="2400">
+                          <a:solidFill>
+                            <a:srgbClr val="444444"/>
+                          </a:solidFill>
+                          <a:effectLst/>
+                        </a:rPr>
+                        <a:t>65</a:t>
+                      </a:r>
+                    </a:p>
+                  </a:txBody>
+                  <a:tcPr marL="91395" marR="91395" marT="45697" marB="45697">
+                    <a:lnL>
+                      <a:noFill/>
+                    </a:lnL>
+                    <a:lnR>
+                      <a:noFill/>
+                    </a:lnR>
+                    <a:lnT w="9525" cap="flat" cmpd="sng" algn="ctr">
+                      <a:solidFill>
+                        <a:srgbClr val="DEE2E6"/>
+                      </a:solidFill>
+                      <a:prstDash val="solid"/>
+                      <a:round/>
+                      <a:headEnd type="none" w="med" len="med"/>
+                      <a:tailEnd type="none" w="med" len="med"/>
+                    </a:lnT>
+                    <a:lnB w="9525" cap="flat" cmpd="sng" algn="ctr">
+                      <a:solidFill>
+                        <a:srgbClr val="DEE2E6"/>
+                      </a:solidFill>
+                      <a:prstDash val="solid"/>
+                      <a:round/>
+                      <a:headEnd type="none" w="med" len="med"/>
+                      <a:tailEnd type="none" w="med" len="med"/>
+                    </a:lnB>
+                    <a:solidFill>
+                      <a:srgbClr val="FFFFFF"/>
+                    </a:solidFill>
+                  </a:tcPr>
+                </a:tc>
+                <a:extLst>
+                  <a:ext uri="{0D108BD9-81ED-4DB2-BD59-A6C34878D82A}">
+                    <a16:rowId xmlns:a16="http://schemas.microsoft.com/office/drawing/2014/main" val="3882820625"/>
+                  </a:ext>
+                </a:extLst>
+              </a:tr>
+              <a:tr h="407246">
+                <a:tc>
+                  <a:txBody>
+                    <a:bodyPr/>
+                    <a:lstStyle/>
+                    <a:p>
+                      <a:pPr algn="l" fontAlgn="t"/>
+                      <a:r>
+                        <a:rPr lang="en-US" sz="2400" b="1" dirty="0">
+                          <a:solidFill>
+                            <a:srgbClr val="111111"/>
+                          </a:solidFill>
+                          <a:effectLst/>
+                        </a:rPr>
+                        <a:t>Total </a:t>
+                      </a:r>
+                      <a:r>
+                        <a:rPr lang="en-US" sz="2400" b="1" dirty="0" err="1">
+                          <a:solidFill>
+                            <a:srgbClr val="111111"/>
+                          </a:solidFill>
+                          <a:effectLst/>
+                        </a:rPr>
+                        <a:t>semanal</a:t>
+                      </a:r>
+                      <a:endParaRPr lang="en-US" sz="2400" b="1" dirty="0">
+                        <a:solidFill>
+                          <a:srgbClr val="111111"/>
+                        </a:solidFill>
+                        <a:effectLst/>
+                      </a:endParaRPr>
+                    </a:p>
+                  </a:txBody>
+                  <a:tcPr marL="91395" marR="91395" marT="45697" marB="45697">
+                    <a:lnL>
+                      <a:noFill/>
+                    </a:lnL>
+                    <a:lnR>
+                      <a:noFill/>
+                    </a:lnR>
+                    <a:lnT w="9525" cap="flat" cmpd="sng" algn="ctr">
+                      <a:solidFill>
+                        <a:srgbClr val="DEE2E6"/>
+                      </a:solidFill>
+                      <a:prstDash val="solid"/>
+                      <a:round/>
+                      <a:headEnd type="none" w="med" len="med"/>
+                      <a:tailEnd type="none" w="med" len="med"/>
+                    </a:lnT>
+                    <a:lnB>
+                      <a:noFill/>
+                    </a:lnB>
+                    <a:solidFill>
+                      <a:srgbClr val="FFFFFF"/>
+                    </a:solidFill>
+                  </a:tcPr>
+                </a:tc>
+                <a:tc>
+                  <a:txBody>
+                    <a:bodyPr/>
+                    <a:lstStyle/>
+                    <a:p>
+                      <a:pPr algn="l" fontAlgn="t"/>
+                      <a:endParaRPr lang="en-CL" sz="2400">
+                        <a:solidFill>
+                          <a:srgbClr val="111111"/>
+                        </a:solidFill>
+                        <a:effectLst/>
+                      </a:endParaRPr>
+                    </a:p>
+                  </a:txBody>
+                  <a:tcPr marL="91395" marR="91395" marT="45697" marB="45697">
+                    <a:lnL>
+                      <a:noFill/>
+                    </a:lnL>
+                    <a:lnR>
+                      <a:noFill/>
+                    </a:lnR>
+                    <a:lnT w="9525" cap="flat" cmpd="sng" algn="ctr">
+                      <a:solidFill>
+                        <a:srgbClr val="DEE2E6"/>
+                      </a:solidFill>
+                      <a:prstDash val="solid"/>
+                      <a:round/>
+                      <a:headEnd type="none" w="med" len="med"/>
+                      <a:tailEnd type="none" w="med" len="med"/>
+                    </a:lnT>
+                    <a:lnB>
+                      <a:noFill/>
+                    </a:lnB>
+                    <a:solidFill>
+                      <a:srgbClr val="FFFFFF"/>
+                    </a:solidFill>
+                  </a:tcPr>
+                </a:tc>
+                <a:tc>
+                  <a:txBody>
+                    <a:bodyPr/>
+                    <a:lstStyle/>
+                    <a:p>
+                      <a:pPr algn="r" fontAlgn="t"/>
+                      <a:r>
+                        <a:rPr lang="en-CL" sz="2400" b="1" dirty="0">
+                          <a:solidFill>
+                            <a:srgbClr val="111111"/>
+                          </a:solidFill>
+                          <a:effectLst/>
+                        </a:rPr>
+                        <a:t>1.668</a:t>
+                      </a:r>
+                    </a:p>
+                  </a:txBody>
+                  <a:tcPr marL="91395" marR="91395" marT="45697" marB="45697">
+                    <a:lnL>
+                      <a:noFill/>
+                    </a:lnL>
+                    <a:lnR>
+                      <a:noFill/>
+                    </a:lnR>
+                    <a:lnT w="9525" cap="flat" cmpd="sng" algn="ctr">
+                      <a:solidFill>
+                        <a:srgbClr val="DEE2E6"/>
+                      </a:solidFill>
+                      <a:prstDash val="solid"/>
+                      <a:round/>
+                      <a:headEnd type="none" w="med" len="med"/>
+                      <a:tailEnd type="none" w="med" len="med"/>
+                    </a:lnT>
+                    <a:lnB>
+                      <a:noFill/>
+                    </a:lnB>
+                    <a:solidFill>
+                      <a:srgbClr val="FFFFFF"/>
+                    </a:solidFill>
+                  </a:tcPr>
+                </a:tc>
+                <a:tc>
+                  <a:txBody>
+                    <a:bodyPr/>
+                    <a:lstStyle/>
+                    <a:p>
+                      <a:pPr algn="r" fontAlgn="t"/>
+                      <a:r>
+                        <a:rPr lang="en-CL" sz="2400" b="1" dirty="0">
+                          <a:solidFill>
+                            <a:srgbClr val="111111"/>
+                          </a:solidFill>
+                          <a:effectLst/>
+                        </a:rPr>
+                        <a:t>466</a:t>
+                      </a:r>
+                    </a:p>
+                  </a:txBody>
+                  <a:tcPr marL="91395" marR="91395" marT="45697" marB="45697">
+                    <a:lnL>
+                      <a:noFill/>
+                    </a:lnL>
+                    <a:lnR>
+                      <a:noFill/>
+                    </a:lnR>
+                    <a:lnT w="9525" cap="flat" cmpd="sng" algn="ctr">
+                      <a:solidFill>
+                        <a:srgbClr val="DEE2E6"/>
+                      </a:solidFill>
+                      <a:prstDash val="solid"/>
+                      <a:round/>
+                      <a:headEnd type="none" w="med" len="med"/>
+                      <a:tailEnd type="none" w="med" len="med"/>
+                    </a:lnT>
+                    <a:lnB>
+                      <a:noFill/>
+                    </a:lnB>
+                    <a:solidFill>
+                      <a:srgbClr val="FFFFFF"/>
+                    </a:solidFill>
+                  </a:tcPr>
+                </a:tc>
+                <a:extLst>
+                  <a:ext uri="{0D108BD9-81ED-4DB2-BD59-A6C34878D82A}">
+                    <a16:rowId xmlns:a16="http://schemas.microsoft.com/office/drawing/2014/main" val="2643872402"/>
+                  </a:ext>
+                </a:extLst>
+              </a:tr>
+            </a:tbl>
+          </a:graphicData>
+        </a:graphic>
+      </p:graphicFrame>
+    </p:spTree>
+    <p:extLst>
+      <p:ext uri="{BB962C8B-B14F-4D97-AF65-F5344CB8AC3E}">
+        <p14:creationId xmlns:p14="http://schemas.microsoft.com/office/powerpoint/2010/main" val="1181785156"/>
+      </p:ext>
+    </p:extLst>
+  </p:cSld>
+  <p:clrMapOvr>
+    <a:masterClrMapping/>
+  </p:clrMapOvr>
+</p:sld>
+</file>
+
+<file path=ppt/slides/slide21.xml><?xml version="1.0" encoding="utf-8"?>
+<p:sld xmlns:a="http://schemas.openxmlformats.org/drawingml/2006/main" xmlns:r="http://schemas.openxmlformats.org/officeDocument/2006/relationships" xmlns:p="http://schemas.openxmlformats.org/presentationml/2006/main">
+  <p:cSld>
+    <p:bg>
+      <p:bgPr>
+        <a:solidFill>
+          <a:schemeClr val="bg1"/>
+        </a:solidFill>
+        <a:effectLst/>
+      </p:bgPr>
+    </p:bg>
+    <p:spTree>
+      <p:nvGrpSpPr>
+        <p:cNvPr id="1" name=""/>
+        <p:cNvGrpSpPr/>
+        <p:nvPr/>
+      </p:nvGrpSpPr>
+      <p:grpSpPr>
+        <a:xfrm>
+          <a:off x="0" y="0"/>
+          <a:ext cx="0" cy="0"/>
+          <a:chOff x="0" y="0"/>
+          <a:chExt cx="0" cy="0"/>
+        </a:xfrm>
+      </p:grpSpPr>
+      <p:graphicFrame>
+        <p:nvGraphicFramePr>
+          <p:cNvPr id="2" name="Table 1">
+            <a:extLst>
+              <a:ext uri="{FF2B5EF4-FFF2-40B4-BE49-F238E27FC236}">
+                <a16:creationId xmlns:a16="http://schemas.microsoft.com/office/drawing/2014/main" id="{2ABAAD45-3B14-9BB1-218B-25822A0BC9E8}"/>
+              </a:ext>
+            </a:extLst>
+          </p:cNvPr>
+          <p:cNvGraphicFramePr>
+            <a:graphicFrameLocks noGrp="1"/>
+          </p:cNvGraphicFramePr>
+          <p:nvPr>
+            <p:extLst>
+              <p:ext uri="{D42A27DB-BD31-4B8C-83A1-F6EECF244321}">
+                <p14:modId xmlns:p14="http://schemas.microsoft.com/office/powerpoint/2010/main" val="3556085570"/>
+              </p:ext>
+            </p:extLst>
+          </p:nvPr>
+        </p:nvGraphicFramePr>
+        <p:xfrm>
+          <a:off x="2185060" y="643466"/>
+          <a:ext cx="7730836" cy="5639765"/>
+        </p:xfrm>
+        <a:graphic>
+          <a:graphicData uri="http://schemas.openxmlformats.org/drawingml/2006/table">
+            <a:tbl>
+              <a:tblPr firstRow="1" bandRow="1">
+                <a:noFill/>
+              </a:tblPr>
+              <a:tblGrid>
+                <a:gridCol w="2026457">
+                  <a:extLst>
+                    <a:ext uri="{9D8B030D-6E8A-4147-A177-3AD203B41FA5}">
+                      <a16:colId xmlns:a16="http://schemas.microsoft.com/office/drawing/2014/main" val="4032155096"/>
+                    </a:ext>
+                  </a:extLst>
+                </a:gridCol>
+                <a:gridCol w="1840294">
+                  <a:extLst>
+                    <a:ext uri="{9D8B030D-6E8A-4147-A177-3AD203B41FA5}">
+                      <a16:colId xmlns:a16="http://schemas.microsoft.com/office/drawing/2014/main" val="1110721081"/>
+                    </a:ext>
+                  </a:extLst>
+                </a:gridCol>
+                <a:gridCol w="1658648">
+                  <a:extLst>
+                    <a:ext uri="{9D8B030D-6E8A-4147-A177-3AD203B41FA5}">
+                      <a16:colId xmlns:a16="http://schemas.microsoft.com/office/drawing/2014/main" val="3560663967"/>
+                    </a:ext>
+                  </a:extLst>
+                </a:gridCol>
+                <a:gridCol w="2205437">
+                  <a:extLst>
+                    <a:ext uri="{9D8B030D-6E8A-4147-A177-3AD203B41FA5}">
+                      <a16:colId xmlns:a16="http://schemas.microsoft.com/office/drawing/2014/main" val="2479494346"/>
+                    </a:ext>
+                  </a:extLst>
+                </a:gridCol>
+              </a:tblGrid>
+              <a:tr h="522935">
+                <a:tc>
+                  <a:txBody>
+                    <a:bodyPr/>
+                    <a:lstStyle/>
+                    <a:p>
+                      <a:pPr algn="l" fontAlgn="b"/>
+                      <a:r>
+                        <a:rPr lang="en-US" sz="1400" b="0" cap="none" spc="60">
+                          <a:solidFill>
+                            <a:schemeClr val="bg1"/>
+                          </a:solidFill>
+                          <a:effectLst/>
+                        </a:rPr>
+                        <a:t>Región</a:t>
+                      </a:r>
+                    </a:p>
+                  </a:txBody>
+                  <a:tcPr marL="50310" marR="34065" marT="75329" marB="15722" anchor="ctr">
+                    <a:lnL w="12700" cmpd="sng">
+                      <a:noFill/>
+                    </a:lnL>
+                    <a:lnR w="12700" cmpd="sng">
+                      <a:noFill/>
+                    </a:lnR>
+                    <a:lnT w="19050" cap="flat" cmpd="sng" algn="ctr">
+                      <a:noFill/>
+                      <a:prstDash val="solid"/>
+                    </a:lnT>
+                    <a:lnB w="38100" cmpd="sng">
+                      <a:noFill/>
+                    </a:lnB>
+                    <a:solidFill>
+                      <a:schemeClr val="accent1"/>
+                    </a:solidFill>
+                  </a:tcPr>
+                </a:tc>
+                <a:tc>
+                  <a:txBody>
+                    <a:bodyPr/>
+                    <a:lstStyle/>
+                    <a:p>
+                      <a:pPr algn="l" fontAlgn="b"/>
+                      <a:r>
+                        <a:rPr lang="en-US" sz="1400" b="0" cap="none" spc="60">
+                          <a:solidFill>
+                            <a:schemeClr val="bg1"/>
+                          </a:solidFill>
+                          <a:effectLst/>
+                        </a:rPr>
+                        <a:t>Diferencia de totales</a:t>
+                      </a:r>
+                    </a:p>
+                  </a:txBody>
+                  <a:tcPr marL="50310" marR="34065" marT="75329" marB="15722" anchor="ctr">
+                    <a:lnL w="12700" cmpd="sng">
+                      <a:noFill/>
+                    </a:lnL>
+                    <a:lnR w="12700" cmpd="sng">
+                      <a:noFill/>
+                    </a:lnR>
+                    <a:lnT w="19050" cap="flat" cmpd="sng" algn="ctr">
+                      <a:noFill/>
+                      <a:prstDash val="solid"/>
+                    </a:lnT>
+                    <a:lnB w="38100" cmpd="sng">
+                      <a:noFill/>
+                    </a:lnB>
+                    <a:solidFill>
+                      <a:schemeClr val="accent1"/>
+                    </a:solidFill>
+                  </a:tcPr>
+                </a:tc>
+                <a:tc>
+                  <a:txBody>
+                    <a:bodyPr/>
+                    <a:lstStyle/>
+                    <a:p>
+                      <a:pPr algn="l" fontAlgn="b"/>
+                      <a:r>
+                        <a:rPr lang="en-US" sz="1400" b="0" cap="none" spc="60">
+                          <a:solidFill>
+                            <a:schemeClr val="bg1"/>
+                          </a:solidFill>
+                          <a:effectLst/>
+                        </a:rPr>
+                        <a:t>Suma reportes diarios</a:t>
+                      </a:r>
+                    </a:p>
+                  </a:txBody>
+                  <a:tcPr marL="50310" marR="34065" marT="75329" marB="15722" anchor="ctr">
+                    <a:lnL w="12700" cmpd="sng">
+                      <a:noFill/>
+                    </a:lnL>
+                    <a:lnR w="12700" cmpd="sng">
+                      <a:noFill/>
+                    </a:lnR>
+                    <a:lnT w="19050" cap="flat" cmpd="sng" algn="ctr">
+                      <a:noFill/>
+                      <a:prstDash val="solid"/>
+                    </a:lnT>
+                    <a:lnB w="38100" cmpd="sng">
+                      <a:noFill/>
+                    </a:lnB>
+                    <a:solidFill>
+                      <a:schemeClr val="accent1"/>
+                    </a:solidFill>
+                  </a:tcPr>
+                </a:tc>
+                <a:tc>
+                  <a:txBody>
+                    <a:bodyPr/>
+                    <a:lstStyle/>
+                    <a:p>
+                      <a:pPr algn="l" fontAlgn="b"/>
+                      <a:r>
+                        <a:rPr lang="en-US" sz="1400" b="0" cap="none" spc="60">
+                          <a:solidFill>
+                            <a:schemeClr val="bg1"/>
+                          </a:solidFill>
+                          <a:effectLst/>
+                        </a:rPr>
+                        <a:t>% discrepancia</a:t>
+                      </a:r>
+                    </a:p>
+                  </a:txBody>
+                  <a:tcPr marL="50310" marR="50310" marT="75329" marB="15722" anchor="ctr">
+                    <a:lnL w="12700" cmpd="sng">
+                      <a:noFill/>
+                    </a:lnL>
+                    <a:lnR w="12700" cmpd="sng">
+                      <a:noFill/>
+                    </a:lnR>
+                    <a:lnT w="19050" cap="flat" cmpd="sng" algn="ctr">
+                      <a:noFill/>
+                      <a:prstDash val="solid"/>
+                    </a:lnT>
+                    <a:lnB w="38100" cmpd="sng">
+                      <a:noFill/>
+                    </a:lnB>
+                    <a:solidFill>
+                      <a:schemeClr val="accent1"/>
+                    </a:solidFill>
+                  </a:tcPr>
+                </a:tc>
+                <a:extLst>
+                  <a:ext uri="{0D108BD9-81ED-4DB2-BD59-A6C34878D82A}">
+                    <a16:rowId xmlns:a16="http://schemas.microsoft.com/office/drawing/2014/main" val="2532201398"/>
+                  </a:ext>
+                </a:extLst>
+              </a:tr>
+              <a:tr h="296949">
+                <a:tc>
+                  <a:txBody>
+                    <a:bodyPr/>
+                    <a:lstStyle/>
+                    <a:p>
+                      <a:pPr fontAlgn="t"/>
+                      <a:r>
+                        <a:rPr lang="en-US" sz="1600">
+                          <a:solidFill>
+                            <a:srgbClr val="444444"/>
+                          </a:solidFill>
+                          <a:effectLst/>
+                        </a:rPr>
+                        <a:t>Arica y Parinacota</a:t>
+                      </a:r>
+                    </a:p>
+                  </a:txBody>
+                  <a:tcPr marR="61913" marT="28575" marB="28575">
+                    <a:lnL w="12700" cmpd="sng">
+                      <a:noFill/>
+                      <a:prstDash val="solid"/>
+                    </a:lnL>
+                    <a:lnR w="12700" cmpd="sng">
+                      <a:noFill/>
+                      <a:prstDash val="solid"/>
+                    </a:lnR>
+                    <a:lnT w="38100" cmpd="sng">
+                      <a:noFill/>
+                    </a:lnT>
+                    <a:lnB w="12700" cap="flat" cmpd="sng" algn="ctr">
+                      <a:noFill/>
+                      <a:prstDash val="solid"/>
+                    </a:lnB>
+                    <a:noFill/>
+                  </a:tcPr>
+                </a:tc>
+                <a:tc>
+                  <a:txBody>
+                    <a:bodyPr/>
+                    <a:lstStyle/>
+                    <a:p>
+                      <a:pPr algn="r" fontAlgn="t"/>
+                      <a:r>
+                        <a:rPr lang="en-CL" sz="1600">
+                          <a:solidFill>
+                            <a:srgbClr val="444444"/>
+                          </a:solidFill>
+                          <a:effectLst/>
+                        </a:rPr>
+                        <a:t>140</a:t>
+                      </a:r>
+                    </a:p>
+                  </a:txBody>
+                  <a:tcPr marR="61913" marT="28575" marB="28575">
+                    <a:lnL w="12700" cmpd="sng">
+                      <a:noFill/>
+                      <a:prstDash val="solid"/>
+                    </a:lnL>
+                    <a:lnR w="12700" cmpd="sng">
+                      <a:noFill/>
+                      <a:prstDash val="solid"/>
+                    </a:lnR>
+                    <a:lnT w="38100" cmpd="sng">
+                      <a:noFill/>
+                    </a:lnT>
+                    <a:lnB w="12700" cap="flat" cmpd="sng" algn="ctr">
+                      <a:noFill/>
+                      <a:prstDash val="solid"/>
+                    </a:lnB>
+                    <a:noFill/>
+                  </a:tcPr>
+                </a:tc>
+                <a:tc>
+                  <a:txBody>
+                    <a:bodyPr/>
+                    <a:lstStyle/>
+                    <a:p>
+                      <a:pPr algn="r" fontAlgn="t"/>
+                      <a:r>
+                        <a:rPr lang="en-CL" sz="1600">
+                          <a:solidFill>
+                            <a:srgbClr val="444444"/>
+                          </a:solidFill>
+                          <a:effectLst/>
+                        </a:rPr>
+                        <a:t>132</a:t>
+                      </a:r>
+                    </a:p>
+                  </a:txBody>
+                  <a:tcPr marR="61913" marT="28575" marB="28575">
+                    <a:lnL w="12700" cmpd="sng">
+                      <a:noFill/>
+                      <a:prstDash val="solid"/>
+                    </a:lnL>
+                    <a:lnR w="12700" cmpd="sng">
+                      <a:noFill/>
+                      <a:prstDash val="solid"/>
+                    </a:lnR>
+                    <a:lnT w="38100" cmpd="sng">
+                      <a:noFill/>
+                    </a:lnT>
+                    <a:lnB w="12700" cap="flat" cmpd="sng" algn="ctr">
+                      <a:noFill/>
+                      <a:prstDash val="solid"/>
+                    </a:lnB>
+                    <a:noFill/>
+                  </a:tcPr>
+                </a:tc>
+                <a:tc>
+                  <a:txBody>
+                    <a:bodyPr/>
+                    <a:lstStyle/>
+                    <a:p>
+                      <a:pPr algn="r" fontAlgn="t"/>
+                      <a:r>
+                        <a:rPr lang="en-CL" sz="1600">
+                          <a:solidFill>
+                            <a:srgbClr val="444444"/>
+                          </a:solidFill>
+                          <a:effectLst/>
+                        </a:rPr>
+                        <a:t>6,1%</a:t>
+                      </a:r>
+                    </a:p>
+                  </a:txBody>
+                  <a:tcPr marT="28575" marB="28575">
+                    <a:lnL w="12700" cmpd="sng">
+                      <a:noFill/>
+                      <a:prstDash val="solid"/>
+                    </a:lnL>
+                    <a:lnR w="12700" cmpd="sng">
+                      <a:noFill/>
+                      <a:prstDash val="solid"/>
+                    </a:lnR>
+                    <a:lnT w="38100" cmpd="sng">
+                      <a:noFill/>
+                    </a:lnT>
+                    <a:lnB w="12700" cap="flat" cmpd="sng" algn="ctr">
+                      <a:noFill/>
+                      <a:prstDash val="solid"/>
+                    </a:lnB>
+                    <a:noFill/>
+                  </a:tcPr>
+                </a:tc>
+                <a:extLst>
+                  <a:ext uri="{0D108BD9-81ED-4DB2-BD59-A6C34878D82A}">
+                    <a16:rowId xmlns:a16="http://schemas.microsoft.com/office/drawing/2014/main" val="2032016666"/>
+                  </a:ext>
+                </a:extLst>
+              </a:tr>
+              <a:tr h="296949">
+                <a:tc>
+                  <a:txBody>
+                    <a:bodyPr/>
+                    <a:lstStyle/>
+                    <a:p>
+                      <a:pPr fontAlgn="t"/>
+                      <a:r>
+                        <a:rPr lang="en-US" sz="1600">
+                          <a:solidFill>
+                            <a:srgbClr val="444444"/>
+                          </a:solidFill>
+                          <a:effectLst/>
+                        </a:rPr>
+                        <a:t>Tarapacá</a:t>
+                      </a:r>
+                    </a:p>
+                  </a:txBody>
+                  <a:tcPr marR="61913" marT="28575" marB="28575">
+                    <a:lnL w="12700" cmpd="sng">
+                      <a:noFill/>
+                      <a:prstDash val="solid"/>
+                    </a:lnL>
+                    <a:lnR w="12700" cmpd="sng">
+                      <a:noFill/>
+                      <a:prstDash val="solid"/>
+                    </a:lnR>
+                    <a:lnT w="12700" cap="flat" cmpd="sng" algn="ctr">
+                      <a:noFill/>
+                      <a:prstDash val="solid"/>
+                    </a:lnT>
+                    <a:lnB w="12700" cmpd="sng">
+                      <a:noFill/>
+                      <a:prstDash val="solid"/>
+                    </a:lnB>
+                    <a:solidFill>
+                      <a:schemeClr val="bg1">
+                        <a:lumMod val="95000"/>
+                      </a:schemeClr>
+                    </a:solidFill>
+                  </a:tcPr>
+                </a:tc>
+                <a:tc>
+                  <a:txBody>
+                    <a:bodyPr/>
+                    <a:lstStyle/>
+                    <a:p>
+                      <a:pPr algn="r" fontAlgn="t"/>
+                      <a:r>
+                        <a:rPr lang="en-CL" sz="1600">
+                          <a:solidFill>
+                            <a:srgbClr val="444444"/>
+                          </a:solidFill>
+                          <a:effectLst/>
+                        </a:rPr>
+                        <a:t>148</a:t>
+                      </a:r>
+                    </a:p>
+                  </a:txBody>
+                  <a:tcPr marR="61913" marT="28575" marB="28575">
+                    <a:lnL w="12700" cmpd="sng">
+                      <a:noFill/>
+                      <a:prstDash val="solid"/>
+                    </a:lnL>
+                    <a:lnR w="12700" cmpd="sng">
+                      <a:noFill/>
+                      <a:prstDash val="solid"/>
+                    </a:lnR>
+                    <a:lnT w="12700" cap="flat" cmpd="sng" algn="ctr">
+                      <a:noFill/>
+                      <a:prstDash val="solid"/>
+                    </a:lnT>
+                    <a:lnB w="12700" cmpd="sng">
+                      <a:noFill/>
+                      <a:prstDash val="solid"/>
+                    </a:lnB>
+                    <a:solidFill>
+                      <a:schemeClr val="bg1">
+                        <a:lumMod val="95000"/>
+                      </a:schemeClr>
+                    </a:solidFill>
+                  </a:tcPr>
+                </a:tc>
+                <a:tc>
+                  <a:txBody>
+                    <a:bodyPr/>
+                    <a:lstStyle/>
+                    <a:p>
+                      <a:pPr algn="r" fontAlgn="t"/>
+                      <a:r>
+                        <a:rPr lang="en-CL" sz="1600">
+                          <a:solidFill>
+                            <a:srgbClr val="444444"/>
+                          </a:solidFill>
+                          <a:effectLst/>
+                        </a:rPr>
+                        <a:t>148</a:t>
+                      </a:r>
+                    </a:p>
+                  </a:txBody>
+                  <a:tcPr marR="61913" marT="28575" marB="28575">
+                    <a:lnL w="12700" cmpd="sng">
+                      <a:noFill/>
+                      <a:prstDash val="solid"/>
+                    </a:lnL>
+                    <a:lnR w="12700" cmpd="sng">
+                      <a:noFill/>
+                      <a:prstDash val="solid"/>
+                    </a:lnR>
+                    <a:lnT w="12700" cap="flat" cmpd="sng" algn="ctr">
+                      <a:noFill/>
+                      <a:prstDash val="solid"/>
+                    </a:lnT>
+                    <a:lnB w="12700" cmpd="sng">
+                      <a:noFill/>
+                      <a:prstDash val="solid"/>
+                    </a:lnB>
+                    <a:solidFill>
+                      <a:schemeClr val="bg1">
+                        <a:lumMod val="95000"/>
+                      </a:schemeClr>
+                    </a:solidFill>
+                  </a:tcPr>
+                </a:tc>
+                <a:tc>
+                  <a:txBody>
+                    <a:bodyPr/>
+                    <a:lstStyle/>
+                    <a:p>
+                      <a:pPr algn="r" fontAlgn="t"/>
+                      <a:r>
+                        <a:rPr lang="en-CL" sz="1600">
+                          <a:solidFill>
+                            <a:srgbClr val="444444"/>
+                          </a:solidFill>
+                          <a:effectLst/>
+                        </a:rPr>
+                        <a:t>0,0%</a:t>
+                      </a:r>
+                    </a:p>
+                  </a:txBody>
+                  <a:tcPr marT="28575" marB="28575">
+                    <a:lnL w="12700" cmpd="sng">
+                      <a:noFill/>
+                      <a:prstDash val="solid"/>
+                    </a:lnL>
+                    <a:lnR w="12700" cmpd="sng">
+                      <a:noFill/>
+                      <a:prstDash val="solid"/>
+                    </a:lnR>
+                    <a:lnT w="12700" cap="flat" cmpd="sng" algn="ctr">
+                      <a:noFill/>
+                      <a:prstDash val="solid"/>
+                    </a:lnT>
+                    <a:lnB w="12700" cmpd="sng">
+                      <a:noFill/>
+                      <a:prstDash val="solid"/>
+                    </a:lnB>
+                    <a:solidFill>
+                      <a:schemeClr val="bg1">
+                        <a:lumMod val="95000"/>
+                      </a:schemeClr>
+                    </a:solidFill>
+                  </a:tcPr>
+                </a:tc>
+                <a:extLst>
+                  <a:ext uri="{0D108BD9-81ED-4DB2-BD59-A6C34878D82A}">
+                    <a16:rowId xmlns:a16="http://schemas.microsoft.com/office/drawing/2014/main" val="3325086555"/>
+                  </a:ext>
+                </a:extLst>
+              </a:tr>
+              <a:tr h="296949">
+                <a:tc>
+                  <a:txBody>
+                    <a:bodyPr/>
+                    <a:lstStyle/>
+                    <a:p>
+                      <a:pPr fontAlgn="t"/>
+                      <a:r>
+                        <a:rPr lang="en-US" sz="1600">
+                          <a:solidFill>
+                            <a:srgbClr val="444444"/>
+                          </a:solidFill>
+                          <a:effectLst/>
+                        </a:rPr>
+                        <a:t>Antofagasta</a:t>
+                      </a:r>
+                    </a:p>
+                  </a:txBody>
+                  <a:tcPr marR="61913" marT="28575" marB="28575">
+                    <a:lnL w="12700" cmpd="sng">
+                      <a:noFill/>
+                      <a:prstDash val="solid"/>
+                    </a:lnL>
+                    <a:lnR w="12700" cmpd="sng">
+                      <a:noFill/>
+                      <a:prstDash val="solid"/>
+                    </a:lnR>
+                    <a:lnT w="12700" cmpd="sng">
+                      <a:noFill/>
+                      <a:prstDash val="solid"/>
+                    </a:lnT>
+                    <a:lnB w="12700" cap="flat" cmpd="sng" algn="ctr">
+                      <a:noFill/>
+                      <a:prstDash val="solid"/>
+                    </a:lnB>
+                    <a:noFill/>
+                  </a:tcPr>
+                </a:tc>
+                <a:tc>
+                  <a:txBody>
+                    <a:bodyPr/>
+                    <a:lstStyle/>
+                    <a:p>
+                      <a:pPr algn="r" fontAlgn="t"/>
+                      <a:r>
+                        <a:rPr lang="en-CL" sz="1600">
+                          <a:solidFill>
+                            <a:srgbClr val="444444"/>
+                          </a:solidFill>
+                          <a:effectLst/>
+                        </a:rPr>
+                        <a:t>398</a:t>
+                      </a:r>
+                    </a:p>
+                  </a:txBody>
+                  <a:tcPr marR="61913" marT="28575" marB="28575">
+                    <a:lnL w="12700" cmpd="sng">
+                      <a:noFill/>
+                      <a:prstDash val="solid"/>
+                    </a:lnL>
+                    <a:lnR w="12700" cmpd="sng">
+                      <a:noFill/>
+                      <a:prstDash val="solid"/>
+                    </a:lnR>
+                    <a:lnT w="12700" cmpd="sng">
+                      <a:noFill/>
+                      <a:prstDash val="solid"/>
+                    </a:lnT>
+                    <a:lnB w="12700" cap="flat" cmpd="sng" algn="ctr">
+                      <a:noFill/>
+                      <a:prstDash val="solid"/>
+                    </a:lnB>
+                    <a:noFill/>
+                  </a:tcPr>
+                </a:tc>
+                <a:tc>
+                  <a:txBody>
+                    <a:bodyPr/>
+                    <a:lstStyle/>
+                    <a:p>
+                      <a:pPr algn="r" fontAlgn="t"/>
+                      <a:r>
+                        <a:rPr lang="en-CL" sz="1600">
+                          <a:solidFill>
+                            <a:srgbClr val="444444"/>
+                          </a:solidFill>
+                          <a:effectLst/>
+                        </a:rPr>
+                        <a:t>387</a:t>
+                      </a:r>
+                    </a:p>
+                  </a:txBody>
+                  <a:tcPr marR="61913" marT="28575" marB="28575">
+                    <a:lnL w="12700" cmpd="sng">
+                      <a:noFill/>
+                      <a:prstDash val="solid"/>
+                    </a:lnL>
+                    <a:lnR w="12700" cmpd="sng">
+                      <a:noFill/>
+                      <a:prstDash val="solid"/>
+                    </a:lnR>
+                    <a:lnT w="12700" cmpd="sng">
+                      <a:noFill/>
+                      <a:prstDash val="solid"/>
+                    </a:lnT>
+                    <a:lnB w="12700" cap="flat" cmpd="sng" algn="ctr">
+                      <a:noFill/>
+                      <a:prstDash val="solid"/>
+                    </a:lnB>
+                    <a:noFill/>
+                  </a:tcPr>
+                </a:tc>
+                <a:tc>
+                  <a:txBody>
+                    <a:bodyPr/>
+                    <a:lstStyle/>
+                    <a:p>
+                      <a:pPr algn="r" fontAlgn="t"/>
+                      <a:r>
+                        <a:rPr lang="en-CL" sz="1600">
+                          <a:solidFill>
+                            <a:srgbClr val="444444"/>
+                          </a:solidFill>
+                          <a:effectLst/>
+                        </a:rPr>
+                        <a:t>2,8%</a:t>
+                      </a:r>
+                    </a:p>
+                  </a:txBody>
+                  <a:tcPr marT="28575" marB="28575">
+                    <a:lnL w="12700" cmpd="sng">
+                      <a:noFill/>
+                      <a:prstDash val="solid"/>
+                    </a:lnL>
+                    <a:lnR w="12700" cmpd="sng">
+                      <a:noFill/>
+                      <a:prstDash val="solid"/>
+                    </a:lnR>
+                    <a:lnT w="12700" cmpd="sng">
+                      <a:noFill/>
+                      <a:prstDash val="solid"/>
+                    </a:lnT>
+                    <a:lnB w="12700" cap="flat" cmpd="sng" algn="ctr">
+                      <a:noFill/>
+                      <a:prstDash val="solid"/>
+                    </a:lnB>
+                    <a:noFill/>
+                  </a:tcPr>
+                </a:tc>
+                <a:extLst>
+                  <a:ext uri="{0D108BD9-81ED-4DB2-BD59-A6C34878D82A}">
+                    <a16:rowId xmlns:a16="http://schemas.microsoft.com/office/drawing/2014/main" val="3236916433"/>
+                  </a:ext>
+                </a:extLst>
+              </a:tr>
+              <a:tr h="296949">
+                <a:tc>
+                  <a:txBody>
+                    <a:bodyPr/>
+                    <a:lstStyle/>
+                    <a:p>
+                      <a:pPr fontAlgn="t"/>
+                      <a:r>
+                        <a:rPr lang="en-US" sz="1600">
+                          <a:solidFill>
+                            <a:srgbClr val="444444"/>
+                          </a:solidFill>
+                          <a:effectLst/>
+                        </a:rPr>
+                        <a:t>Atacama</a:t>
+                      </a:r>
+                    </a:p>
+                  </a:txBody>
+                  <a:tcPr marR="61913" marT="28575" marB="28575">
+                    <a:lnL w="12700" cmpd="sng">
+                      <a:noFill/>
+                      <a:prstDash val="solid"/>
+                    </a:lnL>
+                    <a:lnR w="12700" cmpd="sng">
+                      <a:noFill/>
+                      <a:prstDash val="solid"/>
+                    </a:lnR>
+                    <a:lnT w="12700" cap="flat" cmpd="sng" algn="ctr">
+                      <a:noFill/>
+                      <a:prstDash val="solid"/>
+                    </a:lnT>
+                    <a:lnB w="12700" cmpd="sng">
+                      <a:noFill/>
+                      <a:prstDash val="solid"/>
+                    </a:lnB>
+                    <a:solidFill>
+                      <a:schemeClr val="bg1">
+                        <a:lumMod val="95000"/>
+                      </a:schemeClr>
+                    </a:solidFill>
+                  </a:tcPr>
+                </a:tc>
+                <a:tc>
+                  <a:txBody>
+                    <a:bodyPr/>
+                    <a:lstStyle/>
+                    <a:p>
+                      <a:pPr algn="r" fontAlgn="t"/>
+                      <a:r>
+                        <a:rPr lang="en-CL" sz="1600">
+                          <a:solidFill>
+                            <a:srgbClr val="444444"/>
+                          </a:solidFill>
+                          <a:effectLst/>
+                        </a:rPr>
+                        <a:t>334</a:t>
+                      </a:r>
+                    </a:p>
+                  </a:txBody>
+                  <a:tcPr marR="61913" marT="28575" marB="28575">
+                    <a:lnL w="12700" cmpd="sng">
+                      <a:noFill/>
+                      <a:prstDash val="solid"/>
+                    </a:lnL>
+                    <a:lnR w="12700" cmpd="sng">
+                      <a:noFill/>
+                      <a:prstDash val="solid"/>
+                    </a:lnR>
+                    <a:lnT w="12700" cap="flat" cmpd="sng" algn="ctr">
+                      <a:noFill/>
+                      <a:prstDash val="solid"/>
+                    </a:lnT>
+                    <a:lnB w="12700" cmpd="sng">
+                      <a:noFill/>
+                      <a:prstDash val="solid"/>
+                    </a:lnB>
+                    <a:solidFill>
+                      <a:schemeClr val="bg1">
+                        <a:lumMod val="95000"/>
+                      </a:schemeClr>
+                    </a:solidFill>
+                  </a:tcPr>
+                </a:tc>
+                <a:tc>
+                  <a:txBody>
+                    <a:bodyPr/>
+                    <a:lstStyle/>
+                    <a:p>
+                      <a:pPr algn="r" fontAlgn="t"/>
+                      <a:r>
+                        <a:rPr lang="en-CL" sz="1600">
+                          <a:solidFill>
+                            <a:srgbClr val="444444"/>
+                          </a:solidFill>
+                          <a:effectLst/>
+                        </a:rPr>
+                        <a:t>325</a:t>
+                      </a:r>
+                    </a:p>
+                  </a:txBody>
+                  <a:tcPr marR="61913" marT="28575" marB="28575">
+                    <a:lnL w="12700" cmpd="sng">
+                      <a:noFill/>
+                      <a:prstDash val="solid"/>
+                    </a:lnL>
+                    <a:lnR w="12700" cmpd="sng">
+                      <a:noFill/>
+                      <a:prstDash val="solid"/>
+                    </a:lnR>
+                    <a:lnT w="12700" cap="flat" cmpd="sng" algn="ctr">
+                      <a:noFill/>
+                      <a:prstDash val="solid"/>
+                    </a:lnT>
+                    <a:lnB w="12700" cmpd="sng">
+                      <a:noFill/>
+                      <a:prstDash val="solid"/>
+                    </a:lnB>
+                    <a:solidFill>
+                      <a:schemeClr val="bg1">
+                        <a:lumMod val="95000"/>
+                      </a:schemeClr>
+                    </a:solidFill>
+                  </a:tcPr>
+                </a:tc>
+                <a:tc>
+                  <a:txBody>
+                    <a:bodyPr/>
+                    <a:lstStyle/>
+                    <a:p>
+                      <a:pPr algn="r" fontAlgn="t"/>
+                      <a:r>
+                        <a:rPr lang="en-CL" sz="1600">
+                          <a:solidFill>
+                            <a:srgbClr val="444444"/>
+                          </a:solidFill>
+                          <a:effectLst/>
+                        </a:rPr>
+                        <a:t>2,8%</a:t>
+                      </a:r>
+                    </a:p>
+                  </a:txBody>
+                  <a:tcPr marT="28575" marB="28575">
+                    <a:lnL w="12700" cmpd="sng">
+                      <a:noFill/>
+                      <a:prstDash val="solid"/>
+                    </a:lnL>
+                    <a:lnR w="12700" cmpd="sng">
+                      <a:noFill/>
+                      <a:prstDash val="solid"/>
+                    </a:lnR>
+                    <a:lnT w="12700" cap="flat" cmpd="sng" algn="ctr">
+                      <a:noFill/>
+                      <a:prstDash val="solid"/>
+                    </a:lnT>
+                    <a:lnB w="12700" cmpd="sng">
+                      <a:noFill/>
+                      <a:prstDash val="solid"/>
+                    </a:lnB>
+                    <a:solidFill>
+                      <a:schemeClr val="bg1">
+                        <a:lumMod val="95000"/>
+                      </a:schemeClr>
+                    </a:solidFill>
+                  </a:tcPr>
+                </a:tc>
+                <a:extLst>
+                  <a:ext uri="{0D108BD9-81ED-4DB2-BD59-A6C34878D82A}">
+                    <a16:rowId xmlns:a16="http://schemas.microsoft.com/office/drawing/2014/main" val="3073259527"/>
+                  </a:ext>
+                </a:extLst>
+              </a:tr>
+              <a:tr h="296949">
+                <a:tc>
+                  <a:txBody>
+                    <a:bodyPr/>
+                    <a:lstStyle/>
+                    <a:p>
+                      <a:pPr fontAlgn="t"/>
+                      <a:r>
+                        <a:rPr lang="en-US" sz="1600">
+                          <a:solidFill>
+                            <a:srgbClr val="444444"/>
+                          </a:solidFill>
+                          <a:effectLst/>
+                        </a:rPr>
+                        <a:t>Coquimbo</a:t>
+                      </a:r>
+                    </a:p>
+                  </a:txBody>
+                  <a:tcPr marR="61913" marT="28575" marB="28575">
+                    <a:lnL w="12700" cmpd="sng">
+                      <a:noFill/>
+                      <a:prstDash val="solid"/>
+                    </a:lnL>
+                    <a:lnR w="12700" cmpd="sng">
+                      <a:noFill/>
+                      <a:prstDash val="solid"/>
+                    </a:lnR>
+                    <a:lnT w="12700" cmpd="sng">
+                      <a:noFill/>
+                      <a:prstDash val="solid"/>
+                    </a:lnT>
+                    <a:lnB w="12700" cap="flat" cmpd="sng" algn="ctr">
+                      <a:noFill/>
+                      <a:prstDash val="solid"/>
+                    </a:lnB>
+                    <a:noFill/>
+                  </a:tcPr>
+                </a:tc>
+                <a:tc>
+                  <a:txBody>
+                    <a:bodyPr/>
+                    <a:lstStyle/>
+                    <a:p>
+                      <a:pPr algn="r" fontAlgn="t"/>
+                      <a:r>
+                        <a:rPr lang="en-CL" sz="1600">
+                          <a:solidFill>
+                            <a:srgbClr val="444444"/>
+                          </a:solidFill>
+                          <a:effectLst/>
+                        </a:rPr>
+                        <a:t>698</a:t>
+                      </a:r>
+                    </a:p>
+                  </a:txBody>
+                  <a:tcPr marR="61913" marT="28575" marB="28575">
+                    <a:lnL w="12700" cmpd="sng">
+                      <a:noFill/>
+                      <a:prstDash val="solid"/>
+                    </a:lnL>
+                    <a:lnR w="12700" cmpd="sng">
+                      <a:noFill/>
+                      <a:prstDash val="solid"/>
+                    </a:lnR>
+                    <a:lnT w="12700" cmpd="sng">
+                      <a:noFill/>
+                      <a:prstDash val="solid"/>
+                    </a:lnT>
+                    <a:lnB w="12700" cap="flat" cmpd="sng" algn="ctr">
+                      <a:noFill/>
+                      <a:prstDash val="solid"/>
+                    </a:lnB>
+                    <a:noFill/>
+                  </a:tcPr>
+                </a:tc>
+                <a:tc>
+                  <a:txBody>
+                    <a:bodyPr/>
+                    <a:lstStyle/>
+                    <a:p>
+                      <a:pPr algn="r" fontAlgn="t"/>
+                      <a:r>
+                        <a:rPr lang="en-CL" sz="1600">
+                          <a:solidFill>
+                            <a:srgbClr val="444444"/>
+                          </a:solidFill>
+                          <a:effectLst/>
+                        </a:rPr>
+                        <a:t>675</a:t>
+                      </a:r>
+                    </a:p>
+                  </a:txBody>
+                  <a:tcPr marR="61913" marT="28575" marB="28575">
+                    <a:lnL w="12700" cmpd="sng">
+                      <a:noFill/>
+                      <a:prstDash val="solid"/>
+                    </a:lnL>
+                    <a:lnR w="12700" cmpd="sng">
+                      <a:noFill/>
+                      <a:prstDash val="solid"/>
+                    </a:lnR>
+                    <a:lnT w="12700" cmpd="sng">
+                      <a:noFill/>
+                      <a:prstDash val="solid"/>
+                    </a:lnT>
+                    <a:lnB w="12700" cap="flat" cmpd="sng" algn="ctr">
+                      <a:noFill/>
+                      <a:prstDash val="solid"/>
+                    </a:lnB>
+                    <a:noFill/>
+                  </a:tcPr>
+                </a:tc>
+                <a:tc>
+                  <a:txBody>
+                    <a:bodyPr/>
+                    <a:lstStyle/>
+                    <a:p>
+                      <a:pPr algn="r" fontAlgn="t"/>
+                      <a:r>
+                        <a:rPr lang="en-CL" sz="1600">
+                          <a:solidFill>
+                            <a:srgbClr val="444444"/>
+                          </a:solidFill>
+                          <a:effectLst/>
+                        </a:rPr>
+                        <a:t>3,4%</a:t>
+                      </a:r>
+                    </a:p>
+                  </a:txBody>
+                  <a:tcPr marT="28575" marB="28575">
+                    <a:lnL w="12700" cmpd="sng">
+                      <a:noFill/>
+                      <a:prstDash val="solid"/>
+                    </a:lnL>
+                    <a:lnR w="12700" cmpd="sng">
+                      <a:noFill/>
+                      <a:prstDash val="solid"/>
+                    </a:lnR>
+                    <a:lnT w="12700" cmpd="sng">
+                      <a:noFill/>
+                      <a:prstDash val="solid"/>
+                    </a:lnT>
+                    <a:lnB w="12700" cap="flat" cmpd="sng" algn="ctr">
+                      <a:noFill/>
+                      <a:prstDash val="solid"/>
+                    </a:lnB>
+                    <a:noFill/>
+                  </a:tcPr>
+                </a:tc>
+                <a:extLst>
+                  <a:ext uri="{0D108BD9-81ED-4DB2-BD59-A6C34878D82A}">
+                    <a16:rowId xmlns:a16="http://schemas.microsoft.com/office/drawing/2014/main" val="1996986991"/>
+                  </a:ext>
+                </a:extLst>
+              </a:tr>
+              <a:tr h="296949">
+                <a:tc>
+                  <a:txBody>
+                    <a:bodyPr/>
+                    <a:lstStyle/>
+                    <a:p>
+                      <a:pPr fontAlgn="t"/>
+                      <a:r>
+                        <a:rPr lang="en-US" sz="1600" b="1" dirty="0">
+                          <a:solidFill>
+                            <a:srgbClr val="FF0000"/>
+                          </a:solidFill>
+                          <a:effectLst/>
+                        </a:rPr>
+                        <a:t>Valparaíso</a:t>
+                      </a:r>
+                    </a:p>
+                  </a:txBody>
+                  <a:tcPr marR="61913" marT="28575" marB="28575">
+                    <a:lnL w="12700" cmpd="sng">
+                      <a:noFill/>
+                      <a:prstDash val="solid"/>
+                    </a:lnL>
+                    <a:lnR w="12700" cmpd="sng">
+                      <a:noFill/>
+                      <a:prstDash val="solid"/>
+                    </a:lnR>
+                    <a:lnT w="12700" cap="flat" cmpd="sng" algn="ctr">
+                      <a:noFill/>
+                      <a:prstDash val="solid"/>
+                    </a:lnT>
+                    <a:lnB w="12700" cmpd="sng">
+                      <a:noFill/>
+                      <a:prstDash val="solid"/>
+                    </a:lnB>
+                    <a:solidFill>
+                      <a:schemeClr val="bg1">
+                        <a:lumMod val="95000"/>
+                      </a:schemeClr>
+                    </a:solidFill>
+                  </a:tcPr>
+                </a:tc>
+                <a:tc>
+                  <a:txBody>
+                    <a:bodyPr/>
+                    <a:lstStyle/>
+                    <a:p>
+                      <a:pPr algn="r" fontAlgn="t"/>
+                      <a:r>
+                        <a:rPr lang="en-CL" sz="1600" b="1" dirty="0">
+                          <a:solidFill>
+                            <a:srgbClr val="FF0000"/>
+                          </a:solidFill>
+                          <a:effectLst/>
+                        </a:rPr>
+                        <a:t>2405</a:t>
+                      </a:r>
+                    </a:p>
+                  </a:txBody>
+                  <a:tcPr marR="61913" marT="28575" marB="28575">
+                    <a:lnL w="12700" cmpd="sng">
+                      <a:noFill/>
+                      <a:prstDash val="solid"/>
+                    </a:lnL>
+                    <a:lnR w="12700" cmpd="sng">
+                      <a:noFill/>
+                      <a:prstDash val="solid"/>
+                    </a:lnR>
+                    <a:lnT w="12700" cap="flat" cmpd="sng" algn="ctr">
+                      <a:noFill/>
+                      <a:prstDash val="solid"/>
+                    </a:lnT>
+                    <a:lnB w="12700" cmpd="sng">
+                      <a:noFill/>
+                      <a:prstDash val="solid"/>
+                    </a:lnB>
+                    <a:solidFill>
+                      <a:schemeClr val="bg1">
+                        <a:lumMod val="95000"/>
+                      </a:schemeClr>
+                    </a:solidFill>
+                  </a:tcPr>
+                </a:tc>
+                <a:tc>
+                  <a:txBody>
+                    <a:bodyPr/>
+                    <a:lstStyle/>
+                    <a:p>
+                      <a:pPr algn="r" fontAlgn="t"/>
+                      <a:r>
+                        <a:rPr lang="en-CL" sz="1600" b="1" dirty="0">
+                          <a:solidFill>
+                            <a:srgbClr val="FF0000"/>
+                          </a:solidFill>
+                          <a:effectLst/>
+                        </a:rPr>
+                        <a:t>2075</a:t>
+                      </a:r>
+                    </a:p>
+                  </a:txBody>
+                  <a:tcPr marR="61913" marT="28575" marB="28575">
+                    <a:lnL w="12700" cmpd="sng">
+                      <a:noFill/>
+                      <a:prstDash val="solid"/>
+                    </a:lnL>
+                    <a:lnR w="12700" cmpd="sng">
+                      <a:noFill/>
+                      <a:prstDash val="solid"/>
+                    </a:lnR>
+                    <a:lnT w="12700" cap="flat" cmpd="sng" algn="ctr">
+                      <a:noFill/>
+                      <a:prstDash val="solid"/>
+                    </a:lnT>
+                    <a:lnB w="12700" cmpd="sng">
+                      <a:noFill/>
+                      <a:prstDash val="solid"/>
+                    </a:lnB>
+                    <a:solidFill>
+                      <a:schemeClr val="bg1">
+                        <a:lumMod val="95000"/>
+                      </a:schemeClr>
+                    </a:solidFill>
+                  </a:tcPr>
+                </a:tc>
+                <a:tc>
+                  <a:txBody>
+                    <a:bodyPr/>
+                    <a:lstStyle/>
+                    <a:p>
+                      <a:pPr algn="r" fontAlgn="t"/>
+                      <a:r>
+                        <a:rPr lang="en-CL" sz="1600" b="1" dirty="0">
+                          <a:solidFill>
+                            <a:srgbClr val="FF0000"/>
+                          </a:solidFill>
+                          <a:effectLst/>
+                        </a:rPr>
+                        <a:t>15,9%</a:t>
+                      </a:r>
+                    </a:p>
+                  </a:txBody>
+                  <a:tcPr marT="28575" marB="28575">
+                    <a:lnL w="12700" cmpd="sng">
+                      <a:noFill/>
+                      <a:prstDash val="solid"/>
+                    </a:lnL>
+                    <a:lnR w="12700" cmpd="sng">
+                      <a:noFill/>
+                      <a:prstDash val="solid"/>
+                    </a:lnR>
+                    <a:lnT w="12700" cap="flat" cmpd="sng" algn="ctr">
+                      <a:noFill/>
+                      <a:prstDash val="solid"/>
+                    </a:lnT>
+                    <a:lnB w="12700" cmpd="sng">
+                      <a:noFill/>
+                      <a:prstDash val="solid"/>
+                    </a:lnB>
+                    <a:solidFill>
+                      <a:schemeClr val="bg1">
+                        <a:lumMod val="95000"/>
+                      </a:schemeClr>
+                    </a:solidFill>
+                  </a:tcPr>
+                </a:tc>
+                <a:extLst>
+                  <a:ext uri="{0D108BD9-81ED-4DB2-BD59-A6C34878D82A}">
+                    <a16:rowId xmlns:a16="http://schemas.microsoft.com/office/drawing/2014/main" val="1363336763"/>
+                  </a:ext>
+                </a:extLst>
+              </a:tr>
+              <a:tr h="296949">
+                <a:tc>
+                  <a:txBody>
+                    <a:bodyPr/>
+                    <a:lstStyle/>
+                    <a:p>
+                      <a:pPr fontAlgn="t"/>
+                      <a:r>
+                        <a:rPr lang="en-US" sz="1600">
+                          <a:solidFill>
+                            <a:srgbClr val="444444"/>
+                          </a:solidFill>
+                          <a:effectLst/>
+                        </a:rPr>
+                        <a:t>Metropolitana</a:t>
+                      </a:r>
+                    </a:p>
+                  </a:txBody>
+                  <a:tcPr marR="61913" marT="28575" marB="28575">
+                    <a:lnL w="12700" cmpd="sng">
+                      <a:noFill/>
+                      <a:prstDash val="solid"/>
+                    </a:lnL>
+                    <a:lnR w="12700" cmpd="sng">
+                      <a:noFill/>
+                      <a:prstDash val="solid"/>
+                    </a:lnR>
+                    <a:lnT w="12700" cmpd="sng">
+                      <a:noFill/>
+                      <a:prstDash val="solid"/>
+                    </a:lnT>
+                    <a:lnB w="12700" cap="flat" cmpd="sng" algn="ctr">
+                      <a:noFill/>
+                      <a:prstDash val="solid"/>
+                    </a:lnB>
+                    <a:noFill/>
+                  </a:tcPr>
+                </a:tc>
+                <a:tc>
+                  <a:txBody>
+                    <a:bodyPr/>
+                    <a:lstStyle/>
+                    <a:p>
+                      <a:pPr algn="r" fontAlgn="t"/>
+                      <a:r>
+                        <a:rPr lang="en-CL" sz="1600">
+                          <a:solidFill>
+                            <a:srgbClr val="444444"/>
+                          </a:solidFill>
+                          <a:effectLst/>
+                        </a:rPr>
+                        <a:t>8324</a:t>
+                      </a:r>
+                    </a:p>
+                  </a:txBody>
+                  <a:tcPr marR="61913" marT="28575" marB="28575">
+                    <a:lnL w="12700" cmpd="sng">
+                      <a:noFill/>
+                      <a:prstDash val="solid"/>
+                    </a:lnL>
+                    <a:lnR w="12700" cmpd="sng">
+                      <a:noFill/>
+                      <a:prstDash val="solid"/>
+                    </a:lnR>
+                    <a:lnT w="12700" cmpd="sng">
+                      <a:noFill/>
+                      <a:prstDash val="solid"/>
+                    </a:lnT>
+                    <a:lnB w="12700" cap="flat" cmpd="sng" algn="ctr">
+                      <a:noFill/>
+                      <a:prstDash val="solid"/>
+                    </a:lnB>
+                    <a:noFill/>
+                  </a:tcPr>
+                </a:tc>
+                <a:tc>
+                  <a:txBody>
+                    <a:bodyPr/>
+                    <a:lstStyle/>
+                    <a:p>
+                      <a:pPr algn="r" fontAlgn="t"/>
+                      <a:r>
+                        <a:rPr lang="en-CL" sz="1600">
+                          <a:solidFill>
+                            <a:srgbClr val="444444"/>
+                          </a:solidFill>
+                          <a:effectLst/>
+                        </a:rPr>
+                        <a:t>7672</a:t>
+                      </a:r>
+                    </a:p>
+                  </a:txBody>
+                  <a:tcPr marR="61913" marT="28575" marB="28575">
+                    <a:lnL w="12700" cmpd="sng">
+                      <a:noFill/>
+                      <a:prstDash val="solid"/>
+                    </a:lnL>
+                    <a:lnR w="12700" cmpd="sng">
+                      <a:noFill/>
+                      <a:prstDash val="solid"/>
+                    </a:lnR>
+                    <a:lnT w="12700" cmpd="sng">
+                      <a:noFill/>
+                      <a:prstDash val="solid"/>
+                    </a:lnT>
+                    <a:lnB w="12700" cap="flat" cmpd="sng" algn="ctr">
+                      <a:noFill/>
+                      <a:prstDash val="solid"/>
+                    </a:lnB>
+                    <a:noFill/>
+                  </a:tcPr>
+                </a:tc>
+                <a:tc>
+                  <a:txBody>
+                    <a:bodyPr/>
+                    <a:lstStyle/>
+                    <a:p>
+                      <a:pPr algn="r" fontAlgn="t"/>
+                      <a:r>
+                        <a:rPr lang="en-CL" sz="1600" dirty="0">
+                          <a:solidFill>
+                            <a:srgbClr val="444444"/>
+                          </a:solidFill>
+                          <a:effectLst/>
+                        </a:rPr>
+                        <a:t>8,5%</a:t>
+                      </a:r>
+                    </a:p>
+                  </a:txBody>
+                  <a:tcPr marT="28575" marB="28575">
+                    <a:lnL w="12700" cmpd="sng">
+                      <a:noFill/>
+                      <a:prstDash val="solid"/>
+                    </a:lnL>
+                    <a:lnR w="12700" cmpd="sng">
+                      <a:noFill/>
+                      <a:prstDash val="solid"/>
+                    </a:lnR>
+                    <a:lnT w="12700" cmpd="sng">
+                      <a:noFill/>
+                      <a:prstDash val="solid"/>
+                    </a:lnT>
+                    <a:lnB w="12700" cap="flat" cmpd="sng" algn="ctr">
+                      <a:noFill/>
+                      <a:prstDash val="solid"/>
+                    </a:lnB>
+                    <a:noFill/>
+                  </a:tcPr>
+                </a:tc>
+                <a:extLst>
+                  <a:ext uri="{0D108BD9-81ED-4DB2-BD59-A6C34878D82A}">
+                    <a16:rowId xmlns:a16="http://schemas.microsoft.com/office/drawing/2014/main" val="3293508527"/>
+                  </a:ext>
+                </a:extLst>
+              </a:tr>
+              <a:tr h="296949">
+                <a:tc>
+                  <a:txBody>
+                    <a:bodyPr/>
+                    <a:lstStyle/>
+                    <a:p>
+                      <a:pPr fontAlgn="t"/>
+                      <a:r>
+                        <a:rPr lang="en-US" sz="1600">
+                          <a:solidFill>
+                            <a:srgbClr val="444444"/>
+                          </a:solidFill>
+                          <a:effectLst/>
+                        </a:rPr>
+                        <a:t>O’Higgins</a:t>
+                      </a:r>
+                    </a:p>
+                  </a:txBody>
+                  <a:tcPr marR="61913" marT="28575" marB="28575">
+                    <a:lnL w="12700" cmpd="sng">
+                      <a:noFill/>
+                      <a:prstDash val="solid"/>
+                    </a:lnL>
+                    <a:lnR w="12700" cmpd="sng">
+                      <a:noFill/>
+                      <a:prstDash val="solid"/>
+                    </a:lnR>
+                    <a:lnT w="12700" cap="flat" cmpd="sng" algn="ctr">
+                      <a:noFill/>
+                      <a:prstDash val="solid"/>
+                    </a:lnT>
+                    <a:lnB w="12700" cmpd="sng">
+                      <a:noFill/>
+                      <a:prstDash val="solid"/>
+                    </a:lnB>
+                    <a:solidFill>
+                      <a:schemeClr val="bg1">
+                        <a:lumMod val="95000"/>
+                      </a:schemeClr>
+                    </a:solidFill>
+                  </a:tcPr>
+                </a:tc>
+                <a:tc>
+                  <a:txBody>
+                    <a:bodyPr/>
+                    <a:lstStyle/>
+                    <a:p>
+                      <a:pPr algn="r" fontAlgn="t"/>
+                      <a:r>
+                        <a:rPr lang="en-CL" sz="1600">
+                          <a:solidFill>
+                            <a:srgbClr val="444444"/>
+                          </a:solidFill>
+                          <a:effectLst/>
+                        </a:rPr>
+                        <a:t>818</a:t>
+                      </a:r>
+                    </a:p>
+                  </a:txBody>
+                  <a:tcPr marR="61913" marT="28575" marB="28575">
+                    <a:lnL w="12700" cmpd="sng">
+                      <a:noFill/>
+                      <a:prstDash val="solid"/>
+                    </a:lnL>
+                    <a:lnR w="12700" cmpd="sng">
+                      <a:noFill/>
+                      <a:prstDash val="solid"/>
+                    </a:lnR>
+                    <a:lnT w="12700" cap="flat" cmpd="sng" algn="ctr">
+                      <a:noFill/>
+                      <a:prstDash val="solid"/>
+                    </a:lnT>
+                    <a:lnB w="12700" cmpd="sng">
+                      <a:noFill/>
+                      <a:prstDash val="solid"/>
+                    </a:lnB>
+                    <a:solidFill>
+                      <a:schemeClr val="bg1">
+                        <a:lumMod val="95000"/>
+                      </a:schemeClr>
+                    </a:solidFill>
+                  </a:tcPr>
+                </a:tc>
+                <a:tc>
+                  <a:txBody>
+                    <a:bodyPr/>
+                    <a:lstStyle/>
+                    <a:p>
+                      <a:pPr algn="r" fontAlgn="t"/>
+                      <a:r>
+                        <a:rPr lang="en-CL" sz="1600">
+                          <a:solidFill>
+                            <a:srgbClr val="444444"/>
+                          </a:solidFill>
+                          <a:effectLst/>
+                        </a:rPr>
+                        <a:t>821</a:t>
+                      </a:r>
+                    </a:p>
+                  </a:txBody>
+                  <a:tcPr marR="61913" marT="28575" marB="28575">
+                    <a:lnL w="12700" cmpd="sng">
+                      <a:noFill/>
+                      <a:prstDash val="solid"/>
+                    </a:lnL>
+                    <a:lnR w="12700" cmpd="sng">
+                      <a:noFill/>
+                      <a:prstDash val="solid"/>
+                    </a:lnR>
+                    <a:lnT w="12700" cap="flat" cmpd="sng" algn="ctr">
+                      <a:noFill/>
+                      <a:prstDash val="solid"/>
+                    </a:lnT>
+                    <a:lnB w="12700" cmpd="sng">
+                      <a:noFill/>
+                      <a:prstDash val="solid"/>
+                    </a:lnB>
+                    <a:solidFill>
+                      <a:schemeClr val="bg1">
+                        <a:lumMod val="95000"/>
+                      </a:schemeClr>
+                    </a:solidFill>
+                  </a:tcPr>
+                </a:tc>
+                <a:tc>
+                  <a:txBody>
+                    <a:bodyPr/>
+                    <a:lstStyle/>
+                    <a:p>
+                      <a:pPr algn="r" fontAlgn="t"/>
+                      <a:r>
+                        <a:rPr lang="en-CL" sz="1600">
+                          <a:solidFill>
+                            <a:srgbClr val="444444"/>
+                          </a:solidFill>
+                          <a:effectLst/>
+                        </a:rPr>
+                        <a:t>−0,4%</a:t>
+                      </a:r>
+                    </a:p>
+                  </a:txBody>
+                  <a:tcPr marT="28575" marB="28575">
+                    <a:lnL w="12700" cmpd="sng">
+                      <a:noFill/>
+                      <a:prstDash val="solid"/>
+                    </a:lnL>
+                    <a:lnR w="12700" cmpd="sng">
+                      <a:noFill/>
+                      <a:prstDash val="solid"/>
+                    </a:lnR>
+                    <a:lnT w="12700" cap="flat" cmpd="sng" algn="ctr">
+                      <a:noFill/>
+                      <a:prstDash val="solid"/>
+                    </a:lnT>
+                    <a:lnB w="12700" cmpd="sng">
+                      <a:noFill/>
+                      <a:prstDash val="solid"/>
+                    </a:lnB>
+                    <a:solidFill>
+                      <a:schemeClr val="bg1">
+                        <a:lumMod val="95000"/>
+                      </a:schemeClr>
+                    </a:solidFill>
+                  </a:tcPr>
+                </a:tc>
+                <a:extLst>
+                  <a:ext uri="{0D108BD9-81ED-4DB2-BD59-A6C34878D82A}">
+                    <a16:rowId xmlns:a16="http://schemas.microsoft.com/office/drawing/2014/main" val="428454517"/>
+                  </a:ext>
+                </a:extLst>
+              </a:tr>
+              <a:tr h="296949">
+                <a:tc>
+                  <a:txBody>
+                    <a:bodyPr/>
+                    <a:lstStyle/>
+                    <a:p>
+                      <a:pPr fontAlgn="t"/>
+                      <a:r>
+                        <a:rPr lang="en-US" sz="1600">
+                          <a:solidFill>
+                            <a:srgbClr val="444444"/>
+                          </a:solidFill>
+                          <a:effectLst/>
+                        </a:rPr>
+                        <a:t>Maule</a:t>
+                      </a:r>
+                    </a:p>
+                  </a:txBody>
+                  <a:tcPr marR="61913" marT="28575" marB="28575">
+                    <a:lnL w="12700" cmpd="sng">
+                      <a:noFill/>
+                      <a:prstDash val="solid"/>
+                    </a:lnL>
+                    <a:lnR w="12700" cmpd="sng">
+                      <a:noFill/>
+                      <a:prstDash val="solid"/>
+                    </a:lnR>
+                    <a:lnT w="12700" cmpd="sng">
+                      <a:noFill/>
+                      <a:prstDash val="solid"/>
+                    </a:lnT>
+                    <a:lnB w="12700" cap="flat" cmpd="sng" algn="ctr">
+                      <a:noFill/>
+                      <a:prstDash val="solid"/>
+                    </a:lnB>
+                    <a:noFill/>
+                  </a:tcPr>
+                </a:tc>
+                <a:tc>
+                  <a:txBody>
+                    <a:bodyPr/>
+                    <a:lstStyle/>
+                    <a:p>
+                      <a:pPr algn="r" fontAlgn="t"/>
+                      <a:r>
+                        <a:rPr lang="en-CL" sz="1600">
+                          <a:solidFill>
+                            <a:srgbClr val="444444"/>
+                          </a:solidFill>
+                          <a:effectLst/>
+                        </a:rPr>
+                        <a:t>1194</a:t>
+                      </a:r>
+                    </a:p>
+                  </a:txBody>
+                  <a:tcPr marR="61913" marT="28575" marB="28575">
+                    <a:lnL w="12700" cmpd="sng">
+                      <a:noFill/>
+                      <a:prstDash val="solid"/>
+                    </a:lnL>
+                    <a:lnR w="12700" cmpd="sng">
+                      <a:noFill/>
+                      <a:prstDash val="solid"/>
+                    </a:lnR>
+                    <a:lnT w="12700" cmpd="sng">
+                      <a:noFill/>
+                      <a:prstDash val="solid"/>
+                    </a:lnT>
+                    <a:lnB w="12700" cap="flat" cmpd="sng" algn="ctr">
+                      <a:noFill/>
+                      <a:prstDash val="solid"/>
+                    </a:lnB>
+                    <a:noFill/>
+                  </a:tcPr>
+                </a:tc>
+                <a:tc>
+                  <a:txBody>
+                    <a:bodyPr/>
+                    <a:lstStyle/>
+                    <a:p>
+                      <a:pPr algn="r" fontAlgn="t"/>
+                      <a:r>
+                        <a:rPr lang="en-CL" sz="1600">
+                          <a:solidFill>
+                            <a:srgbClr val="444444"/>
+                          </a:solidFill>
+                          <a:effectLst/>
+                        </a:rPr>
+                        <a:t>1197</a:t>
+                      </a:r>
+                    </a:p>
+                  </a:txBody>
+                  <a:tcPr marR="61913" marT="28575" marB="28575">
+                    <a:lnL w="12700" cmpd="sng">
+                      <a:noFill/>
+                      <a:prstDash val="solid"/>
+                    </a:lnL>
+                    <a:lnR w="12700" cmpd="sng">
+                      <a:noFill/>
+                      <a:prstDash val="solid"/>
+                    </a:lnR>
+                    <a:lnT w="12700" cmpd="sng">
+                      <a:noFill/>
+                      <a:prstDash val="solid"/>
+                    </a:lnT>
+                    <a:lnB w="12700" cap="flat" cmpd="sng" algn="ctr">
+                      <a:noFill/>
+                      <a:prstDash val="solid"/>
+                    </a:lnB>
+                    <a:noFill/>
+                  </a:tcPr>
+                </a:tc>
+                <a:tc>
+                  <a:txBody>
+                    <a:bodyPr/>
+                    <a:lstStyle/>
+                    <a:p>
+                      <a:pPr algn="r" fontAlgn="t"/>
+                      <a:r>
+                        <a:rPr lang="en-CL" sz="1600">
+                          <a:solidFill>
+                            <a:srgbClr val="444444"/>
+                          </a:solidFill>
+                          <a:effectLst/>
+                        </a:rPr>
+                        <a:t>−0,3%</a:t>
+                      </a:r>
+                    </a:p>
+                  </a:txBody>
+                  <a:tcPr marT="28575" marB="28575">
+                    <a:lnL w="12700" cmpd="sng">
+                      <a:noFill/>
+                      <a:prstDash val="solid"/>
+                    </a:lnL>
+                    <a:lnR w="12700" cmpd="sng">
+                      <a:noFill/>
+                      <a:prstDash val="solid"/>
+                    </a:lnR>
+                    <a:lnT w="12700" cmpd="sng">
+                      <a:noFill/>
+                      <a:prstDash val="solid"/>
+                    </a:lnT>
+                    <a:lnB w="12700" cap="flat" cmpd="sng" algn="ctr">
+                      <a:noFill/>
+                      <a:prstDash val="solid"/>
+                    </a:lnB>
+                    <a:noFill/>
+                  </a:tcPr>
+                </a:tc>
+                <a:extLst>
+                  <a:ext uri="{0D108BD9-81ED-4DB2-BD59-A6C34878D82A}">
+                    <a16:rowId xmlns:a16="http://schemas.microsoft.com/office/drawing/2014/main" val="3939839312"/>
+                  </a:ext>
+                </a:extLst>
+              </a:tr>
+              <a:tr h="296949">
+                <a:tc>
+                  <a:txBody>
+                    <a:bodyPr/>
+                    <a:lstStyle/>
+                    <a:p>
+                      <a:pPr fontAlgn="t"/>
+                      <a:r>
+                        <a:rPr lang="en-US" sz="1600">
+                          <a:solidFill>
+                            <a:srgbClr val="444444"/>
+                          </a:solidFill>
+                          <a:effectLst/>
+                        </a:rPr>
+                        <a:t>Ñuble</a:t>
+                      </a:r>
+                    </a:p>
+                  </a:txBody>
+                  <a:tcPr marR="61913" marT="28575" marB="28575">
+                    <a:lnL w="12700" cmpd="sng">
+                      <a:noFill/>
+                      <a:prstDash val="solid"/>
+                    </a:lnL>
+                    <a:lnR w="12700" cmpd="sng">
+                      <a:noFill/>
+                      <a:prstDash val="solid"/>
+                    </a:lnR>
+                    <a:lnT w="12700" cap="flat" cmpd="sng" algn="ctr">
+                      <a:noFill/>
+                      <a:prstDash val="solid"/>
+                    </a:lnT>
+                    <a:lnB w="12700" cmpd="sng">
+                      <a:noFill/>
+                      <a:prstDash val="solid"/>
+                    </a:lnB>
+                    <a:solidFill>
+                      <a:schemeClr val="bg1">
+                        <a:lumMod val="95000"/>
+                      </a:schemeClr>
+                    </a:solidFill>
+                  </a:tcPr>
+                </a:tc>
+                <a:tc>
+                  <a:txBody>
+                    <a:bodyPr/>
+                    <a:lstStyle/>
+                    <a:p>
+                      <a:pPr algn="r" fontAlgn="t"/>
+                      <a:r>
+                        <a:rPr lang="en-CL" sz="1600">
+                          <a:solidFill>
+                            <a:srgbClr val="444444"/>
+                          </a:solidFill>
+                          <a:effectLst/>
+                        </a:rPr>
+                        <a:t>541</a:t>
+                      </a:r>
+                    </a:p>
+                  </a:txBody>
+                  <a:tcPr marR="61913" marT="28575" marB="28575">
+                    <a:lnL w="12700" cmpd="sng">
+                      <a:noFill/>
+                      <a:prstDash val="solid"/>
+                    </a:lnL>
+                    <a:lnR w="12700" cmpd="sng">
+                      <a:noFill/>
+                      <a:prstDash val="solid"/>
+                    </a:lnR>
+                    <a:lnT w="12700" cap="flat" cmpd="sng" algn="ctr">
+                      <a:noFill/>
+                      <a:prstDash val="solid"/>
+                    </a:lnT>
+                    <a:lnB w="12700" cmpd="sng">
+                      <a:noFill/>
+                      <a:prstDash val="solid"/>
+                    </a:lnB>
+                    <a:solidFill>
+                      <a:schemeClr val="bg1">
+                        <a:lumMod val="95000"/>
+                      </a:schemeClr>
+                    </a:solidFill>
+                  </a:tcPr>
+                </a:tc>
+                <a:tc>
+                  <a:txBody>
+                    <a:bodyPr/>
+                    <a:lstStyle/>
+                    <a:p>
+                      <a:pPr algn="r" fontAlgn="t"/>
+                      <a:r>
+                        <a:rPr lang="en-CL" sz="1600">
+                          <a:solidFill>
+                            <a:srgbClr val="444444"/>
+                          </a:solidFill>
+                          <a:effectLst/>
+                        </a:rPr>
+                        <a:t>540</a:t>
+                      </a:r>
+                    </a:p>
+                  </a:txBody>
+                  <a:tcPr marR="61913" marT="28575" marB="28575">
+                    <a:lnL w="12700" cmpd="sng">
+                      <a:noFill/>
+                      <a:prstDash val="solid"/>
+                    </a:lnL>
+                    <a:lnR w="12700" cmpd="sng">
+                      <a:noFill/>
+                      <a:prstDash val="solid"/>
+                    </a:lnR>
+                    <a:lnT w="12700" cap="flat" cmpd="sng" algn="ctr">
+                      <a:noFill/>
+                      <a:prstDash val="solid"/>
+                    </a:lnT>
+                    <a:lnB w="12700" cmpd="sng">
+                      <a:noFill/>
+                      <a:prstDash val="solid"/>
+                    </a:lnB>
+                    <a:solidFill>
+                      <a:schemeClr val="bg1">
+                        <a:lumMod val="95000"/>
+                      </a:schemeClr>
+                    </a:solidFill>
+                  </a:tcPr>
+                </a:tc>
+                <a:tc>
+                  <a:txBody>
+                    <a:bodyPr/>
+                    <a:lstStyle/>
+                    <a:p>
+                      <a:pPr algn="r" fontAlgn="t"/>
+                      <a:r>
+                        <a:rPr lang="en-CL" sz="1600">
+                          <a:solidFill>
+                            <a:srgbClr val="444444"/>
+                          </a:solidFill>
+                          <a:effectLst/>
+                        </a:rPr>
+                        <a:t>0,2%</a:t>
+                      </a:r>
+                    </a:p>
+                  </a:txBody>
+                  <a:tcPr marT="28575" marB="28575">
+                    <a:lnL w="12700" cmpd="sng">
+                      <a:noFill/>
+                      <a:prstDash val="solid"/>
+                    </a:lnL>
+                    <a:lnR w="12700" cmpd="sng">
+                      <a:noFill/>
+                      <a:prstDash val="solid"/>
+                    </a:lnR>
+                    <a:lnT w="12700" cap="flat" cmpd="sng" algn="ctr">
+                      <a:noFill/>
+                      <a:prstDash val="solid"/>
+                    </a:lnT>
+                    <a:lnB w="12700" cmpd="sng">
+                      <a:noFill/>
+                      <a:prstDash val="solid"/>
+                    </a:lnB>
+                    <a:solidFill>
+                      <a:schemeClr val="bg1">
+                        <a:lumMod val="95000"/>
+                      </a:schemeClr>
+                    </a:solidFill>
+                  </a:tcPr>
+                </a:tc>
+                <a:extLst>
+                  <a:ext uri="{0D108BD9-81ED-4DB2-BD59-A6C34878D82A}">
+                    <a16:rowId xmlns:a16="http://schemas.microsoft.com/office/drawing/2014/main" val="4182656838"/>
+                  </a:ext>
+                </a:extLst>
+              </a:tr>
+              <a:tr h="296949">
+                <a:tc>
+                  <a:txBody>
+                    <a:bodyPr/>
+                    <a:lstStyle/>
+                    <a:p>
+                      <a:pPr fontAlgn="t"/>
+                      <a:r>
+                        <a:rPr lang="en-US" sz="1600">
+                          <a:solidFill>
+                            <a:srgbClr val="444444"/>
+                          </a:solidFill>
+                          <a:effectLst/>
+                        </a:rPr>
+                        <a:t>Biobío</a:t>
+                      </a:r>
+                    </a:p>
+                  </a:txBody>
+                  <a:tcPr marR="61913" marT="28575" marB="28575">
+                    <a:lnL w="12700" cmpd="sng">
+                      <a:noFill/>
+                      <a:prstDash val="solid"/>
+                    </a:lnL>
+                    <a:lnR w="12700" cmpd="sng">
+                      <a:noFill/>
+                      <a:prstDash val="solid"/>
+                    </a:lnR>
+                    <a:lnT w="12700" cmpd="sng">
+                      <a:noFill/>
+                      <a:prstDash val="solid"/>
+                    </a:lnT>
+                    <a:lnB w="12700" cap="flat" cmpd="sng" algn="ctr">
+                      <a:noFill/>
+                      <a:prstDash val="solid"/>
+                    </a:lnB>
+                    <a:noFill/>
+                  </a:tcPr>
+                </a:tc>
+                <a:tc>
+                  <a:txBody>
+                    <a:bodyPr/>
+                    <a:lstStyle/>
+                    <a:p>
+                      <a:pPr algn="r" fontAlgn="t"/>
+                      <a:r>
+                        <a:rPr lang="en-CL" sz="1600">
+                          <a:solidFill>
+                            <a:srgbClr val="444444"/>
+                          </a:solidFill>
+                          <a:effectLst/>
+                        </a:rPr>
+                        <a:t>1693</a:t>
+                      </a:r>
+                    </a:p>
+                  </a:txBody>
+                  <a:tcPr marR="61913" marT="28575" marB="28575">
+                    <a:lnL w="12700" cmpd="sng">
+                      <a:noFill/>
+                      <a:prstDash val="solid"/>
+                    </a:lnL>
+                    <a:lnR w="12700" cmpd="sng">
+                      <a:noFill/>
+                      <a:prstDash val="solid"/>
+                    </a:lnR>
+                    <a:lnT w="12700" cmpd="sng">
+                      <a:noFill/>
+                      <a:prstDash val="solid"/>
+                    </a:lnT>
+                    <a:lnB w="12700" cap="flat" cmpd="sng" algn="ctr">
+                      <a:noFill/>
+                      <a:prstDash val="solid"/>
+                    </a:lnB>
+                    <a:noFill/>
+                  </a:tcPr>
+                </a:tc>
+                <a:tc>
+                  <a:txBody>
+                    <a:bodyPr/>
+                    <a:lstStyle/>
+                    <a:p>
+                      <a:pPr algn="r" fontAlgn="t"/>
+                      <a:r>
+                        <a:rPr lang="en-CL" sz="1600">
+                          <a:solidFill>
+                            <a:srgbClr val="444444"/>
+                          </a:solidFill>
+                          <a:effectLst/>
+                        </a:rPr>
+                        <a:t>1705</a:t>
+                      </a:r>
+                    </a:p>
+                  </a:txBody>
+                  <a:tcPr marR="61913" marT="28575" marB="28575">
+                    <a:lnL w="12700" cmpd="sng">
+                      <a:noFill/>
+                      <a:prstDash val="solid"/>
+                    </a:lnL>
+                    <a:lnR w="12700" cmpd="sng">
+                      <a:noFill/>
+                      <a:prstDash val="solid"/>
+                    </a:lnR>
+                    <a:lnT w="12700" cmpd="sng">
+                      <a:noFill/>
+                      <a:prstDash val="solid"/>
+                    </a:lnT>
+                    <a:lnB w="12700" cap="flat" cmpd="sng" algn="ctr">
+                      <a:noFill/>
+                      <a:prstDash val="solid"/>
+                    </a:lnB>
+                    <a:noFill/>
+                  </a:tcPr>
+                </a:tc>
+                <a:tc>
+                  <a:txBody>
+                    <a:bodyPr/>
+                    <a:lstStyle/>
+                    <a:p>
+                      <a:pPr algn="r" fontAlgn="t"/>
+                      <a:r>
+                        <a:rPr lang="en-CL" sz="1600">
+                          <a:solidFill>
+                            <a:srgbClr val="444444"/>
+                          </a:solidFill>
+                          <a:effectLst/>
+                        </a:rPr>
+                        <a:t>−0,7%</a:t>
+                      </a:r>
+                    </a:p>
+                  </a:txBody>
+                  <a:tcPr marT="28575" marB="28575">
+                    <a:lnL w="12700" cmpd="sng">
+                      <a:noFill/>
+                      <a:prstDash val="solid"/>
+                    </a:lnL>
+                    <a:lnR w="12700" cmpd="sng">
+                      <a:noFill/>
+                      <a:prstDash val="solid"/>
+                    </a:lnR>
+                    <a:lnT w="12700" cmpd="sng">
+                      <a:noFill/>
+                      <a:prstDash val="solid"/>
+                    </a:lnT>
+                    <a:lnB w="12700" cap="flat" cmpd="sng" algn="ctr">
+                      <a:noFill/>
+                      <a:prstDash val="solid"/>
+                    </a:lnB>
+                    <a:noFill/>
+                  </a:tcPr>
+                </a:tc>
+                <a:extLst>
+                  <a:ext uri="{0D108BD9-81ED-4DB2-BD59-A6C34878D82A}">
+                    <a16:rowId xmlns:a16="http://schemas.microsoft.com/office/drawing/2014/main" val="1963128832"/>
+                  </a:ext>
+                </a:extLst>
+              </a:tr>
+              <a:tr h="296949">
+                <a:tc>
+                  <a:txBody>
+                    <a:bodyPr/>
+                    <a:lstStyle/>
+                    <a:p>
+                      <a:pPr fontAlgn="t"/>
+                      <a:r>
+                        <a:rPr lang="en-US" sz="1600">
+                          <a:solidFill>
+                            <a:srgbClr val="444444"/>
+                          </a:solidFill>
+                          <a:effectLst/>
+                        </a:rPr>
+                        <a:t>Araucanía</a:t>
+                      </a:r>
+                    </a:p>
+                  </a:txBody>
+                  <a:tcPr marR="61913" marT="28575" marB="28575">
+                    <a:lnL w="12700" cmpd="sng">
+                      <a:noFill/>
+                      <a:prstDash val="solid"/>
+                    </a:lnL>
+                    <a:lnR w="12700" cmpd="sng">
+                      <a:noFill/>
+                      <a:prstDash val="solid"/>
+                    </a:lnR>
+                    <a:lnT w="12700" cap="flat" cmpd="sng" algn="ctr">
+                      <a:noFill/>
+                      <a:prstDash val="solid"/>
+                    </a:lnT>
+                    <a:lnB w="12700" cmpd="sng">
+                      <a:noFill/>
+                      <a:prstDash val="solid"/>
+                    </a:lnB>
+                    <a:solidFill>
+                      <a:schemeClr val="bg1">
+                        <a:lumMod val="95000"/>
+                      </a:schemeClr>
+                    </a:solidFill>
+                  </a:tcPr>
+                </a:tc>
+                <a:tc>
+                  <a:txBody>
+                    <a:bodyPr/>
+                    <a:lstStyle/>
+                    <a:p>
+                      <a:pPr algn="r" fontAlgn="t"/>
+                      <a:r>
+                        <a:rPr lang="en-CL" sz="1600">
+                          <a:solidFill>
+                            <a:srgbClr val="444444"/>
+                          </a:solidFill>
+                          <a:effectLst/>
+                        </a:rPr>
+                        <a:t>936</a:t>
+                      </a:r>
+                    </a:p>
+                  </a:txBody>
+                  <a:tcPr marR="61913" marT="28575" marB="28575">
+                    <a:lnL w="12700" cmpd="sng">
+                      <a:noFill/>
+                      <a:prstDash val="solid"/>
+                    </a:lnL>
+                    <a:lnR w="12700" cmpd="sng">
+                      <a:noFill/>
+                      <a:prstDash val="solid"/>
+                    </a:lnR>
+                    <a:lnT w="12700" cap="flat" cmpd="sng" algn="ctr">
+                      <a:noFill/>
+                      <a:prstDash val="solid"/>
+                    </a:lnT>
+                    <a:lnB w="12700" cmpd="sng">
+                      <a:noFill/>
+                      <a:prstDash val="solid"/>
+                    </a:lnB>
+                    <a:solidFill>
+                      <a:schemeClr val="bg1">
+                        <a:lumMod val="95000"/>
+                      </a:schemeClr>
+                    </a:solidFill>
+                  </a:tcPr>
+                </a:tc>
+                <a:tc>
+                  <a:txBody>
+                    <a:bodyPr/>
+                    <a:lstStyle/>
+                    <a:p>
+                      <a:pPr algn="r" fontAlgn="t"/>
+                      <a:r>
+                        <a:rPr lang="en-CL" sz="1600">
+                          <a:solidFill>
+                            <a:srgbClr val="444444"/>
+                          </a:solidFill>
+                          <a:effectLst/>
+                        </a:rPr>
+                        <a:t>890</a:t>
+                      </a:r>
+                    </a:p>
+                  </a:txBody>
+                  <a:tcPr marR="61913" marT="28575" marB="28575">
+                    <a:lnL w="12700" cmpd="sng">
+                      <a:noFill/>
+                      <a:prstDash val="solid"/>
+                    </a:lnL>
+                    <a:lnR w="12700" cmpd="sng">
+                      <a:noFill/>
+                      <a:prstDash val="solid"/>
+                    </a:lnR>
+                    <a:lnT w="12700" cap="flat" cmpd="sng" algn="ctr">
+                      <a:noFill/>
+                      <a:prstDash val="solid"/>
+                    </a:lnT>
+                    <a:lnB w="12700" cmpd="sng">
+                      <a:noFill/>
+                      <a:prstDash val="solid"/>
+                    </a:lnB>
+                    <a:solidFill>
+                      <a:schemeClr val="bg1">
+                        <a:lumMod val="95000"/>
+                      </a:schemeClr>
+                    </a:solidFill>
+                  </a:tcPr>
+                </a:tc>
+                <a:tc>
+                  <a:txBody>
+                    <a:bodyPr/>
+                    <a:lstStyle/>
+                    <a:p>
+                      <a:pPr algn="r" fontAlgn="t"/>
+                      <a:r>
+                        <a:rPr lang="en-CL" sz="1600">
+                          <a:solidFill>
+                            <a:srgbClr val="444444"/>
+                          </a:solidFill>
+                          <a:effectLst/>
+                        </a:rPr>
+                        <a:t>5,2%</a:t>
+                      </a:r>
+                    </a:p>
+                  </a:txBody>
+                  <a:tcPr marT="28575" marB="28575">
+                    <a:lnL w="12700" cmpd="sng">
+                      <a:noFill/>
+                      <a:prstDash val="solid"/>
+                    </a:lnL>
+                    <a:lnR w="12700" cmpd="sng">
+                      <a:noFill/>
+                      <a:prstDash val="solid"/>
+                    </a:lnR>
+                    <a:lnT w="12700" cap="flat" cmpd="sng" algn="ctr">
+                      <a:noFill/>
+                      <a:prstDash val="solid"/>
+                    </a:lnT>
+                    <a:lnB w="12700" cmpd="sng">
+                      <a:noFill/>
+                      <a:prstDash val="solid"/>
+                    </a:lnB>
+                    <a:solidFill>
+                      <a:schemeClr val="bg1">
+                        <a:lumMod val="95000"/>
+                      </a:schemeClr>
+                    </a:solidFill>
+                  </a:tcPr>
+                </a:tc>
+                <a:extLst>
+                  <a:ext uri="{0D108BD9-81ED-4DB2-BD59-A6C34878D82A}">
+                    <a16:rowId xmlns:a16="http://schemas.microsoft.com/office/drawing/2014/main" val="2725694458"/>
+                  </a:ext>
+                </a:extLst>
+              </a:tr>
+              <a:tr h="296949">
+                <a:tc>
+                  <a:txBody>
+                    <a:bodyPr/>
+                    <a:lstStyle/>
+                    <a:p>
+                      <a:pPr fontAlgn="t"/>
+                      <a:r>
+                        <a:rPr lang="en-US" sz="1600">
+                          <a:solidFill>
+                            <a:srgbClr val="444444"/>
+                          </a:solidFill>
+                          <a:effectLst/>
+                        </a:rPr>
+                        <a:t>Los Ríos</a:t>
+                      </a:r>
+                    </a:p>
+                  </a:txBody>
+                  <a:tcPr marR="61913" marT="28575" marB="28575">
+                    <a:lnL w="12700" cmpd="sng">
+                      <a:noFill/>
+                      <a:prstDash val="solid"/>
+                    </a:lnL>
+                    <a:lnR w="12700" cmpd="sng">
+                      <a:noFill/>
+                      <a:prstDash val="solid"/>
+                    </a:lnR>
+                    <a:lnT w="12700" cmpd="sng">
+                      <a:noFill/>
+                      <a:prstDash val="solid"/>
+                    </a:lnT>
+                    <a:lnB w="12700" cap="flat" cmpd="sng" algn="ctr">
+                      <a:noFill/>
+                      <a:prstDash val="solid"/>
+                    </a:lnB>
+                    <a:noFill/>
+                  </a:tcPr>
+                </a:tc>
+                <a:tc>
+                  <a:txBody>
+                    <a:bodyPr/>
+                    <a:lstStyle/>
+                    <a:p>
+                      <a:pPr algn="r" fontAlgn="t"/>
+                      <a:r>
+                        <a:rPr lang="en-CL" sz="1600">
+                          <a:solidFill>
+                            <a:srgbClr val="444444"/>
+                          </a:solidFill>
+                          <a:effectLst/>
+                        </a:rPr>
+                        <a:t>362</a:t>
+                      </a:r>
+                    </a:p>
+                  </a:txBody>
+                  <a:tcPr marR="61913" marT="28575" marB="28575">
+                    <a:lnL w="12700" cmpd="sng">
+                      <a:noFill/>
+                      <a:prstDash val="solid"/>
+                    </a:lnL>
+                    <a:lnR w="12700" cmpd="sng">
+                      <a:noFill/>
+                      <a:prstDash val="solid"/>
+                    </a:lnR>
+                    <a:lnT w="12700" cmpd="sng">
+                      <a:noFill/>
+                      <a:prstDash val="solid"/>
+                    </a:lnT>
+                    <a:lnB w="12700" cap="flat" cmpd="sng" algn="ctr">
+                      <a:noFill/>
+                      <a:prstDash val="solid"/>
+                    </a:lnB>
+                    <a:noFill/>
+                  </a:tcPr>
+                </a:tc>
+                <a:tc>
+                  <a:txBody>
+                    <a:bodyPr/>
+                    <a:lstStyle/>
+                    <a:p>
+                      <a:pPr algn="r" fontAlgn="t"/>
+                      <a:r>
+                        <a:rPr lang="en-CL" sz="1600">
+                          <a:solidFill>
+                            <a:srgbClr val="444444"/>
+                          </a:solidFill>
+                          <a:effectLst/>
+                        </a:rPr>
+                        <a:t>330</a:t>
+                      </a:r>
+                    </a:p>
+                  </a:txBody>
+                  <a:tcPr marR="61913" marT="28575" marB="28575">
+                    <a:lnL w="12700" cmpd="sng">
+                      <a:noFill/>
+                      <a:prstDash val="solid"/>
+                    </a:lnL>
+                    <a:lnR w="12700" cmpd="sng">
+                      <a:noFill/>
+                      <a:prstDash val="solid"/>
+                    </a:lnR>
+                    <a:lnT w="12700" cmpd="sng">
+                      <a:noFill/>
+                      <a:prstDash val="solid"/>
+                    </a:lnT>
+                    <a:lnB w="12700" cap="flat" cmpd="sng" algn="ctr">
+                      <a:noFill/>
+                      <a:prstDash val="solid"/>
+                    </a:lnB>
+                    <a:noFill/>
+                  </a:tcPr>
+                </a:tc>
+                <a:tc>
+                  <a:txBody>
+                    <a:bodyPr/>
+                    <a:lstStyle/>
+                    <a:p>
+                      <a:pPr algn="r" fontAlgn="t"/>
+                      <a:r>
+                        <a:rPr lang="en-CL" sz="1600">
+                          <a:solidFill>
+                            <a:srgbClr val="444444"/>
+                          </a:solidFill>
+                          <a:effectLst/>
+                        </a:rPr>
+                        <a:t>9,7%</a:t>
+                      </a:r>
+                    </a:p>
+                  </a:txBody>
+                  <a:tcPr marT="28575" marB="28575">
+                    <a:lnL w="12700" cmpd="sng">
+                      <a:noFill/>
+                      <a:prstDash val="solid"/>
+                    </a:lnL>
+                    <a:lnR w="12700" cmpd="sng">
+                      <a:noFill/>
+                      <a:prstDash val="solid"/>
+                    </a:lnR>
+                    <a:lnT w="12700" cmpd="sng">
+                      <a:noFill/>
+                      <a:prstDash val="solid"/>
+                    </a:lnT>
+                    <a:lnB w="12700" cap="flat" cmpd="sng" algn="ctr">
+                      <a:noFill/>
+                      <a:prstDash val="solid"/>
+                    </a:lnB>
+                    <a:noFill/>
+                  </a:tcPr>
+                </a:tc>
+                <a:extLst>
+                  <a:ext uri="{0D108BD9-81ED-4DB2-BD59-A6C34878D82A}">
+                    <a16:rowId xmlns:a16="http://schemas.microsoft.com/office/drawing/2014/main" val="3453173324"/>
+                  </a:ext>
+                </a:extLst>
+              </a:tr>
+              <a:tr h="296949">
+                <a:tc>
+                  <a:txBody>
+                    <a:bodyPr/>
+                    <a:lstStyle/>
+                    <a:p>
+                      <a:pPr fontAlgn="t"/>
+                      <a:r>
+                        <a:rPr lang="en-US" sz="1600" b="1" dirty="0">
+                          <a:solidFill>
+                            <a:srgbClr val="FF0000"/>
+                          </a:solidFill>
+                          <a:effectLst/>
+                        </a:rPr>
+                        <a:t>Los Lagos</a:t>
+                      </a:r>
+                    </a:p>
+                  </a:txBody>
+                  <a:tcPr marR="61913" marT="28575" marB="28575">
+                    <a:lnL w="12700" cmpd="sng">
+                      <a:noFill/>
+                      <a:prstDash val="solid"/>
+                    </a:lnL>
+                    <a:lnR w="12700" cmpd="sng">
+                      <a:noFill/>
+                      <a:prstDash val="solid"/>
+                    </a:lnR>
+                    <a:lnT w="12700" cap="flat" cmpd="sng" algn="ctr">
+                      <a:noFill/>
+                      <a:prstDash val="solid"/>
+                    </a:lnT>
+                    <a:lnB w="12700" cmpd="sng">
+                      <a:noFill/>
+                      <a:prstDash val="solid"/>
+                    </a:lnB>
+                    <a:solidFill>
+                      <a:schemeClr val="bg1">
+                        <a:lumMod val="95000"/>
+                      </a:schemeClr>
+                    </a:solidFill>
+                  </a:tcPr>
+                </a:tc>
+                <a:tc>
+                  <a:txBody>
+                    <a:bodyPr/>
+                    <a:lstStyle/>
+                    <a:p>
+                      <a:pPr algn="r" fontAlgn="t"/>
+                      <a:r>
+                        <a:rPr lang="en-CL" sz="1600" b="1" dirty="0">
+                          <a:solidFill>
+                            <a:srgbClr val="FF0000"/>
+                          </a:solidFill>
+                          <a:effectLst/>
+                        </a:rPr>
+                        <a:t>1668</a:t>
+                      </a:r>
+                    </a:p>
+                  </a:txBody>
+                  <a:tcPr marR="61913" marT="28575" marB="28575">
+                    <a:lnL w="12700" cmpd="sng">
+                      <a:noFill/>
+                      <a:prstDash val="solid"/>
+                    </a:lnL>
+                    <a:lnR w="12700" cmpd="sng">
+                      <a:noFill/>
+                      <a:prstDash val="solid"/>
+                    </a:lnR>
+                    <a:lnT w="12700" cap="flat" cmpd="sng" algn="ctr">
+                      <a:noFill/>
+                      <a:prstDash val="solid"/>
+                    </a:lnT>
+                    <a:lnB w="12700" cmpd="sng">
+                      <a:noFill/>
+                      <a:prstDash val="solid"/>
+                    </a:lnB>
+                    <a:solidFill>
+                      <a:schemeClr val="bg1">
+                        <a:lumMod val="95000"/>
+                      </a:schemeClr>
+                    </a:solidFill>
+                  </a:tcPr>
+                </a:tc>
+                <a:tc>
+                  <a:txBody>
+                    <a:bodyPr/>
+                    <a:lstStyle/>
+                    <a:p>
+                      <a:pPr algn="r" fontAlgn="t"/>
+                      <a:r>
+                        <a:rPr lang="en-CL" sz="1600" b="1" dirty="0">
+                          <a:solidFill>
+                            <a:srgbClr val="FF0000"/>
+                          </a:solidFill>
+                          <a:effectLst/>
+                        </a:rPr>
+                        <a:t>466</a:t>
+                      </a:r>
+                    </a:p>
+                  </a:txBody>
+                  <a:tcPr marR="61913" marT="28575" marB="28575">
+                    <a:lnL w="12700" cmpd="sng">
+                      <a:noFill/>
+                      <a:prstDash val="solid"/>
+                    </a:lnL>
+                    <a:lnR w="12700" cmpd="sng">
+                      <a:noFill/>
+                      <a:prstDash val="solid"/>
+                    </a:lnR>
+                    <a:lnT w="12700" cap="flat" cmpd="sng" algn="ctr">
+                      <a:noFill/>
+                      <a:prstDash val="solid"/>
+                    </a:lnT>
+                    <a:lnB w="12700" cmpd="sng">
+                      <a:noFill/>
+                      <a:prstDash val="solid"/>
+                    </a:lnB>
+                    <a:solidFill>
+                      <a:schemeClr val="bg1">
+                        <a:lumMod val="95000"/>
+                      </a:schemeClr>
+                    </a:solidFill>
+                  </a:tcPr>
+                </a:tc>
+                <a:tc>
+                  <a:txBody>
+                    <a:bodyPr/>
+                    <a:lstStyle/>
+                    <a:p>
+                      <a:pPr algn="r" fontAlgn="t"/>
+                      <a:r>
+                        <a:rPr lang="en-CL" sz="1600" b="1" dirty="0">
+                          <a:solidFill>
+                            <a:srgbClr val="FF0000"/>
+                          </a:solidFill>
+                          <a:effectLst/>
+                        </a:rPr>
+                        <a:t>257,9%</a:t>
+                      </a:r>
+                    </a:p>
+                  </a:txBody>
+                  <a:tcPr marT="28575" marB="28575">
+                    <a:lnL w="12700" cmpd="sng">
+                      <a:noFill/>
+                      <a:prstDash val="solid"/>
+                    </a:lnL>
+                    <a:lnR w="12700" cmpd="sng">
+                      <a:noFill/>
+                      <a:prstDash val="solid"/>
+                    </a:lnR>
+                    <a:lnT w="12700" cap="flat" cmpd="sng" algn="ctr">
+                      <a:noFill/>
+                      <a:prstDash val="solid"/>
+                    </a:lnT>
+                    <a:lnB w="12700" cmpd="sng">
+                      <a:noFill/>
+                      <a:prstDash val="solid"/>
+                    </a:lnB>
+                    <a:solidFill>
+                      <a:schemeClr val="bg1">
+                        <a:lumMod val="95000"/>
+                      </a:schemeClr>
+                    </a:solidFill>
+                  </a:tcPr>
+                </a:tc>
+                <a:extLst>
+                  <a:ext uri="{0D108BD9-81ED-4DB2-BD59-A6C34878D82A}">
+                    <a16:rowId xmlns:a16="http://schemas.microsoft.com/office/drawing/2014/main" val="1873229129"/>
+                  </a:ext>
+                </a:extLst>
+              </a:tr>
+              <a:tr h="296949">
+                <a:tc>
+                  <a:txBody>
+                    <a:bodyPr/>
+                    <a:lstStyle/>
+                    <a:p>
+                      <a:pPr fontAlgn="t"/>
+                      <a:r>
+                        <a:rPr lang="en-US" sz="1600">
+                          <a:solidFill>
+                            <a:srgbClr val="444444"/>
+                          </a:solidFill>
+                          <a:effectLst/>
+                        </a:rPr>
+                        <a:t>Aysén</a:t>
+                      </a:r>
+                    </a:p>
+                  </a:txBody>
+                  <a:tcPr marR="61913" marT="28575" marB="28575">
+                    <a:lnL w="12700" cmpd="sng">
+                      <a:noFill/>
+                      <a:prstDash val="solid"/>
+                    </a:lnL>
+                    <a:lnR w="12700" cmpd="sng">
+                      <a:noFill/>
+                      <a:prstDash val="solid"/>
+                    </a:lnR>
+                    <a:lnT w="12700" cmpd="sng">
+                      <a:noFill/>
+                      <a:prstDash val="solid"/>
+                    </a:lnT>
+                    <a:lnB w="12700" cap="flat" cmpd="sng" algn="ctr">
+                      <a:noFill/>
+                      <a:prstDash val="solid"/>
+                    </a:lnB>
+                    <a:noFill/>
+                  </a:tcPr>
+                </a:tc>
+                <a:tc>
+                  <a:txBody>
+                    <a:bodyPr/>
+                    <a:lstStyle/>
+                    <a:p>
+                      <a:pPr algn="r" fontAlgn="t"/>
+                      <a:r>
+                        <a:rPr lang="en-CL" sz="1600">
+                          <a:solidFill>
+                            <a:srgbClr val="444444"/>
+                          </a:solidFill>
+                          <a:effectLst/>
+                        </a:rPr>
+                        <a:t>128</a:t>
+                      </a:r>
+                    </a:p>
+                  </a:txBody>
+                  <a:tcPr marR="61913" marT="28575" marB="28575">
+                    <a:lnL w="12700" cmpd="sng">
+                      <a:noFill/>
+                      <a:prstDash val="solid"/>
+                    </a:lnL>
+                    <a:lnR w="12700" cmpd="sng">
+                      <a:noFill/>
+                      <a:prstDash val="solid"/>
+                    </a:lnR>
+                    <a:lnT w="12700" cmpd="sng">
+                      <a:noFill/>
+                      <a:prstDash val="solid"/>
+                    </a:lnT>
+                    <a:lnB w="12700" cap="flat" cmpd="sng" algn="ctr">
+                      <a:noFill/>
+                      <a:prstDash val="solid"/>
+                    </a:lnB>
+                    <a:noFill/>
+                  </a:tcPr>
+                </a:tc>
+                <a:tc>
+                  <a:txBody>
+                    <a:bodyPr/>
+                    <a:lstStyle/>
+                    <a:p>
+                      <a:pPr algn="r" fontAlgn="t"/>
+                      <a:r>
+                        <a:rPr lang="en-CL" sz="1600">
+                          <a:solidFill>
+                            <a:srgbClr val="444444"/>
+                          </a:solidFill>
+                          <a:effectLst/>
+                        </a:rPr>
+                        <a:t>125</a:t>
+                      </a:r>
+                    </a:p>
+                  </a:txBody>
+                  <a:tcPr marR="61913" marT="28575" marB="28575">
+                    <a:lnL w="12700" cmpd="sng">
+                      <a:noFill/>
+                      <a:prstDash val="solid"/>
+                    </a:lnL>
+                    <a:lnR w="12700" cmpd="sng">
+                      <a:noFill/>
+                      <a:prstDash val="solid"/>
+                    </a:lnR>
+                    <a:lnT w="12700" cmpd="sng">
+                      <a:noFill/>
+                      <a:prstDash val="solid"/>
+                    </a:lnT>
+                    <a:lnB w="12700" cap="flat" cmpd="sng" algn="ctr">
+                      <a:noFill/>
+                      <a:prstDash val="solid"/>
+                    </a:lnB>
+                    <a:noFill/>
+                  </a:tcPr>
+                </a:tc>
+                <a:tc>
+                  <a:txBody>
+                    <a:bodyPr/>
+                    <a:lstStyle/>
+                    <a:p>
+                      <a:pPr algn="r" fontAlgn="t"/>
+                      <a:r>
+                        <a:rPr lang="en-CL" sz="1600">
+                          <a:solidFill>
+                            <a:srgbClr val="444444"/>
+                          </a:solidFill>
+                          <a:effectLst/>
+                        </a:rPr>
+                        <a:t>2,4%</a:t>
+                      </a:r>
+                    </a:p>
+                  </a:txBody>
+                  <a:tcPr marT="28575" marB="28575">
+                    <a:lnL w="12700" cmpd="sng">
+                      <a:noFill/>
+                      <a:prstDash val="solid"/>
+                    </a:lnL>
+                    <a:lnR w="12700" cmpd="sng">
+                      <a:noFill/>
+                      <a:prstDash val="solid"/>
+                    </a:lnR>
+                    <a:lnT w="12700" cmpd="sng">
+                      <a:noFill/>
+                      <a:prstDash val="solid"/>
+                    </a:lnT>
+                    <a:lnB w="12700" cap="flat" cmpd="sng" algn="ctr">
+                      <a:noFill/>
+                      <a:prstDash val="solid"/>
+                    </a:lnB>
+                    <a:noFill/>
+                  </a:tcPr>
+                </a:tc>
+                <a:extLst>
+                  <a:ext uri="{0D108BD9-81ED-4DB2-BD59-A6C34878D82A}">
+                    <a16:rowId xmlns:a16="http://schemas.microsoft.com/office/drawing/2014/main" val="4232714880"/>
+                  </a:ext>
+                </a:extLst>
+              </a:tr>
+              <a:tr h="296949">
+                <a:tc>
+                  <a:txBody>
+                    <a:bodyPr/>
+                    <a:lstStyle/>
+                    <a:p>
+                      <a:pPr fontAlgn="t"/>
+                      <a:r>
+                        <a:rPr lang="en-US" sz="1600" b="1" dirty="0">
+                          <a:solidFill>
+                            <a:srgbClr val="FF0000"/>
+                          </a:solidFill>
+                          <a:effectLst/>
+                        </a:rPr>
+                        <a:t>Magallanes</a:t>
+                      </a:r>
+                    </a:p>
+                  </a:txBody>
+                  <a:tcPr marR="61913" marT="28575" marB="28575">
+                    <a:lnL w="12700" cmpd="sng">
+                      <a:noFill/>
+                      <a:prstDash val="solid"/>
+                    </a:lnL>
+                    <a:lnR w="12700" cmpd="sng">
+                      <a:noFill/>
+                      <a:prstDash val="solid"/>
+                    </a:lnR>
+                    <a:lnT w="12700" cap="flat" cmpd="sng" algn="ctr">
+                      <a:noFill/>
+                      <a:prstDash val="solid"/>
+                    </a:lnT>
+                    <a:lnB w="12700" cmpd="sng">
+                      <a:noFill/>
+                      <a:prstDash val="solid"/>
+                    </a:lnB>
+                    <a:solidFill>
+                      <a:schemeClr val="bg1">
+                        <a:lumMod val="95000"/>
+                      </a:schemeClr>
+                    </a:solidFill>
+                  </a:tcPr>
+                </a:tc>
+                <a:tc>
+                  <a:txBody>
+                    <a:bodyPr/>
+                    <a:lstStyle/>
+                    <a:p>
+                      <a:pPr algn="r" fontAlgn="t"/>
+                      <a:r>
+                        <a:rPr lang="en-CL" sz="1600" b="1" dirty="0">
+                          <a:solidFill>
+                            <a:srgbClr val="FF0000"/>
+                          </a:solidFill>
+                          <a:effectLst/>
+                        </a:rPr>
+                        <a:t>283</a:t>
+                      </a:r>
+                    </a:p>
+                  </a:txBody>
+                  <a:tcPr marR="61913" marT="28575" marB="28575">
+                    <a:lnL w="12700" cmpd="sng">
+                      <a:noFill/>
+                      <a:prstDash val="solid"/>
+                    </a:lnL>
+                    <a:lnR w="12700" cmpd="sng">
+                      <a:noFill/>
+                      <a:prstDash val="solid"/>
+                    </a:lnR>
+                    <a:lnT w="12700" cap="flat" cmpd="sng" algn="ctr">
+                      <a:noFill/>
+                      <a:prstDash val="solid"/>
+                    </a:lnT>
+                    <a:lnB w="12700" cmpd="sng">
+                      <a:noFill/>
+                      <a:prstDash val="solid"/>
+                    </a:lnB>
+                    <a:solidFill>
+                      <a:schemeClr val="bg1">
+                        <a:lumMod val="95000"/>
+                      </a:schemeClr>
+                    </a:solidFill>
+                  </a:tcPr>
+                </a:tc>
+                <a:tc>
+                  <a:txBody>
+                    <a:bodyPr/>
+                    <a:lstStyle/>
+                    <a:p>
+                      <a:pPr algn="r" fontAlgn="t"/>
+                      <a:r>
+                        <a:rPr lang="en-CL" sz="1600" b="1" dirty="0">
+                          <a:solidFill>
+                            <a:srgbClr val="FF0000"/>
+                          </a:solidFill>
+                          <a:effectLst/>
+                        </a:rPr>
+                        <a:t>222</a:t>
+                      </a:r>
+                    </a:p>
+                  </a:txBody>
+                  <a:tcPr marR="61913" marT="28575" marB="28575">
+                    <a:lnL w="12700" cmpd="sng">
+                      <a:noFill/>
+                      <a:prstDash val="solid"/>
+                    </a:lnL>
+                    <a:lnR w="12700" cmpd="sng">
+                      <a:noFill/>
+                      <a:prstDash val="solid"/>
+                    </a:lnR>
+                    <a:lnT w="12700" cap="flat" cmpd="sng" algn="ctr">
+                      <a:noFill/>
+                      <a:prstDash val="solid"/>
+                    </a:lnT>
+                    <a:lnB w="12700" cmpd="sng">
+                      <a:noFill/>
+                      <a:prstDash val="solid"/>
+                    </a:lnB>
+                    <a:solidFill>
+                      <a:schemeClr val="bg1">
+                        <a:lumMod val="95000"/>
+                      </a:schemeClr>
+                    </a:solidFill>
+                  </a:tcPr>
+                </a:tc>
+                <a:tc>
+                  <a:txBody>
+                    <a:bodyPr/>
+                    <a:lstStyle/>
+                    <a:p>
+                      <a:pPr algn="r" fontAlgn="t"/>
+                      <a:r>
+                        <a:rPr lang="en-CL" sz="1600" b="1" dirty="0">
+                          <a:solidFill>
+                            <a:srgbClr val="FF0000"/>
+                          </a:solidFill>
+                          <a:effectLst/>
+                        </a:rPr>
+                        <a:t>27,5%</a:t>
+                      </a:r>
+                    </a:p>
+                  </a:txBody>
+                  <a:tcPr marT="28575" marB="28575">
+                    <a:lnL w="12700" cmpd="sng">
+                      <a:noFill/>
+                      <a:prstDash val="solid"/>
+                    </a:lnL>
+                    <a:lnR w="12700" cmpd="sng">
+                      <a:noFill/>
+                      <a:prstDash val="solid"/>
+                    </a:lnR>
+                    <a:lnT w="12700" cap="flat" cmpd="sng" algn="ctr">
+                      <a:noFill/>
+                      <a:prstDash val="solid"/>
+                    </a:lnT>
+                    <a:lnB w="12700" cmpd="sng">
+                      <a:noFill/>
+                      <a:prstDash val="solid"/>
+                    </a:lnB>
+                    <a:solidFill>
+                      <a:schemeClr val="bg1">
+                        <a:lumMod val="95000"/>
+                      </a:schemeClr>
+                    </a:solidFill>
+                  </a:tcPr>
+                </a:tc>
+                <a:extLst>
+                  <a:ext uri="{0D108BD9-81ED-4DB2-BD59-A6C34878D82A}">
+                    <a16:rowId xmlns:a16="http://schemas.microsoft.com/office/drawing/2014/main" val="3094905859"/>
+                  </a:ext>
+                </a:extLst>
+              </a:tr>
+              <a:tr h="296949">
+                <a:tc>
+                  <a:txBody>
+                    <a:bodyPr/>
+                    <a:lstStyle/>
+                    <a:p>
+                      <a:pPr fontAlgn="t"/>
+                      <a:r>
+                        <a:rPr lang="en-US" sz="1600">
+                          <a:solidFill>
+                            <a:srgbClr val="444444"/>
+                          </a:solidFill>
+                          <a:effectLst/>
+                        </a:rPr>
+                        <a:t>Total</a:t>
+                      </a:r>
+                    </a:p>
+                  </a:txBody>
+                  <a:tcPr marR="61913" marT="28575" marB="28575">
+                    <a:lnL w="12700" cmpd="sng">
+                      <a:noFill/>
+                      <a:prstDash val="solid"/>
+                    </a:lnL>
+                    <a:lnR w="12700" cmpd="sng">
+                      <a:noFill/>
+                      <a:prstDash val="solid"/>
+                    </a:lnR>
+                    <a:lnT w="12700" cmpd="sng">
+                      <a:noFill/>
+                      <a:prstDash val="solid"/>
+                    </a:lnT>
+                    <a:lnB w="12700" cmpd="sng">
+                      <a:noFill/>
+                      <a:prstDash val="solid"/>
+                    </a:lnB>
+                    <a:noFill/>
+                  </a:tcPr>
+                </a:tc>
+                <a:tc>
+                  <a:txBody>
+                    <a:bodyPr/>
+                    <a:lstStyle/>
+                    <a:p>
+                      <a:pPr algn="r" fontAlgn="t"/>
+                      <a:r>
+                        <a:rPr lang="en-CL" sz="1600">
+                          <a:solidFill>
+                            <a:srgbClr val="444444"/>
+                          </a:solidFill>
+                          <a:effectLst/>
+                        </a:rPr>
+                        <a:t>20070</a:t>
+                      </a:r>
+                    </a:p>
+                  </a:txBody>
+                  <a:tcPr marR="61913" marT="28575" marB="28575">
+                    <a:lnL w="12700" cmpd="sng">
+                      <a:noFill/>
+                      <a:prstDash val="solid"/>
+                    </a:lnL>
+                    <a:lnR w="12700" cmpd="sng">
+                      <a:noFill/>
+                      <a:prstDash val="solid"/>
+                    </a:lnR>
+                    <a:lnT w="12700" cmpd="sng">
+                      <a:noFill/>
+                      <a:prstDash val="solid"/>
+                    </a:lnT>
+                    <a:lnB w="12700" cmpd="sng">
+                      <a:noFill/>
+                      <a:prstDash val="solid"/>
+                    </a:lnB>
+                    <a:noFill/>
+                  </a:tcPr>
+                </a:tc>
+                <a:tc>
+                  <a:txBody>
+                    <a:bodyPr/>
+                    <a:lstStyle/>
+                    <a:p>
+                      <a:pPr algn="r" fontAlgn="t"/>
+                      <a:r>
+                        <a:rPr lang="en-CL" sz="1600">
+                          <a:solidFill>
+                            <a:srgbClr val="444444"/>
+                          </a:solidFill>
+                          <a:effectLst/>
+                        </a:rPr>
+                        <a:t>17710</a:t>
+                      </a:r>
+                    </a:p>
+                  </a:txBody>
+                  <a:tcPr marR="61913" marT="28575" marB="28575">
+                    <a:lnL w="12700" cmpd="sng">
+                      <a:noFill/>
+                      <a:prstDash val="solid"/>
+                    </a:lnL>
+                    <a:lnR w="12700" cmpd="sng">
+                      <a:noFill/>
+                      <a:prstDash val="solid"/>
+                    </a:lnR>
+                    <a:lnT w="12700" cmpd="sng">
+                      <a:noFill/>
+                      <a:prstDash val="solid"/>
+                    </a:lnT>
+                    <a:lnB w="12700" cmpd="sng">
+                      <a:noFill/>
+                      <a:prstDash val="solid"/>
+                    </a:lnB>
+                    <a:noFill/>
+                  </a:tcPr>
+                </a:tc>
+                <a:tc>
+                  <a:txBody>
+                    <a:bodyPr/>
+                    <a:lstStyle/>
+                    <a:p>
+                      <a:pPr algn="r" fontAlgn="t"/>
+                      <a:r>
+                        <a:rPr lang="en-CL" sz="1600" dirty="0">
+                          <a:solidFill>
+                            <a:srgbClr val="444444"/>
+                          </a:solidFill>
+                          <a:effectLst/>
+                        </a:rPr>
+                        <a:t>13,3%</a:t>
+                      </a:r>
+                    </a:p>
+                  </a:txBody>
+                  <a:tcPr marT="28575" marB="28575">
+                    <a:lnL w="12700" cmpd="sng">
+                      <a:noFill/>
+                      <a:prstDash val="solid"/>
+                    </a:lnL>
+                    <a:lnR w="12700" cmpd="sng">
+                      <a:noFill/>
+                      <a:prstDash val="solid"/>
+                    </a:lnR>
+                    <a:lnT w="12700" cmpd="sng">
+                      <a:noFill/>
+                      <a:prstDash val="solid"/>
+                    </a:lnT>
+                    <a:lnB w="12700" cmpd="sng">
+                      <a:noFill/>
+                      <a:prstDash val="solid"/>
+                    </a:lnB>
+                    <a:noFill/>
+                  </a:tcPr>
+                </a:tc>
+                <a:extLst>
+                  <a:ext uri="{0D108BD9-81ED-4DB2-BD59-A6C34878D82A}">
+                    <a16:rowId xmlns:a16="http://schemas.microsoft.com/office/drawing/2014/main" val="3354509950"/>
+                  </a:ext>
+                </a:extLst>
+              </a:tr>
+            </a:tbl>
+          </a:graphicData>
+        </a:graphic>
+      </p:graphicFrame>
+      <p:sp>
+        <p:nvSpPr>
+          <p:cNvPr id="3" name="TextBox 2">
+            <a:extLst>
+              <a:ext uri="{FF2B5EF4-FFF2-40B4-BE49-F238E27FC236}">
+                <a16:creationId xmlns:a16="http://schemas.microsoft.com/office/drawing/2014/main" id="{1466E799-48AD-5187-9F81-19227DF76912}"/>
+              </a:ext>
+            </a:extLst>
+          </p:cNvPr>
+          <p:cNvSpPr txBox="1"/>
+          <p:nvPr/>
+        </p:nvSpPr>
+        <p:spPr>
+          <a:xfrm>
+            <a:off x="3140450" y="0"/>
+            <a:ext cx="5820055" cy="584775"/>
+          </a:xfrm>
+          <a:prstGeom prst="rect">
+            <a:avLst/>
+          </a:prstGeom>
+          <a:noFill/>
+        </p:spPr>
+        <p:txBody>
+          <a:bodyPr wrap="none" rtlCol="0">
+            <a:spAutoFit/>
+          </a:bodyPr>
+          <a:lstStyle/>
+          <a:p>
+            <a:r>
+              <a:rPr lang="en-CL" sz="3200" dirty="0"/>
+              <a:t>Descuadre de reportes semanales</a:t>
+            </a:r>
+          </a:p>
+        </p:txBody>
+      </p:sp>
+    </p:spTree>
+    <p:extLst>
+      <p:ext uri="{BB962C8B-B14F-4D97-AF65-F5344CB8AC3E}">
+        <p14:creationId xmlns:p14="http://schemas.microsoft.com/office/powerpoint/2010/main" val="1377821300"/>
+      </p:ext>
+    </p:extLst>
+  </p:cSld>
+  <p:clrMapOvr>
+    <a:masterClrMapping/>
+  </p:clrMapOvr>
+</p:sld>
+</file>
+
+<file path=ppt/slides/slide22.xml><?xml version="1.0" encoding="utf-8"?>
+<p:sld xmlns:a="http://schemas.openxmlformats.org/drawingml/2006/main" xmlns:r="http://schemas.openxmlformats.org/officeDocument/2006/relationships" xmlns:p="http://schemas.openxmlformats.org/presentationml/2006/main">
+  <p:cSld>
+    <p:spTree>
+      <p:nvGrpSpPr>
+        <p:cNvPr id="1" name=""/>
+        <p:cNvGrpSpPr/>
+        <p:nvPr/>
+      </p:nvGrpSpPr>
+      <p:grpSpPr>
+        <a:xfrm>
+          <a:off x="0" y="0"/>
+          <a:ext cx="0" cy="0"/>
+          <a:chOff x="0" y="0"/>
+          <a:chExt cx="0" cy="0"/>
+        </a:xfrm>
+      </p:grpSpPr>
+      <p:sp>
+        <p:nvSpPr>
+          <p:cNvPr id="5" name="TextBox 4">
+            <a:extLst>
+              <a:ext uri="{FF2B5EF4-FFF2-40B4-BE49-F238E27FC236}">
+                <a16:creationId xmlns:a16="http://schemas.microsoft.com/office/drawing/2014/main" id="{5812A473-A74C-FC4F-8976-C670E80DF397}"/>
+              </a:ext>
+            </a:extLst>
+          </p:cNvPr>
+          <p:cNvSpPr txBox="1"/>
+          <p:nvPr/>
+        </p:nvSpPr>
+        <p:spPr>
+          <a:xfrm>
+            <a:off x="0" y="6448620"/>
+            <a:ext cx="8132354" cy="369332"/>
+          </a:xfrm>
+          <a:prstGeom prst="rect">
+            <a:avLst/>
+          </a:prstGeom>
+          <a:noFill/>
+        </p:spPr>
+        <p:txBody>
+          <a:bodyPr wrap="none" rtlCol="0">
+            <a:spAutoFit/>
+          </a:bodyPr>
+          <a:lstStyle/>
+          <a:p>
+            <a:r>
+              <a:rPr lang="en-US" dirty="0"/>
+              <a:t>Fuente: Centro de </a:t>
+            </a:r>
+            <a:r>
+              <a:rPr lang="en-US" dirty="0" err="1"/>
+              <a:t>Modelamiento</a:t>
+            </a:r>
+            <a:r>
+              <a:rPr lang="en-US" dirty="0"/>
+              <a:t> </a:t>
+            </a:r>
+            <a:r>
+              <a:rPr lang="en-US" dirty="0" err="1"/>
+              <a:t>Matemático</a:t>
+            </a:r>
+            <a:r>
+              <a:rPr lang="en-US" dirty="0"/>
+              <a:t>, http://covid-19vis.cmm.uchile.cl/race</a:t>
+            </a:r>
+          </a:p>
+        </p:txBody>
+      </p:sp>
+      <p:sp>
+        <p:nvSpPr>
+          <p:cNvPr id="6" name="TextBox 5">
+            <a:extLst>
+              <a:ext uri="{FF2B5EF4-FFF2-40B4-BE49-F238E27FC236}">
+                <a16:creationId xmlns:a16="http://schemas.microsoft.com/office/drawing/2014/main" id="{74423459-FDA9-4647-8DC3-91E9FEA07904}"/>
+              </a:ext>
+            </a:extLst>
+          </p:cNvPr>
+          <p:cNvSpPr txBox="1"/>
+          <p:nvPr/>
+        </p:nvSpPr>
+        <p:spPr>
+          <a:xfrm>
+            <a:off x="1966600" y="-18567"/>
+            <a:ext cx="8258799" cy="738664"/>
+          </a:xfrm>
+          <a:prstGeom prst="rect">
+            <a:avLst/>
+          </a:prstGeom>
+          <a:noFill/>
+        </p:spPr>
+        <p:txBody>
+          <a:bodyPr wrap="none" rtlCol="0">
+            <a:spAutoFit/>
+          </a:bodyPr>
+          <a:lstStyle/>
+          <a:p>
+            <a:pPr algn="ctr"/>
+            <a:r>
+              <a:rPr lang="en-US" sz="2400" dirty="0" err="1"/>
+              <a:t>Número</a:t>
+            </a:r>
+            <a:r>
+              <a:rPr lang="en-US" sz="2400" dirty="0"/>
+              <a:t> </a:t>
+            </a:r>
+            <a:r>
+              <a:rPr lang="en-US" sz="2400" dirty="0" err="1"/>
+              <a:t>reproductivo</a:t>
+            </a:r>
+            <a:r>
+              <a:rPr lang="en-US" sz="2400" dirty="0"/>
+              <a:t> </a:t>
+            </a:r>
+            <a:r>
+              <a:rPr lang="en-US" sz="2400" dirty="0" err="1"/>
+              <a:t>efectivo</a:t>
+            </a:r>
+            <a:r>
+              <a:rPr lang="en-US" sz="2400" dirty="0"/>
+              <a:t> (o R </a:t>
+            </a:r>
+            <a:r>
+              <a:rPr lang="en-US" sz="2400" dirty="0" err="1"/>
+              <a:t>efectivo</a:t>
+            </a:r>
+            <a:r>
+              <a:rPr lang="en-US" sz="2400" dirty="0"/>
+              <a:t>) </a:t>
+            </a:r>
+          </a:p>
+          <a:p>
+            <a:pPr algn="ctr"/>
+            <a:r>
+              <a:rPr lang="en-US" dirty="0" err="1"/>
+              <a:t>Corresponde</a:t>
+            </a:r>
+            <a:r>
+              <a:rPr lang="en-US" dirty="0"/>
+              <a:t> al </a:t>
+            </a:r>
+            <a:r>
+              <a:rPr lang="en-US" dirty="0" err="1"/>
+              <a:t>número</a:t>
+            </a:r>
+            <a:r>
+              <a:rPr lang="en-US" dirty="0"/>
+              <a:t> </a:t>
+            </a:r>
+            <a:r>
+              <a:rPr lang="en-US" dirty="0" err="1"/>
+              <a:t>promedio</a:t>
+            </a:r>
+            <a:r>
+              <a:rPr lang="en-US" dirty="0"/>
+              <a:t> de personas </a:t>
+            </a:r>
+            <a:r>
+              <a:rPr lang="en-US" dirty="0" err="1"/>
+              <a:t>infectadas</a:t>
+            </a:r>
+            <a:r>
+              <a:rPr lang="en-US" dirty="0"/>
+              <a:t> por una persona </a:t>
+            </a:r>
+            <a:r>
+              <a:rPr lang="en-US" dirty="0" err="1"/>
+              <a:t>infecciosa</a:t>
+            </a:r>
+            <a:r>
+              <a:rPr lang="en-US" dirty="0"/>
+              <a:t>. </a:t>
+            </a:r>
+          </a:p>
+        </p:txBody>
+      </p:sp>
+      <p:pic>
+        <p:nvPicPr>
+          <p:cNvPr id="3" name="Picture 2">
+            <a:extLst>
+              <a:ext uri="{FF2B5EF4-FFF2-40B4-BE49-F238E27FC236}">
+                <a16:creationId xmlns:a16="http://schemas.microsoft.com/office/drawing/2014/main" id="{B509E9D4-0E67-F3BA-775F-2096385125EF}"/>
+              </a:ext>
+            </a:extLst>
+          </p:cNvPr>
+          <p:cNvPicPr>
+            <a:picLocks noChangeAspect="1"/>
+          </p:cNvPicPr>
+          <p:nvPr/>
+        </p:nvPicPr>
+        <p:blipFill>
+          <a:blip r:embed="rId2"/>
+          <a:stretch>
+            <a:fillRect/>
+          </a:stretch>
+        </p:blipFill>
+        <p:spPr>
+          <a:xfrm>
+            <a:off x="439386" y="881845"/>
+            <a:ext cx="11313226" cy="5405027"/>
+          </a:xfrm>
+          <a:prstGeom prst="rect">
+            <a:avLst/>
+          </a:prstGeom>
+        </p:spPr>
+      </p:pic>
+    </p:spTree>
+    <p:extLst>
+      <p:ext uri="{BB962C8B-B14F-4D97-AF65-F5344CB8AC3E}">
+        <p14:creationId xmlns:p14="http://schemas.microsoft.com/office/powerpoint/2010/main" val="1545126083"/>
+      </p:ext>
+    </p:extLst>
+  </p:cSld>
+  <p:clrMapOvr>
+    <a:masterClrMapping/>
+  </p:clrMapOvr>
+</p:sld>
+</file>
+
+<file path=ppt/slides/slide23.xml><?xml version="1.0" encoding="utf-8"?>
+<p:sld xmlns:a="http://schemas.openxmlformats.org/drawingml/2006/main" xmlns:r="http://schemas.openxmlformats.org/officeDocument/2006/relationships" xmlns:p="http://schemas.openxmlformats.org/presentationml/2006/main">
+  <p:cSld>
     <p:spTree>
       <p:nvGrpSpPr>
         <p:cNvPr id="1" name=""/>
@@ -7106,7 +14748,7 @@
 </p:sld>
 </file>
 
-<file path=ppt/slides/slide21.xml><?xml version="1.0" encoding="utf-8"?>
+<file path=ppt/slides/slide24.xml><?xml version="1.0" encoding="utf-8"?>
 <p:sld xmlns:a="http://schemas.openxmlformats.org/drawingml/2006/main" xmlns:r="http://schemas.openxmlformats.org/officeDocument/2006/relationships" xmlns:p="http://schemas.openxmlformats.org/presentationml/2006/main">
   <p:cSld>
     <p:spTree>
@@ -7196,7 +14838,7 @@
 </p:sld>
 </file>
 
-<file path=ppt/slides/slide22.xml><?xml version="1.0" encoding="utf-8"?>
+<file path=ppt/slides/slide25.xml><?xml version="1.0" encoding="utf-8"?>
 <p:sld xmlns:a="http://schemas.openxmlformats.org/drawingml/2006/main" xmlns:r="http://schemas.openxmlformats.org/officeDocument/2006/relationships" xmlns:p="http://schemas.openxmlformats.org/presentationml/2006/main">
   <p:cSld>
     <p:spTree>
@@ -7411,7 +15053,7 @@
 </p:sld>
 </file>
 
-<file path=ppt/slides/slide23.xml><?xml version="1.0" encoding="utf-8"?>
+<file path=ppt/slides/slide26.xml><?xml version="1.0" encoding="utf-8"?>
 <p:sld xmlns:a="http://schemas.openxmlformats.org/drawingml/2006/main" xmlns:r="http://schemas.openxmlformats.org/officeDocument/2006/relationships" xmlns:p="http://schemas.openxmlformats.org/presentationml/2006/main">
   <p:cSld>
     <p:spTree>
@@ -7623,7 +15265,7 @@
 </p:sld>
 </file>
 
-<file path=ppt/slides/slide24.xml><?xml version="1.0" encoding="utf-8"?>
+<file path=ppt/slides/slide27.xml><?xml version="1.0" encoding="utf-8"?>
 <p:sld xmlns:a="http://schemas.openxmlformats.org/drawingml/2006/main" xmlns:r="http://schemas.openxmlformats.org/officeDocument/2006/relationships" xmlns:p="http://schemas.openxmlformats.org/presentationml/2006/main">
   <p:cSld>
     <p:spTree>
